--- a/스토리보드/침대학교 스토리보드 v1.4.pptx
+++ b/스토리보드/침대학교 스토리보드 v1.4.pptx
@@ -5,7 +5,7 @@
     <p:sldMasterId id="2147483667" r:id="rId1"/>
   </p:sldMasterIdLst>
   <p:notesMasterIdLst>
-    <p:notesMasterId r:id="rId30"/>
+    <p:notesMasterId r:id="rId38"/>
   </p:notesMasterIdLst>
   <p:sldIdLst>
     <p:sldId id="256" r:id="rId2"/>
@@ -36,6 +36,14 @@
     <p:sldId id="309" r:id="rId27"/>
     <p:sldId id="311" r:id="rId28"/>
     <p:sldId id="312" r:id="rId29"/>
+    <p:sldId id="313" r:id="rId30"/>
+    <p:sldId id="314" r:id="rId31"/>
+    <p:sldId id="315" r:id="rId32"/>
+    <p:sldId id="316" r:id="rId33"/>
+    <p:sldId id="317" r:id="rId34"/>
+    <p:sldId id="318" r:id="rId35"/>
+    <p:sldId id="319" r:id="rId36"/>
+    <p:sldId id="320" r:id="rId37"/>
   </p:sldIdLst>
   <p:sldSz cx="9144000" cy="5143500" type="screen16x9"/>
   <p:notesSz cx="6858000" cy="9144000"/>
@@ -3007,6 +3015,115 @@
 </p:notes>
 </file>
 
+<file path=ppt/notesSlides/notesSlide29.xml><?xml version="1.0" encoding="utf-8"?>
+<p:notes xmlns:a="http://schemas.openxmlformats.org/drawingml/2006/main" xmlns:r="http://schemas.openxmlformats.org/officeDocument/2006/relationships" xmlns:p="http://schemas.openxmlformats.org/presentationml/2006/main" showMasterSp="0" showMasterPhAnim="0">
+  <p:cSld>
+    <p:spTree>
+      <p:nvGrpSpPr>
+        <p:cNvPr id="1" name="Shape 297"/>
+        <p:cNvGrpSpPr/>
+        <p:nvPr/>
+      </p:nvGrpSpPr>
+      <p:grpSpPr>
+        <a:xfrm>
+          <a:off x="0" y="0"/>
+          <a:ext cx="0" cy="0"/>
+          <a:chOff x="0" y="0"/>
+          <a:chExt cx="0" cy="0"/>
+        </a:xfrm>
+      </p:grpSpPr>
+      <p:sp>
+        <p:nvSpPr>
+          <p:cNvPr id="298" name="Google Shape;298;g54ff9c4cb4_3_5:notes"/>
+          <p:cNvSpPr>
+            <a:spLocks noGrp="1" noRot="1" noChangeAspect="1"/>
+          </p:cNvSpPr>
+          <p:nvPr>
+            <p:ph type="sldImg" idx="2"/>
+          </p:nvPr>
+        </p:nvSpPr>
+        <p:spPr>
+          <a:xfrm>
+            <a:off x="381000" y="685800"/>
+            <a:ext cx="6096000" cy="3429000"/>
+          </a:xfrm>
+          <a:custGeom>
+            <a:avLst/>
+            <a:gdLst/>
+            <a:ahLst/>
+            <a:cxnLst/>
+            <a:rect l="l" t="t" r="r" b="b"/>
+            <a:pathLst>
+              <a:path w="120000" h="120000" extrusionOk="0">
+                <a:moveTo>
+                  <a:pt x="0" y="0"/>
+                </a:moveTo>
+                <a:lnTo>
+                  <a:pt x="120000" y="0"/>
+                </a:lnTo>
+                <a:lnTo>
+                  <a:pt x="120000" y="120000"/>
+                </a:lnTo>
+                <a:lnTo>
+                  <a:pt x="0" y="120000"/>
+                </a:lnTo>
+                <a:close/>
+              </a:path>
+            </a:pathLst>
+          </a:custGeom>
+        </p:spPr>
+      </p:sp>
+      <p:sp>
+        <p:nvSpPr>
+          <p:cNvPr id="299" name="Google Shape;299;g54ff9c4cb4_3_5:notes"/>
+          <p:cNvSpPr txBox="1">
+            <a:spLocks noGrp="1"/>
+          </p:cNvSpPr>
+          <p:nvPr>
+            <p:ph type="body" idx="1"/>
+          </p:nvPr>
+        </p:nvSpPr>
+        <p:spPr>
+          <a:xfrm>
+            <a:off x="685800" y="4343400"/>
+            <a:ext cx="5486400" cy="4114800"/>
+          </a:xfrm>
+          <a:prstGeom prst="rect">
+            <a:avLst/>
+          </a:prstGeom>
+        </p:spPr>
+        <p:txBody>
+          <a:bodyPr spcFirstLastPara="1" wrap="square" lIns="91425" tIns="91425" rIns="91425" bIns="91425" anchor="t" anchorCtr="0">
+            <a:noAutofit/>
+          </a:bodyPr>
+          <a:lstStyle/>
+          <a:p>
+            <a:pPr marL="0" lvl="0" indent="0" algn="l" rtl="0">
+              <a:spcBef>
+                <a:spcPts val="0"/>
+              </a:spcBef>
+              <a:spcAft>
+                <a:spcPts val="0"/>
+              </a:spcAft>
+              <a:buNone/>
+            </a:pPr>
+            <a:endParaRPr dirty="0"/>
+          </a:p>
+        </p:txBody>
+      </p:sp>
+    </p:spTree>
+    <p:extLst>
+      <p:ext uri="{BB962C8B-B14F-4D97-AF65-F5344CB8AC3E}">
+        <p14:creationId xmlns:p14="http://schemas.microsoft.com/office/powerpoint/2010/main" val="756507385"/>
+      </p:ext>
+    </p:extLst>
+  </p:cSld>
+  <p:clrMapOvr>
+    <a:masterClrMapping/>
+  </p:clrMapOvr>
+</p:notes>
+</file>
+
 <file path=ppt/notesSlides/notesSlide3.xml><?xml version="1.0" encoding="utf-8"?>
 <p:notes xmlns:a="http://schemas.openxmlformats.org/drawingml/2006/main" xmlns:r="http://schemas.openxmlformats.org/officeDocument/2006/relationships" xmlns:p="http://schemas.openxmlformats.org/presentationml/2006/main" showMasterSp="0" showMasterPhAnim="0">
   <p:cSld>
@@ -3104,6 +3221,769 @@
         </p:txBody>
       </p:sp>
     </p:spTree>
+  </p:cSld>
+  <p:clrMapOvr>
+    <a:masterClrMapping/>
+  </p:clrMapOvr>
+</p:notes>
+</file>
+
+<file path=ppt/notesSlides/notesSlide30.xml><?xml version="1.0" encoding="utf-8"?>
+<p:notes xmlns:a="http://schemas.openxmlformats.org/drawingml/2006/main" xmlns:r="http://schemas.openxmlformats.org/officeDocument/2006/relationships" xmlns:p="http://schemas.openxmlformats.org/presentationml/2006/main" showMasterSp="0" showMasterPhAnim="0">
+  <p:cSld>
+    <p:spTree>
+      <p:nvGrpSpPr>
+        <p:cNvPr id="1" name="Shape 297"/>
+        <p:cNvGrpSpPr/>
+        <p:nvPr/>
+      </p:nvGrpSpPr>
+      <p:grpSpPr>
+        <a:xfrm>
+          <a:off x="0" y="0"/>
+          <a:ext cx="0" cy="0"/>
+          <a:chOff x="0" y="0"/>
+          <a:chExt cx="0" cy="0"/>
+        </a:xfrm>
+      </p:grpSpPr>
+      <p:sp>
+        <p:nvSpPr>
+          <p:cNvPr id="298" name="Google Shape;298;g54ff9c4cb4_3_5:notes"/>
+          <p:cNvSpPr>
+            <a:spLocks noGrp="1" noRot="1" noChangeAspect="1"/>
+          </p:cNvSpPr>
+          <p:nvPr>
+            <p:ph type="sldImg" idx="2"/>
+          </p:nvPr>
+        </p:nvSpPr>
+        <p:spPr>
+          <a:xfrm>
+            <a:off x="381000" y="685800"/>
+            <a:ext cx="6096000" cy="3429000"/>
+          </a:xfrm>
+          <a:custGeom>
+            <a:avLst/>
+            <a:gdLst/>
+            <a:ahLst/>
+            <a:cxnLst/>
+            <a:rect l="l" t="t" r="r" b="b"/>
+            <a:pathLst>
+              <a:path w="120000" h="120000" extrusionOk="0">
+                <a:moveTo>
+                  <a:pt x="0" y="0"/>
+                </a:moveTo>
+                <a:lnTo>
+                  <a:pt x="120000" y="0"/>
+                </a:lnTo>
+                <a:lnTo>
+                  <a:pt x="120000" y="120000"/>
+                </a:lnTo>
+                <a:lnTo>
+                  <a:pt x="0" y="120000"/>
+                </a:lnTo>
+                <a:close/>
+              </a:path>
+            </a:pathLst>
+          </a:custGeom>
+        </p:spPr>
+      </p:sp>
+      <p:sp>
+        <p:nvSpPr>
+          <p:cNvPr id="299" name="Google Shape;299;g54ff9c4cb4_3_5:notes"/>
+          <p:cNvSpPr txBox="1">
+            <a:spLocks noGrp="1"/>
+          </p:cNvSpPr>
+          <p:nvPr>
+            <p:ph type="body" idx="1"/>
+          </p:nvPr>
+        </p:nvSpPr>
+        <p:spPr>
+          <a:xfrm>
+            <a:off x="685800" y="4343400"/>
+            <a:ext cx="5486400" cy="4114800"/>
+          </a:xfrm>
+          <a:prstGeom prst="rect">
+            <a:avLst/>
+          </a:prstGeom>
+        </p:spPr>
+        <p:txBody>
+          <a:bodyPr spcFirstLastPara="1" wrap="square" lIns="91425" tIns="91425" rIns="91425" bIns="91425" anchor="t" anchorCtr="0">
+            <a:noAutofit/>
+          </a:bodyPr>
+          <a:lstStyle/>
+          <a:p>
+            <a:pPr marL="0" lvl="0" indent="0" algn="l" rtl="0">
+              <a:spcBef>
+                <a:spcPts val="0"/>
+              </a:spcBef>
+              <a:spcAft>
+                <a:spcPts val="0"/>
+              </a:spcAft>
+              <a:buNone/>
+            </a:pPr>
+            <a:endParaRPr dirty="0"/>
+          </a:p>
+        </p:txBody>
+      </p:sp>
+    </p:spTree>
+    <p:extLst>
+      <p:ext uri="{BB962C8B-B14F-4D97-AF65-F5344CB8AC3E}">
+        <p14:creationId xmlns:p14="http://schemas.microsoft.com/office/powerpoint/2010/main" val="255124961"/>
+      </p:ext>
+    </p:extLst>
+  </p:cSld>
+  <p:clrMapOvr>
+    <a:masterClrMapping/>
+  </p:clrMapOvr>
+</p:notes>
+</file>
+
+<file path=ppt/notesSlides/notesSlide31.xml><?xml version="1.0" encoding="utf-8"?>
+<p:notes xmlns:a="http://schemas.openxmlformats.org/drawingml/2006/main" xmlns:r="http://schemas.openxmlformats.org/officeDocument/2006/relationships" xmlns:p="http://schemas.openxmlformats.org/presentationml/2006/main" showMasterSp="0" showMasterPhAnim="0">
+  <p:cSld>
+    <p:spTree>
+      <p:nvGrpSpPr>
+        <p:cNvPr id="1" name="Shape 297"/>
+        <p:cNvGrpSpPr/>
+        <p:nvPr/>
+      </p:nvGrpSpPr>
+      <p:grpSpPr>
+        <a:xfrm>
+          <a:off x="0" y="0"/>
+          <a:ext cx="0" cy="0"/>
+          <a:chOff x="0" y="0"/>
+          <a:chExt cx="0" cy="0"/>
+        </a:xfrm>
+      </p:grpSpPr>
+      <p:sp>
+        <p:nvSpPr>
+          <p:cNvPr id="298" name="Google Shape;298;g54ff9c4cb4_3_5:notes"/>
+          <p:cNvSpPr>
+            <a:spLocks noGrp="1" noRot="1" noChangeAspect="1"/>
+          </p:cNvSpPr>
+          <p:nvPr>
+            <p:ph type="sldImg" idx="2"/>
+          </p:nvPr>
+        </p:nvSpPr>
+        <p:spPr>
+          <a:xfrm>
+            <a:off x="381000" y="685800"/>
+            <a:ext cx="6096000" cy="3429000"/>
+          </a:xfrm>
+          <a:custGeom>
+            <a:avLst/>
+            <a:gdLst/>
+            <a:ahLst/>
+            <a:cxnLst/>
+            <a:rect l="l" t="t" r="r" b="b"/>
+            <a:pathLst>
+              <a:path w="120000" h="120000" extrusionOk="0">
+                <a:moveTo>
+                  <a:pt x="0" y="0"/>
+                </a:moveTo>
+                <a:lnTo>
+                  <a:pt x="120000" y="0"/>
+                </a:lnTo>
+                <a:lnTo>
+                  <a:pt x="120000" y="120000"/>
+                </a:lnTo>
+                <a:lnTo>
+                  <a:pt x="0" y="120000"/>
+                </a:lnTo>
+                <a:close/>
+              </a:path>
+            </a:pathLst>
+          </a:custGeom>
+        </p:spPr>
+      </p:sp>
+      <p:sp>
+        <p:nvSpPr>
+          <p:cNvPr id="299" name="Google Shape;299;g54ff9c4cb4_3_5:notes"/>
+          <p:cNvSpPr txBox="1">
+            <a:spLocks noGrp="1"/>
+          </p:cNvSpPr>
+          <p:nvPr>
+            <p:ph type="body" idx="1"/>
+          </p:nvPr>
+        </p:nvSpPr>
+        <p:spPr>
+          <a:xfrm>
+            <a:off x="685800" y="4343400"/>
+            <a:ext cx="5486400" cy="4114800"/>
+          </a:xfrm>
+          <a:prstGeom prst="rect">
+            <a:avLst/>
+          </a:prstGeom>
+        </p:spPr>
+        <p:txBody>
+          <a:bodyPr spcFirstLastPara="1" wrap="square" lIns="91425" tIns="91425" rIns="91425" bIns="91425" anchor="t" anchorCtr="0">
+            <a:noAutofit/>
+          </a:bodyPr>
+          <a:lstStyle/>
+          <a:p>
+            <a:pPr marL="0" lvl="0" indent="0" algn="l" rtl="0">
+              <a:spcBef>
+                <a:spcPts val="0"/>
+              </a:spcBef>
+              <a:spcAft>
+                <a:spcPts val="0"/>
+              </a:spcAft>
+              <a:buNone/>
+            </a:pPr>
+            <a:endParaRPr dirty="0"/>
+          </a:p>
+        </p:txBody>
+      </p:sp>
+    </p:spTree>
+    <p:extLst>
+      <p:ext uri="{BB962C8B-B14F-4D97-AF65-F5344CB8AC3E}">
+        <p14:creationId xmlns:p14="http://schemas.microsoft.com/office/powerpoint/2010/main" val="1201541017"/>
+      </p:ext>
+    </p:extLst>
+  </p:cSld>
+  <p:clrMapOvr>
+    <a:masterClrMapping/>
+  </p:clrMapOvr>
+</p:notes>
+</file>
+
+<file path=ppt/notesSlides/notesSlide32.xml><?xml version="1.0" encoding="utf-8"?>
+<p:notes xmlns:a="http://schemas.openxmlformats.org/drawingml/2006/main" xmlns:r="http://schemas.openxmlformats.org/officeDocument/2006/relationships" xmlns:p="http://schemas.openxmlformats.org/presentationml/2006/main" showMasterSp="0" showMasterPhAnim="0">
+  <p:cSld>
+    <p:spTree>
+      <p:nvGrpSpPr>
+        <p:cNvPr id="1" name="Shape 297"/>
+        <p:cNvGrpSpPr/>
+        <p:nvPr/>
+      </p:nvGrpSpPr>
+      <p:grpSpPr>
+        <a:xfrm>
+          <a:off x="0" y="0"/>
+          <a:ext cx="0" cy="0"/>
+          <a:chOff x="0" y="0"/>
+          <a:chExt cx="0" cy="0"/>
+        </a:xfrm>
+      </p:grpSpPr>
+      <p:sp>
+        <p:nvSpPr>
+          <p:cNvPr id="298" name="Google Shape;298;g54ff9c4cb4_3_5:notes"/>
+          <p:cNvSpPr>
+            <a:spLocks noGrp="1" noRot="1" noChangeAspect="1"/>
+          </p:cNvSpPr>
+          <p:nvPr>
+            <p:ph type="sldImg" idx="2"/>
+          </p:nvPr>
+        </p:nvSpPr>
+        <p:spPr>
+          <a:xfrm>
+            <a:off x="381000" y="685800"/>
+            <a:ext cx="6096000" cy="3429000"/>
+          </a:xfrm>
+          <a:custGeom>
+            <a:avLst/>
+            <a:gdLst/>
+            <a:ahLst/>
+            <a:cxnLst/>
+            <a:rect l="l" t="t" r="r" b="b"/>
+            <a:pathLst>
+              <a:path w="120000" h="120000" extrusionOk="0">
+                <a:moveTo>
+                  <a:pt x="0" y="0"/>
+                </a:moveTo>
+                <a:lnTo>
+                  <a:pt x="120000" y="0"/>
+                </a:lnTo>
+                <a:lnTo>
+                  <a:pt x="120000" y="120000"/>
+                </a:lnTo>
+                <a:lnTo>
+                  <a:pt x="0" y="120000"/>
+                </a:lnTo>
+                <a:close/>
+              </a:path>
+            </a:pathLst>
+          </a:custGeom>
+        </p:spPr>
+      </p:sp>
+      <p:sp>
+        <p:nvSpPr>
+          <p:cNvPr id="299" name="Google Shape;299;g54ff9c4cb4_3_5:notes"/>
+          <p:cNvSpPr txBox="1">
+            <a:spLocks noGrp="1"/>
+          </p:cNvSpPr>
+          <p:nvPr>
+            <p:ph type="body" idx="1"/>
+          </p:nvPr>
+        </p:nvSpPr>
+        <p:spPr>
+          <a:xfrm>
+            <a:off x="685800" y="4343400"/>
+            <a:ext cx="5486400" cy="4114800"/>
+          </a:xfrm>
+          <a:prstGeom prst="rect">
+            <a:avLst/>
+          </a:prstGeom>
+        </p:spPr>
+        <p:txBody>
+          <a:bodyPr spcFirstLastPara="1" wrap="square" lIns="91425" tIns="91425" rIns="91425" bIns="91425" anchor="t" anchorCtr="0">
+            <a:noAutofit/>
+          </a:bodyPr>
+          <a:lstStyle/>
+          <a:p>
+            <a:pPr marL="0" lvl="0" indent="0" algn="l" rtl="0">
+              <a:spcBef>
+                <a:spcPts val="0"/>
+              </a:spcBef>
+              <a:spcAft>
+                <a:spcPts val="0"/>
+              </a:spcAft>
+              <a:buNone/>
+            </a:pPr>
+            <a:endParaRPr dirty="0"/>
+          </a:p>
+        </p:txBody>
+      </p:sp>
+    </p:spTree>
+    <p:extLst>
+      <p:ext uri="{BB962C8B-B14F-4D97-AF65-F5344CB8AC3E}">
+        <p14:creationId xmlns:p14="http://schemas.microsoft.com/office/powerpoint/2010/main" val="4253195883"/>
+      </p:ext>
+    </p:extLst>
+  </p:cSld>
+  <p:clrMapOvr>
+    <a:masterClrMapping/>
+  </p:clrMapOvr>
+</p:notes>
+</file>
+
+<file path=ppt/notesSlides/notesSlide33.xml><?xml version="1.0" encoding="utf-8"?>
+<p:notes xmlns:a="http://schemas.openxmlformats.org/drawingml/2006/main" xmlns:r="http://schemas.openxmlformats.org/officeDocument/2006/relationships" xmlns:p="http://schemas.openxmlformats.org/presentationml/2006/main" showMasterSp="0" showMasterPhAnim="0">
+  <p:cSld>
+    <p:spTree>
+      <p:nvGrpSpPr>
+        <p:cNvPr id="1" name="Shape 297"/>
+        <p:cNvGrpSpPr/>
+        <p:nvPr/>
+      </p:nvGrpSpPr>
+      <p:grpSpPr>
+        <a:xfrm>
+          <a:off x="0" y="0"/>
+          <a:ext cx="0" cy="0"/>
+          <a:chOff x="0" y="0"/>
+          <a:chExt cx="0" cy="0"/>
+        </a:xfrm>
+      </p:grpSpPr>
+      <p:sp>
+        <p:nvSpPr>
+          <p:cNvPr id="298" name="Google Shape;298;g54ff9c4cb4_3_5:notes"/>
+          <p:cNvSpPr>
+            <a:spLocks noGrp="1" noRot="1" noChangeAspect="1"/>
+          </p:cNvSpPr>
+          <p:nvPr>
+            <p:ph type="sldImg" idx="2"/>
+          </p:nvPr>
+        </p:nvSpPr>
+        <p:spPr>
+          <a:xfrm>
+            <a:off x="381000" y="685800"/>
+            <a:ext cx="6096000" cy="3429000"/>
+          </a:xfrm>
+          <a:custGeom>
+            <a:avLst/>
+            <a:gdLst/>
+            <a:ahLst/>
+            <a:cxnLst/>
+            <a:rect l="l" t="t" r="r" b="b"/>
+            <a:pathLst>
+              <a:path w="120000" h="120000" extrusionOk="0">
+                <a:moveTo>
+                  <a:pt x="0" y="0"/>
+                </a:moveTo>
+                <a:lnTo>
+                  <a:pt x="120000" y="0"/>
+                </a:lnTo>
+                <a:lnTo>
+                  <a:pt x="120000" y="120000"/>
+                </a:lnTo>
+                <a:lnTo>
+                  <a:pt x="0" y="120000"/>
+                </a:lnTo>
+                <a:close/>
+              </a:path>
+            </a:pathLst>
+          </a:custGeom>
+        </p:spPr>
+      </p:sp>
+      <p:sp>
+        <p:nvSpPr>
+          <p:cNvPr id="299" name="Google Shape;299;g54ff9c4cb4_3_5:notes"/>
+          <p:cNvSpPr txBox="1">
+            <a:spLocks noGrp="1"/>
+          </p:cNvSpPr>
+          <p:nvPr>
+            <p:ph type="body" idx="1"/>
+          </p:nvPr>
+        </p:nvSpPr>
+        <p:spPr>
+          <a:xfrm>
+            <a:off x="685800" y="4343400"/>
+            <a:ext cx="5486400" cy="4114800"/>
+          </a:xfrm>
+          <a:prstGeom prst="rect">
+            <a:avLst/>
+          </a:prstGeom>
+        </p:spPr>
+        <p:txBody>
+          <a:bodyPr spcFirstLastPara="1" wrap="square" lIns="91425" tIns="91425" rIns="91425" bIns="91425" anchor="t" anchorCtr="0">
+            <a:noAutofit/>
+          </a:bodyPr>
+          <a:lstStyle/>
+          <a:p>
+            <a:pPr marL="0" lvl="0" indent="0" algn="l" rtl="0">
+              <a:spcBef>
+                <a:spcPts val="0"/>
+              </a:spcBef>
+              <a:spcAft>
+                <a:spcPts val="0"/>
+              </a:spcAft>
+              <a:buNone/>
+            </a:pPr>
+            <a:endParaRPr dirty="0"/>
+          </a:p>
+        </p:txBody>
+      </p:sp>
+    </p:spTree>
+    <p:extLst>
+      <p:ext uri="{BB962C8B-B14F-4D97-AF65-F5344CB8AC3E}">
+        <p14:creationId xmlns:p14="http://schemas.microsoft.com/office/powerpoint/2010/main" val="2730667909"/>
+      </p:ext>
+    </p:extLst>
+  </p:cSld>
+  <p:clrMapOvr>
+    <a:masterClrMapping/>
+  </p:clrMapOvr>
+</p:notes>
+</file>
+
+<file path=ppt/notesSlides/notesSlide34.xml><?xml version="1.0" encoding="utf-8"?>
+<p:notes xmlns:a="http://schemas.openxmlformats.org/drawingml/2006/main" xmlns:r="http://schemas.openxmlformats.org/officeDocument/2006/relationships" xmlns:p="http://schemas.openxmlformats.org/presentationml/2006/main" showMasterSp="0" showMasterPhAnim="0">
+  <p:cSld>
+    <p:spTree>
+      <p:nvGrpSpPr>
+        <p:cNvPr id="1" name="Shape 297"/>
+        <p:cNvGrpSpPr/>
+        <p:nvPr/>
+      </p:nvGrpSpPr>
+      <p:grpSpPr>
+        <a:xfrm>
+          <a:off x="0" y="0"/>
+          <a:ext cx="0" cy="0"/>
+          <a:chOff x="0" y="0"/>
+          <a:chExt cx="0" cy="0"/>
+        </a:xfrm>
+      </p:grpSpPr>
+      <p:sp>
+        <p:nvSpPr>
+          <p:cNvPr id="298" name="Google Shape;298;g54ff9c4cb4_3_5:notes"/>
+          <p:cNvSpPr>
+            <a:spLocks noGrp="1" noRot="1" noChangeAspect="1"/>
+          </p:cNvSpPr>
+          <p:nvPr>
+            <p:ph type="sldImg" idx="2"/>
+          </p:nvPr>
+        </p:nvSpPr>
+        <p:spPr>
+          <a:xfrm>
+            <a:off x="381000" y="685800"/>
+            <a:ext cx="6096000" cy="3429000"/>
+          </a:xfrm>
+          <a:custGeom>
+            <a:avLst/>
+            <a:gdLst/>
+            <a:ahLst/>
+            <a:cxnLst/>
+            <a:rect l="l" t="t" r="r" b="b"/>
+            <a:pathLst>
+              <a:path w="120000" h="120000" extrusionOk="0">
+                <a:moveTo>
+                  <a:pt x="0" y="0"/>
+                </a:moveTo>
+                <a:lnTo>
+                  <a:pt x="120000" y="0"/>
+                </a:lnTo>
+                <a:lnTo>
+                  <a:pt x="120000" y="120000"/>
+                </a:lnTo>
+                <a:lnTo>
+                  <a:pt x="0" y="120000"/>
+                </a:lnTo>
+                <a:close/>
+              </a:path>
+            </a:pathLst>
+          </a:custGeom>
+        </p:spPr>
+      </p:sp>
+      <p:sp>
+        <p:nvSpPr>
+          <p:cNvPr id="299" name="Google Shape;299;g54ff9c4cb4_3_5:notes"/>
+          <p:cNvSpPr txBox="1">
+            <a:spLocks noGrp="1"/>
+          </p:cNvSpPr>
+          <p:nvPr>
+            <p:ph type="body" idx="1"/>
+          </p:nvPr>
+        </p:nvSpPr>
+        <p:spPr>
+          <a:xfrm>
+            <a:off x="685800" y="4343400"/>
+            <a:ext cx="5486400" cy="4114800"/>
+          </a:xfrm>
+          <a:prstGeom prst="rect">
+            <a:avLst/>
+          </a:prstGeom>
+        </p:spPr>
+        <p:txBody>
+          <a:bodyPr spcFirstLastPara="1" wrap="square" lIns="91425" tIns="91425" rIns="91425" bIns="91425" anchor="t" anchorCtr="0">
+            <a:noAutofit/>
+          </a:bodyPr>
+          <a:lstStyle/>
+          <a:p>
+            <a:pPr marL="0" lvl="0" indent="0" algn="l" rtl="0">
+              <a:spcBef>
+                <a:spcPts val="0"/>
+              </a:spcBef>
+              <a:spcAft>
+                <a:spcPts val="0"/>
+              </a:spcAft>
+              <a:buNone/>
+            </a:pPr>
+            <a:endParaRPr dirty="0"/>
+          </a:p>
+        </p:txBody>
+      </p:sp>
+    </p:spTree>
+    <p:extLst>
+      <p:ext uri="{BB962C8B-B14F-4D97-AF65-F5344CB8AC3E}">
+        <p14:creationId xmlns:p14="http://schemas.microsoft.com/office/powerpoint/2010/main" val="2245138860"/>
+      </p:ext>
+    </p:extLst>
+  </p:cSld>
+  <p:clrMapOvr>
+    <a:masterClrMapping/>
+  </p:clrMapOvr>
+</p:notes>
+</file>
+
+<file path=ppt/notesSlides/notesSlide35.xml><?xml version="1.0" encoding="utf-8"?>
+<p:notes xmlns:a="http://schemas.openxmlformats.org/drawingml/2006/main" xmlns:r="http://schemas.openxmlformats.org/officeDocument/2006/relationships" xmlns:p="http://schemas.openxmlformats.org/presentationml/2006/main" showMasterSp="0" showMasterPhAnim="0">
+  <p:cSld>
+    <p:spTree>
+      <p:nvGrpSpPr>
+        <p:cNvPr id="1" name="Shape 297"/>
+        <p:cNvGrpSpPr/>
+        <p:nvPr/>
+      </p:nvGrpSpPr>
+      <p:grpSpPr>
+        <a:xfrm>
+          <a:off x="0" y="0"/>
+          <a:ext cx="0" cy="0"/>
+          <a:chOff x="0" y="0"/>
+          <a:chExt cx="0" cy="0"/>
+        </a:xfrm>
+      </p:grpSpPr>
+      <p:sp>
+        <p:nvSpPr>
+          <p:cNvPr id="298" name="Google Shape;298;g54ff9c4cb4_3_5:notes"/>
+          <p:cNvSpPr>
+            <a:spLocks noGrp="1" noRot="1" noChangeAspect="1"/>
+          </p:cNvSpPr>
+          <p:nvPr>
+            <p:ph type="sldImg" idx="2"/>
+          </p:nvPr>
+        </p:nvSpPr>
+        <p:spPr>
+          <a:xfrm>
+            <a:off x="381000" y="685800"/>
+            <a:ext cx="6096000" cy="3429000"/>
+          </a:xfrm>
+          <a:custGeom>
+            <a:avLst/>
+            <a:gdLst/>
+            <a:ahLst/>
+            <a:cxnLst/>
+            <a:rect l="l" t="t" r="r" b="b"/>
+            <a:pathLst>
+              <a:path w="120000" h="120000" extrusionOk="0">
+                <a:moveTo>
+                  <a:pt x="0" y="0"/>
+                </a:moveTo>
+                <a:lnTo>
+                  <a:pt x="120000" y="0"/>
+                </a:lnTo>
+                <a:lnTo>
+                  <a:pt x="120000" y="120000"/>
+                </a:lnTo>
+                <a:lnTo>
+                  <a:pt x="0" y="120000"/>
+                </a:lnTo>
+                <a:close/>
+              </a:path>
+            </a:pathLst>
+          </a:custGeom>
+        </p:spPr>
+      </p:sp>
+      <p:sp>
+        <p:nvSpPr>
+          <p:cNvPr id="299" name="Google Shape;299;g54ff9c4cb4_3_5:notes"/>
+          <p:cNvSpPr txBox="1">
+            <a:spLocks noGrp="1"/>
+          </p:cNvSpPr>
+          <p:nvPr>
+            <p:ph type="body" idx="1"/>
+          </p:nvPr>
+        </p:nvSpPr>
+        <p:spPr>
+          <a:xfrm>
+            <a:off x="685800" y="4343400"/>
+            <a:ext cx="5486400" cy="4114800"/>
+          </a:xfrm>
+          <a:prstGeom prst="rect">
+            <a:avLst/>
+          </a:prstGeom>
+        </p:spPr>
+        <p:txBody>
+          <a:bodyPr spcFirstLastPara="1" wrap="square" lIns="91425" tIns="91425" rIns="91425" bIns="91425" anchor="t" anchorCtr="0">
+            <a:noAutofit/>
+          </a:bodyPr>
+          <a:lstStyle/>
+          <a:p>
+            <a:pPr marL="0" lvl="0" indent="0" algn="l" rtl="0">
+              <a:spcBef>
+                <a:spcPts val="0"/>
+              </a:spcBef>
+              <a:spcAft>
+                <a:spcPts val="0"/>
+              </a:spcAft>
+              <a:buNone/>
+            </a:pPr>
+            <a:endParaRPr dirty="0"/>
+          </a:p>
+        </p:txBody>
+      </p:sp>
+    </p:spTree>
+    <p:extLst>
+      <p:ext uri="{BB962C8B-B14F-4D97-AF65-F5344CB8AC3E}">
+        <p14:creationId xmlns:p14="http://schemas.microsoft.com/office/powerpoint/2010/main" val="4155237251"/>
+      </p:ext>
+    </p:extLst>
+  </p:cSld>
+  <p:clrMapOvr>
+    <a:masterClrMapping/>
+  </p:clrMapOvr>
+</p:notes>
+</file>
+
+<file path=ppt/notesSlides/notesSlide36.xml><?xml version="1.0" encoding="utf-8"?>
+<p:notes xmlns:a="http://schemas.openxmlformats.org/drawingml/2006/main" xmlns:r="http://schemas.openxmlformats.org/officeDocument/2006/relationships" xmlns:p="http://schemas.openxmlformats.org/presentationml/2006/main" showMasterSp="0" showMasterPhAnim="0">
+  <p:cSld>
+    <p:spTree>
+      <p:nvGrpSpPr>
+        <p:cNvPr id="1" name="Shape 297"/>
+        <p:cNvGrpSpPr/>
+        <p:nvPr/>
+      </p:nvGrpSpPr>
+      <p:grpSpPr>
+        <a:xfrm>
+          <a:off x="0" y="0"/>
+          <a:ext cx="0" cy="0"/>
+          <a:chOff x="0" y="0"/>
+          <a:chExt cx="0" cy="0"/>
+        </a:xfrm>
+      </p:grpSpPr>
+      <p:sp>
+        <p:nvSpPr>
+          <p:cNvPr id="298" name="Google Shape;298;g54ff9c4cb4_3_5:notes"/>
+          <p:cNvSpPr>
+            <a:spLocks noGrp="1" noRot="1" noChangeAspect="1"/>
+          </p:cNvSpPr>
+          <p:nvPr>
+            <p:ph type="sldImg" idx="2"/>
+          </p:nvPr>
+        </p:nvSpPr>
+        <p:spPr>
+          <a:xfrm>
+            <a:off x="381000" y="685800"/>
+            <a:ext cx="6096000" cy="3429000"/>
+          </a:xfrm>
+          <a:custGeom>
+            <a:avLst/>
+            <a:gdLst/>
+            <a:ahLst/>
+            <a:cxnLst/>
+            <a:rect l="l" t="t" r="r" b="b"/>
+            <a:pathLst>
+              <a:path w="120000" h="120000" extrusionOk="0">
+                <a:moveTo>
+                  <a:pt x="0" y="0"/>
+                </a:moveTo>
+                <a:lnTo>
+                  <a:pt x="120000" y="0"/>
+                </a:lnTo>
+                <a:lnTo>
+                  <a:pt x="120000" y="120000"/>
+                </a:lnTo>
+                <a:lnTo>
+                  <a:pt x="0" y="120000"/>
+                </a:lnTo>
+                <a:close/>
+              </a:path>
+            </a:pathLst>
+          </a:custGeom>
+        </p:spPr>
+      </p:sp>
+      <p:sp>
+        <p:nvSpPr>
+          <p:cNvPr id="299" name="Google Shape;299;g54ff9c4cb4_3_5:notes"/>
+          <p:cNvSpPr txBox="1">
+            <a:spLocks noGrp="1"/>
+          </p:cNvSpPr>
+          <p:nvPr>
+            <p:ph type="body" idx="1"/>
+          </p:nvPr>
+        </p:nvSpPr>
+        <p:spPr>
+          <a:xfrm>
+            <a:off x="685800" y="4343400"/>
+            <a:ext cx="5486400" cy="4114800"/>
+          </a:xfrm>
+          <a:prstGeom prst="rect">
+            <a:avLst/>
+          </a:prstGeom>
+        </p:spPr>
+        <p:txBody>
+          <a:bodyPr spcFirstLastPara="1" wrap="square" lIns="91425" tIns="91425" rIns="91425" bIns="91425" anchor="t" anchorCtr="0">
+            <a:noAutofit/>
+          </a:bodyPr>
+          <a:lstStyle/>
+          <a:p>
+            <a:pPr marL="0" lvl="0" indent="0" algn="l" rtl="0">
+              <a:spcBef>
+                <a:spcPts val="0"/>
+              </a:spcBef>
+              <a:spcAft>
+                <a:spcPts val="0"/>
+              </a:spcAft>
+              <a:buNone/>
+            </a:pPr>
+            <a:endParaRPr dirty="0"/>
+          </a:p>
+        </p:txBody>
+      </p:sp>
+    </p:spTree>
+    <p:extLst>
+      <p:ext uri="{BB962C8B-B14F-4D97-AF65-F5344CB8AC3E}">
+        <p14:creationId xmlns:p14="http://schemas.microsoft.com/office/powerpoint/2010/main" val="4005266028"/>
+      </p:ext>
+    </p:extLst>
   </p:cSld>
   <p:clrMapOvr>
     <a:masterClrMapping/>
@@ -26371,6 +27251,870 @@
 </p:sld>
 </file>
 
+<file path=ppt/slides/slide29.xml><?xml version="1.0" encoding="utf-8"?>
+<p:sld xmlns:a="http://schemas.openxmlformats.org/drawingml/2006/main" xmlns:r="http://schemas.openxmlformats.org/officeDocument/2006/relationships" xmlns:p="http://schemas.openxmlformats.org/presentationml/2006/main">
+  <p:cSld>
+    <p:spTree>
+      <p:nvGrpSpPr>
+        <p:cNvPr id="1" name="Shape 300"/>
+        <p:cNvGrpSpPr/>
+        <p:nvPr/>
+      </p:nvGrpSpPr>
+      <p:grpSpPr>
+        <a:xfrm>
+          <a:off x="0" y="0"/>
+          <a:ext cx="0" cy="0"/>
+          <a:chOff x="0" y="0"/>
+          <a:chExt cx="0" cy="0"/>
+        </a:xfrm>
+      </p:grpSpPr>
+      <p:graphicFrame>
+        <p:nvGraphicFramePr>
+          <p:cNvPr id="2" name="표 1"/>
+          <p:cNvGraphicFramePr>
+            <a:graphicFrameLocks noGrp="1"/>
+          </p:cNvGraphicFramePr>
+          <p:nvPr>
+            <p:extLst/>
+          </p:nvPr>
+        </p:nvGraphicFramePr>
+        <p:xfrm>
+          <a:off x="0" y="0"/>
+          <a:ext cx="9144000" cy="488138"/>
+        </p:xfrm>
+        <a:graphic>
+          <a:graphicData uri="http://schemas.openxmlformats.org/drawingml/2006/table">
+            <a:tbl>
+              <a:tblPr firstRow="1" bandRow="1">
+                <a:tableStyleId>{519352A9-2B63-4AD2-B8CD-3DEFD3B06E96}</a:tableStyleId>
+              </a:tblPr>
+              <a:tblGrid>
+                <a:gridCol w="983152">
+                  <a:extLst>
+                    <a:ext uri="{9D8B030D-6E8A-4147-A177-3AD203B41FA5}">
+                      <a16:colId xmlns:a16="http://schemas.microsoft.com/office/drawing/2014/main" val="1232716861"/>
+                    </a:ext>
+                  </a:extLst>
+                </a:gridCol>
+                <a:gridCol w="2240108">
+                  <a:extLst>
+                    <a:ext uri="{9D8B030D-6E8A-4147-A177-3AD203B41FA5}">
+                      <a16:colId xmlns:a16="http://schemas.microsoft.com/office/drawing/2014/main" val="2298462088"/>
+                    </a:ext>
+                  </a:extLst>
+                </a:gridCol>
+                <a:gridCol w="1790700">
+                  <a:extLst>
+                    <a:ext uri="{9D8B030D-6E8A-4147-A177-3AD203B41FA5}">
+                      <a16:colId xmlns:a16="http://schemas.microsoft.com/office/drawing/2014/main" val="1047937324"/>
+                    </a:ext>
+                  </a:extLst>
+                </a:gridCol>
+                <a:gridCol w="4130040">
+                  <a:extLst>
+                    <a:ext uri="{9D8B030D-6E8A-4147-A177-3AD203B41FA5}">
+                      <a16:colId xmlns:a16="http://schemas.microsoft.com/office/drawing/2014/main" val="3447884235"/>
+                    </a:ext>
+                  </a:extLst>
+                </a:gridCol>
+              </a:tblGrid>
+              <a:tr h="244069">
+                <a:tc>
+                  <a:txBody>
+                    <a:bodyPr/>
+                    <a:lstStyle/>
+                    <a:p>
+                      <a:pPr algn="ctr" latinLnBrk="1"/>
+                      <a:r>
+                        <a:rPr lang="en-US" altLang="ko-KR" sz="1000" dirty="0" smtClean="0"/>
+                        <a:t>No</a:t>
+                      </a:r>
+                      <a:endParaRPr lang="ko-KR" altLang="en-US" sz="1000" dirty="0"/>
+                    </a:p>
+                  </a:txBody>
+                  <a:tcPr anchor="ctr">
+                    <a:solidFill>
+                      <a:srgbClr val="6EBDB0"/>
+                    </a:solidFill>
+                  </a:tcPr>
+                </a:tc>
+                <a:tc>
+                  <a:txBody>
+                    <a:bodyPr/>
+                    <a:lstStyle/>
+                    <a:p>
+                      <a:pPr algn="ctr" latinLnBrk="1"/>
+                      <a:r>
+                        <a:rPr lang="ko-KR" altLang="en-US" sz="1000" dirty="0" err="1" smtClean="0"/>
+                        <a:t>화면이름</a:t>
+                      </a:r>
+                      <a:endParaRPr lang="ko-KR" altLang="en-US" sz="1000" dirty="0"/>
+                    </a:p>
+                  </a:txBody>
+                  <a:tcPr anchor="ctr">
+                    <a:solidFill>
+                      <a:srgbClr val="6EBDB0"/>
+                    </a:solidFill>
+                  </a:tcPr>
+                </a:tc>
+                <a:tc>
+                  <a:txBody>
+                    <a:bodyPr/>
+                    <a:lstStyle/>
+                    <a:p>
+                      <a:pPr algn="ctr" latinLnBrk="1"/>
+                      <a:r>
+                        <a:rPr lang="ko-KR" altLang="en-US" sz="1000" dirty="0" smtClean="0"/>
+                        <a:t>페이지</a:t>
+                      </a:r>
+                      <a:endParaRPr lang="ko-KR" altLang="en-US" sz="1000" dirty="0"/>
+                    </a:p>
+                  </a:txBody>
+                  <a:tcPr anchor="ctr">
+                    <a:solidFill>
+                      <a:srgbClr val="6EBDB0"/>
+                    </a:solidFill>
+                  </a:tcPr>
+                </a:tc>
+                <a:tc>
+                  <a:txBody>
+                    <a:bodyPr/>
+                    <a:lstStyle/>
+                    <a:p>
+                      <a:pPr algn="ctr" latinLnBrk="1"/>
+                      <a:r>
+                        <a:rPr lang="ko-KR" altLang="en-US" sz="1000" dirty="0" smtClean="0"/>
+                        <a:t>설명</a:t>
+                      </a:r>
+                      <a:endParaRPr lang="ko-KR" altLang="en-US" sz="1000" dirty="0"/>
+                    </a:p>
+                  </a:txBody>
+                  <a:tcPr anchor="ctr">
+                    <a:solidFill>
+                      <a:srgbClr val="6EBDB0"/>
+                    </a:solidFill>
+                  </a:tcPr>
+                </a:tc>
+                <a:extLst>
+                  <a:ext uri="{0D108BD9-81ED-4DB2-BD59-A6C34878D82A}">
+                    <a16:rowId xmlns:a16="http://schemas.microsoft.com/office/drawing/2014/main" val="2653807755"/>
+                  </a:ext>
+                </a:extLst>
+              </a:tr>
+              <a:tr h="244069">
+                <a:tc>
+                  <a:txBody>
+                    <a:bodyPr/>
+                    <a:lstStyle/>
+                    <a:p>
+                      <a:pPr algn="ctr" latinLnBrk="1"/>
+                      <a:r>
+                        <a:rPr lang="en-US" altLang="ko-KR" sz="1000" dirty="0" smtClean="0"/>
+                        <a:t>6-1</a:t>
+                      </a:r>
+                      <a:endParaRPr lang="ko-KR" altLang="en-US" sz="1000" dirty="0"/>
+                    </a:p>
+                  </a:txBody>
+                  <a:tcPr anchor="ctr"/>
+                </a:tc>
+                <a:tc>
+                  <a:txBody>
+                    <a:bodyPr/>
+                    <a:lstStyle/>
+                    <a:p>
+                      <a:pPr algn="ctr" latinLnBrk="1"/>
+                      <a:r>
+                        <a:rPr lang="ko-KR" altLang="en-US" sz="1000" dirty="0" smtClean="0"/>
+                        <a:t>전자도서관</a:t>
+                      </a:r>
+                      <a:r>
+                        <a:rPr lang="en-US" altLang="ko-KR" sz="1000" dirty="0" smtClean="0"/>
+                        <a:t>-</a:t>
+                      </a:r>
+                      <a:r>
+                        <a:rPr lang="ko-KR" altLang="en-US" sz="1000" dirty="0" smtClean="0"/>
+                        <a:t>메인</a:t>
+                      </a:r>
+                      <a:endParaRPr lang="ko-KR" altLang="en-US" sz="1000" dirty="0"/>
+                    </a:p>
+                  </a:txBody>
+                  <a:tcPr anchor="ctr"/>
+                </a:tc>
+                <a:tc>
+                  <a:txBody>
+                    <a:bodyPr/>
+                    <a:lstStyle/>
+                    <a:p>
+                      <a:pPr algn="ctr" latinLnBrk="1"/>
+                      <a:r>
+                        <a:rPr lang="en-US" altLang="ko-KR" sz="1000" dirty="0" err="1" smtClean="0"/>
+                        <a:t>Elib</a:t>
+                      </a:r>
+                      <a:r>
+                        <a:rPr lang="en-US" altLang="ko-KR" sz="1000" dirty="0" smtClean="0"/>
+                        <a:t>/index</a:t>
+                      </a:r>
+                      <a:endParaRPr lang="ko-KR" altLang="en-US" sz="1000" dirty="0"/>
+                    </a:p>
+                  </a:txBody>
+                  <a:tcPr anchor="ctr"/>
+                </a:tc>
+                <a:tc>
+                  <a:txBody>
+                    <a:bodyPr/>
+                    <a:lstStyle/>
+                    <a:p>
+                      <a:pPr algn="ctr" latinLnBrk="1"/>
+                      <a:r>
+                        <a:rPr lang="ko-KR" altLang="en-US" sz="1000" dirty="0" smtClean="0"/>
+                        <a:t>전자도서관 </a:t>
+                      </a:r>
+                      <a:r>
+                        <a:rPr lang="ko-KR" altLang="en-US" sz="1000" dirty="0" err="1" smtClean="0"/>
+                        <a:t>메인페이지</a:t>
+                      </a:r>
+                      <a:endParaRPr lang="ko-KR" altLang="en-US" sz="1000" dirty="0"/>
+                    </a:p>
+                  </a:txBody>
+                  <a:tcPr anchor="ctr"/>
+                </a:tc>
+                <a:extLst>
+                  <a:ext uri="{0D108BD9-81ED-4DB2-BD59-A6C34878D82A}">
+                    <a16:rowId xmlns:a16="http://schemas.microsoft.com/office/drawing/2014/main" val="1721092389"/>
+                  </a:ext>
+                </a:extLst>
+              </a:tr>
+            </a:tbl>
+          </a:graphicData>
+        </a:graphic>
+      </p:graphicFrame>
+      <p:graphicFrame>
+        <p:nvGraphicFramePr>
+          <p:cNvPr id="7" name="표 6"/>
+          <p:cNvGraphicFramePr>
+            <a:graphicFrameLocks noGrp="1"/>
+          </p:cNvGraphicFramePr>
+          <p:nvPr>
+            <p:extLst/>
+          </p:nvPr>
+        </p:nvGraphicFramePr>
+        <p:xfrm>
+          <a:off x="5768339" y="488138"/>
+          <a:ext cx="3375660" cy="3586176"/>
+        </p:xfrm>
+        <a:graphic>
+          <a:graphicData uri="http://schemas.openxmlformats.org/drawingml/2006/table">
+            <a:tbl>
+              <a:tblPr firstRow="1" bandRow="1">
+                <a:tableStyleId>{519352A9-2B63-4AD2-B8CD-3DEFD3B06E96}</a:tableStyleId>
+              </a:tblPr>
+              <a:tblGrid>
+                <a:gridCol w="511465">
+                  <a:extLst>
+                    <a:ext uri="{9D8B030D-6E8A-4147-A177-3AD203B41FA5}">
+                      <a16:colId xmlns:a16="http://schemas.microsoft.com/office/drawing/2014/main" val="1793106285"/>
+                    </a:ext>
+                  </a:extLst>
+                </a:gridCol>
+                <a:gridCol w="2864195">
+                  <a:extLst>
+                    <a:ext uri="{9D8B030D-6E8A-4147-A177-3AD203B41FA5}">
+                      <a16:colId xmlns:a16="http://schemas.microsoft.com/office/drawing/2014/main" val="9508570"/>
+                    </a:ext>
+                  </a:extLst>
+                </a:gridCol>
+              </a:tblGrid>
+              <a:tr h="338616">
+                <a:tc>
+                  <a:txBody>
+                    <a:bodyPr/>
+                    <a:lstStyle/>
+                    <a:p>
+                      <a:pPr algn="ctr" latinLnBrk="1"/>
+                      <a:r>
+                        <a:rPr lang="ko-KR" altLang="en-US" sz="1000" dirty="0" smtClean="0"/>
+                        <a:t>번호</a:t>
+                      </a:r>
+                      <a:endParaRPr lang="ko-KR" altLang="en-US" sz="1000" dirty="0"/>
+                    </a:p>
+                  </a:txBody>
+                  <a:tcPr anchor="ctr">
+                    <a:solidFill>
+                      <a:srgbClr val="6EBDB0"/>
+                    </a:solidFill>
+                  </a:tcPr>
+                </a:tc>
+                <a:tc>
+                  <a:txBody>
+                    <a:bodyPr/>
+                    <a:lstStyle/>
+                    <a:p>
+                      <a:pPr algn="ctr" latinLnBrk="1"/>
+                      <a:r>
+                        <a:rPr lang="ko-KR" altLang="en-US" sz="1000" dirty="0" smtClean="0"/>
+                        <a:t>설명</a:t>
+                      </a:r>
+                      <a:endParaRPr lang="ko-KR" altLang="en-US" sz="1000" dirty="0"/>
+                    </a:p>
+                  </a:txBody>
+                  <a:tcPr anchor="ctr">
+                    <a:solidFill>
+                      <a:srgbClr val="6EBDB0"/>
+                    </a:solidFill>
+                  </a:tcPr>
+                </a:tc>
+                <a:extLst>
+                  <a:ext uri="{0D108BD9-81ED-4DB2-BD59-A6C34878D82A}">
+                    <a16:rowId xmlns:a16="http://schemas.microsoft.com/office/drawing/2014/main" val="172448955"/>
+                  </a:ext>
+                </a:extLst>
+              </a:tr>
+              <a:tr h="338616">
+                <a:tc>
+                  <a:txBody>
+                    <a:bodyPr/>
+                    <a:lstStyle/>
+                    <a:p>
+                      <a:pPr algn="ctr" latinLnBrk="1"/>
+                      <a:r>
+                        <a:rPr lang="en-US" altLang="ko-KR" sz="1000" dirty="0" smtClean="0"/>
+                        <a:t>1</a:t>
+                      </a:r>
+                      <a:endParaRPr lang="ko-KR" altLang="en-US" sz="1000" dirty="0"/>
+                    </a:p>
+                  </a:txBody>
+                  <a:tcPr anchor="ctr"/>
+                </a:tc>
+                <a:tc>
+                  <a:txBody>
+                    <a:bodyPr/>
+                    <a:lstStyle/>
+                    <a:p>
+                      <a:pPr algn="ctr" latinLnBrk="1"/>
+                      <a:r>
+                        <a:rPr lang="ko-KR" altLang="en-US" sz="1400" b="0" i="0" u="none" strike="noStrike" cap="none" dirty="0" smtClean="0">
+                          <a:solidFill>
+                            <a:srgbClr val="000000"/>
+                          </a:solidFill>
+                          <a:effectLst/>
+                          <a:latin typeface="Arial"/>
+                          <a:ea typeface="Arial"/>
+                          <a:cs typeface="Arial"/>
+                          <a:sym typeface="Arial"/>
+                        </a:rPr>
+                        <a:t>로고는 전자도서관 </a:t>
+                      </a:r>
+                      <a:r>
+                        <a:rPr lang="ko-KR" altLang="en-US" sz="1400" b="0" i="0" u="none" strike="noStrike" cap="none" dirty="0" err="1" smtClean="0">
+                          <a:solidFill>
+                            <a:srgbClr val="000000"/>
+                          </a:solidFill>
+                          <a:effectLst/>
+                          <a:latin typeface="Arial"/>
+                          <a:ea typeface="Arial"/>
+                          <a:cs typeface="Arial"/>
+                          <a:sym typeface="Arial"/>
+                        </a:rPr>
+                        <a:t>메인에</a:t>
+                      </a:r>
+                      <a:r>
+                        <a:rPr lang="ko-KR" altLang="en-US" sz="1400" b="0" i="0" u="none" strike="noStrike" cap="none" dirty="0" smtClean="0">
+                          <a:solidFill>
+                            <a:srgbClr val="000000"/>
+                          </a:solidFill>
+                          <a:effectLst/>
+                          <a:latin typeface="Arial"/>
+                          <a:ea typeface="Arial"/>
+                          <a:cs typeface="Arial"/>
+                          <a:sym typeface="Arial"/>
+                        </a:rPr>
+                        <a:t> 연결</a:t>
+                      </a:r>
+                      <a:endParaRPr lang="ko-KR" altLang="en-US" sz="1000" dirty="0"/>
+                    </a:p>
+                  </a:txBody>
+                  <a:tcPr anchor="ctr"/>
+                </a:tc>
+                <a:extLst>
+                  <a:ext uri="{0D108BD9-81ED-4DB2-BD59-A6C34878D82A}">
+                    <a16:rowId xmlns:a16="http://schemas.microsoft.com/office/drawing/2014/main" val="2454455020"/>
+                  </a:ext>
+                </a:extLst>
+              </a:tr>
+              <a:tr h="338616">
+                <a:tc>
+                  <a:txBody>
+                    <a:bodyPr/>
+                    <a:lstStyle/>
+                    <a:p>
+                      <a:pPr algn="ctr" latinLnBrk="1"/>
+                      <a:r>
+                        <a:rPr lang="en-US" altLang="ko-KR" sz="1000" dirty="0" smtClean="0"/>
+                        <a:t>2</a:t>
+                      </a:r>
+                      <a:endParaRPr lang="ko-KR" altLang="en-US" sz="1000" dirty="0"/>
+                    </a:p>
+                  </a:txBody>
+                  <a:tcPr anchor="ctr"/>
+                </a:tc>
+                <a:tc>
+                  <a:txBody>
+                    <a:bodyPr/>
+                    <a:lstStyle/>
+                    <a:p>
+                      <a:pPr algn="ctr" latinLnBrk="1"/>
+                      <a:r>
+                        <a:rPr lang="ko-KR" altLang="en-US" sz="1400" b="0" i="0" u="none" strike="noStrike" cap="none" dirty="0" smtClean="0">
+                          <a:solidFill>
+                            <a:srgbClr val="000000"/>
+                          </a:solidFill>
+                          <a:effectLst/>
+                          <a:latin typeface="Arial"/>
+                          <a:ea typeface="Arial"/>
+                          <a:cs typeface="Arial"/>
+                          <a:sym typeface="Arial"/>
+                        </a:rPr>
+                        <a:t>도서관 소식 목록 출력하기</a:t>
+                      </a:r>
+                      <a:endParaRPr lang="ko-KR" altLang="en-US" sz="1000" dirty="0"/>
+                    </a:p>
+                  </a:txBody>
+                  <a:tcPr anchor="ctr"/>
+                </a:tc>
+                <a:extLst>
+                  <a:ext uri="{0D108BD9-81ED-4DB2-BD59-A6C34878D82A}">
+                    <a16:rowId xmlns:a16="http://schemas.microsoft.com/office/drawing/2014/main" val="1763740348"/>
+                  </a:ext>
+                </a:extLst>
+              </a:tr>
+              <a:tr h="338616">
+                <a:tc>
+                  <a:txBody>
+                    <a:bodyPr/>
+                    <a:lstStyle/>
+                    <a:p>
+                      <a:pPr algn="ctr" latinLnBrk="1"/>
+                      <a:r>
+                        <a:rPr lang="en-US" altLang="ko-KR" sz="1000" dirty="0" smtClean="0"/>
+                        <a:t>3</a:t>
+                      </a:r>
+                      <a:endParaRPr lang="ko-KR" altLang="en-US" sz="1000" dirty="0"/>
+                    </a:p>
+                  </a:txBody>
+                  <a:tcPr anchor="ctr"/>
+                </a:tc>
+                <a:tc>
+                  <a:txBody>
+                    <a:bodyPr/>
+                    <a:lstStyle/>
+                    <a:p>
+                      <a:pPr algn="ctr" latinLnBrk="1"/>
+                      <a:r>
+                        <a:rPr lang="ko-KR" altLang="en-US" sz="1400" b="0" i="0" u="none" strike="noStrike" cap="none" dirty="0" smtClean="0">
+                          <a:solidFill>
+                            <a:srgbClr val="000000"/>
+                          </a:solidFill>
+                          <a:effectLst/>
+                          <a:latin typeface="Arial"/>
+                          <a:ea typeface="Arial"/>
+                          <a:cs typeface="Arial"/>
+                          <a:sym typeface="Arial"/>
+                        </a:rPr>
+                        <a:t>도서 검색하기</a:t>
+                      </a:r>
+                      <a:endParaRPr lang="ko-KR" altLang="en-US" sz="1000" dirty="0"/>
+                    </a:p>
+                  </a:txBody>
+                  <a:tcPr anchor="ctr"/>
+                </a:tc>
+                <a:extLst>
+                  <a:ext uri="{0D108BD9-81ED-4DB2-BD59-A6C34878D82A}">
+                    <a16:rowId xmlns:a16="http://schemas.microsoft.com/office/drawing/2014/main" val="2326188697"/>
+                  </a:ext>
+                </a:extLst>
+              </a:tr>
+              <a:tr h="338616">
+                <a:tc>
+                  <a:txBody>
+                    <a:bodyPr/>
+                    <a:lstStyle/>
+                    <a:p>
+                      <a:pPr algn="ctr" latinLnBrk="1"/>
+                      <a:r>
+                        <a:rPr lang="en-US" altLang="ko-KR" sz="1000" dirty="0" smtClean="0"/>
+                        <a:t>4</a:t>
+                      </a:r>
+                      <a:endParaRPr lang="ko-KR" altLang="en-US" sz="1000" dirty="0"/>
+                    </a:p>
+                  </a:txBody>
+                  <a:tcPr anchor="ctr"/>
+                </a:tc>
+                <a:tc>
+                  <a:txBody>
+                    <a:bodyPr/>
+                    <a:lstStyle/>
+                    <a:p>
+                      <a:pPr algn="ctr" latinLnBrk="1"/>
+                      <a:r>
+                        <a:rPr lang="ko-KR" altLang="en-US" sz="1400" b="0" i="0" u="none" strike="noStrike" cap="none" dirty="0" smtClean="0">
+                          <a:solidFill>
+                            <a:srgbClr val="000000"/>
+                          </a:solidFill>
+                          <a:effectLst/>
+                          <a:latin typeface="Arial"/>
+                          <a:ea typeface="Arial"/>
+                          <a:cs typeface="Arial"/>
+                          <a:sym typeface="Arial"/>
+                        </a:rPr>
+                        <a:t>링크에 해당되는 화면 출력하기</a:t>
+                      </a:r>
+                      <a:endParaRPr lang="ko-KR" altLang="en-US" sz="1000" dirty="0"/>
+                    </a:p>
+                  </a:txBody>
+                  <a:tcPr anchor="ctr"/>
+                </a:tc>
+                <a:extLst>
+                  <a:ext uri="{0D108BD9-81ED-4DB2-BD59-A6C34878D82A}">
+                    <a16:rowId xmlns:a16="http://schemas.microsoft.com/office/drawing/2014/main" val="4244881504"/>
+                  </a:ext>
+                </a:extLst>
+              </a:tr>
+              <a:tr h="338616">
+                <a:tc>
+                  <a:txBody>
+                    <a:bodyPr/>
+                    <a:lstStyle/>
+                    <a:p>
+                      <a:pPr algn="ctr" latinLnBrk="1"/>
+                      <a:r>
+                        <a:rPr lang="en-US" altLang="ko-KR" sz="1000" dirty="0" smtClean="0"/>
+                        <a:t>5</a:t>
+                      </a:r>
+                      <a:endParaRPr lang="ko-KR" altLang="en-US" sz="1000" dirty="0"/>
+                    </a:p>
+                  </a:txBody>
+                  <a:tcPr anchor="ctr"/>
+                </a:tc>
+                <a:tc>
+                  <a:txBody>
+                    <a:bodyPr/>
+                    <a:lstStyle/>
+                    <a:p>
+                      <a:pPr algn="ctr" latinLnBrk="1"/>
+                      <a:r>
+                        <a:rPr lang="ko-KR" altLang="en-US" sz="1400" b="0" i="0" u="none" strike="noStrike" cap="none" dirty="0" smtClean="0">
+                          <a:solidFill>
+                            <a:srgbClr val="000000"/>
+                          </a:solidFill>
+                          <a:effectLst/>
+                          <a:latin typeface="Arial"/>
+                          <a:ea typeface="Arial"/>
+                          <a:cs typeface="Arial"/>
+                          <a:sym typeface="Arial"/>
+                        </a:rPr>
+                        <a:t>탭에 해당되는 도서 목록 출력하기</a:t>
+                      </a:r>
+                      <a:endParaRPr lang="ko-KR" altLang="en-US" sz="1000" dirty="0"/>
+                    </a:p>
+                  </a:txBody>
+                  <a:tcPr anchor="ctr"/>
+                </a:tc>
+                <a:extLst>
+                  <a:ext uri="{0D108BD9-81ED-4DB2-BD59-A6C34878D82A}">
+                    <a16:rowId xmlns:a16="http://schemas.microsoft.com/office/drawing/2014/main" val="2701567043"/>
+                  </a:ext>
+                </a:extLst>
+              </a:tr>
+              <a:tr h="338616">
+                <a:tc>
+                  <a:txBody>
+                    <a:bodyPr/>
+                    <a:lstStyle/>
+                    <a:p>
+                      <a:pPr algn="ctr" latinLnBrk="1"/>
+                      <a:r>
+                        <a:rPr lang="en-US" altLang="ko-KR" sz="1000" dirty="0" smtClean="0"/>
+                        <a:t>6</a:t>
+                      </a:r>
+                      <a:endParaRPr lang="ko-KR" altLang="en-US" sz="1000" dirty="0"/>
+                    </a:p>
+                  </a:txBody>
+                  <a:tcPr anchor="ctr"/>
+                </a:tc>
+                <a:tc>
+                  <a:txBody>
+                    <a:bodyPr/>
+                    <a:lstStyle/>
+                    <a:p>
+                      <a:pPr algn="ctr" latinLnBrk="1"/>
+                      <a:r>
+                        <a:rPr lang="ko-KR" altLang="en-US" sz="1400" b="0" i="0" u="none" strike="noStrike" cap="none" dirty="0" smtClean="0">
+                          <a:solidFill>
+                            <a:srgbClr val="000000"/>
+                          </a:solidFill>
+                          <a:effectLst/>
+                          <a:latin typeface="Arial"/>
+                          <a:ea typeface="Arial"/>
+                          <a:cs typeface="Arial"/>
+                          <a:sym typeface="Arial"/>
+                        </a:rPr>
+                        <a:t>로그인 페이지로 이동</a:t>
+                      </a:r>
+                      <a:r>
+                        <a:rPr lang="ko-KR" altLang="en-US" sz="1000" dirty="0" smtClean="0"/>
+                        <a:t/>
+                      </a:r>
+                      <a:br>
+                        <a:rPr lang="ko-KR" altLang="en-US" sz="1000" dirty="0" smtClean="0"/>
+                      </a:br>
+                      <a:r>
+                        <a:rPr lang="ko-KR" altLang="en-US" sz="1400" b="0" i="0" u="none" strike="noStrike" cap="none" dirty="0" smtClean="0">
+                          <a:solidFill>
+                            <a:srgbClr val="000000"/>
+                          </a:solidFill>
+                          <a:effectLst/>
+                          <a:latin typeface="Arial"/>
+                          <a:ea typeface="Arial"/>
+                          <a:cs typeface="Arial"/>
+                          <a:sym typeface="Arial"/>
+                        </a:rPr>
+                        <a:t>로그인 한 회원은 이름 출력</a:t>
+                      </a:r>
+                      <a:endParaRPr lang="ko-KR" altLang="en-US" sz="1000" dirty="0"/>
+                    </a:p>
+                  </a:txBody>
+                  <a:tcPr anchor="ctr"/>
+                </a:tc>
+                <a:extLst>
+                  <a:ext uri="{0D108BD9-81ED-4DB2-BD59-A6C34878D82A}">
+                    <a16:rowId xmlns:a16="http://schemas.microsoft.com/office/drawing/2014/main" val="4093550341"/>
+                  </a:ext>
+                </a:extLst>
+              </a:tr>
+              <a:tr h="338616">
+                <a:tc>
+                  <a:txBody>
+                    <a:bodyPr/>
+                    <a:lstStyle/>
+                    <a:p>
+                      <a:pPr algn="ctr" latinLnBrk="1"/>
+                      <a:r>
+                        <a:rPr lang="en-US" altLang="ko-KR" sz="1000" dirty="0" smtClean="0"/>
+                        <a:t>7</a:t>
+                      </a:r>
+                      <a:endParaRPr lang="ko-KR" altLang="en-US" sz="1000" dirty="0"/>
+                    </a:p>
+                  </a:txBody>
+                  <a:tcPr anchor="ctr"/>
+                </a:tc>
+                <a:tc>
+                  <a:txBody>
+                    <a:bodyPr/>
+                    <a:lstStyle/>
+                    <a:p>
+                      <a:pPr algn="ctr" latinLnBrk="1"/>
+                      <a:r>
+                        <a:rPr lang="ko-KR" altLang="en-US" sz="1400" b="0" i="0" u="none" strike="noStrike" cap="none" dirty="0" smtClean="0">
+                          <a:solidFill>
+                            <a:srgbClr val="000000"/>
+                          </a:solidFill>
+                          <a:effectLst/>
+                          <a:latin typeface="Arial"/>
+                          <a:ea typeface="Arial"/>
+                          <a:cs typeface="Arial"/>
+                          <a:sym typeface="Arial"/>
+                        </a:rPr>
+                        <a:t>로그인 한 사람만 </a:t>
+                      </a:r>
+                      <a:r>
+                        <a:rPr lang="ko-KR" altLang="en-US" sz="1400" b="0" i="0" u="none" strike="noStrike" cap="none" dirty="0" err="1" smtClean="0">
+                          <a:solidFill>
+                            <a:srgbClr val="000000"/>
+                          </a:solidFill>
+                          <a:effectLst/>
+                          <a:latin typeface="Arial"/>
+                          <a:ea typeface="Arial"/>
+                          <a:cs typeface="Arial"/>
+                          <a:sym typeface="Arial"/>
+                        </a:rPr>
+                        <a:t>내서제로</a:t>
+                      </a:r>
+                      <a:r>
+                        <a:rPr lang="ko-KR" altLang="en-US" sz="1400" b="0" i="0" u="none" strike="noStrike" cap="none" dirty="0" smtClean="0">
+                          <a:solidFill>
+                            <a:srgbClr val="000000"/>
+                          </a:solidFill>
+                          <a:effectLst/>
+                          <a:latin typeface="Arial"/>
+                          <a:ea typeface="Arial"/>
+                          <a:cs typeface="Arial"/>
+                          <a:sym typeface="Arial"/>
+                        </a:rPr>
+                        <a:t> 이동</a:t>
+                      </a:r>
+                      <a:endParaRPr lang="ko-KR" altLang="en-US" sz="1000" dirty="0"/>
+                    </a:p>
+                  </a:txBody>
+                  <a:tcPr anchor="ctr"/>
+                </a:tc>
+                <a:extLst>
+                  <a:ext uri="{0D108BD9-81ED-4DB2-BD59-A6C34878D82A}">
+                    <a16:rowId xmlns:a16="http://schemas.microsoft.com/office/drawing/2014/main" val="559475548"/>
+                  </a:ext>
+                </a:extLst>
+              </a:tr>
+              <a:tr h="338616">
+                <a:tc>
+                  <a:txBody>
+                    <a:bodyPr/>
+                    <a:lstStyle/>
+                    <a:p>
+                      <a:pPr algn="ctr" latinLnBrk="1"/>
+                      <a:r>
+                        <a:rPr lang="en-US" altLang="ko-KR" sz="1000" dirty="0" smtClean="0"/>
+                        <a:t>8</a:t>
+                      </a:r>
+                      <a:endParaRPr lang="ko-KR" altLang="en-US" sz="1000" dirty="0"/>
+                    </a:p>
+                  </a:txBody>
+                  <a:tcPr anchor="ctr"/>
+                </a:tc>
+                <a:tc>
+                  <a:txBody>
+                    <a:bodyPr/>
+                    <a:lstStyle/>
+                    <a:p>
+                      <a:pPr algn="ctr" latinLnBrk="1"/>
+                      <a:r>
+                        <a:rPr lang="ko-KR" altLang="en-US" sz="1400" b="0" i="0" u="none" strike="noStrike" cap="none" dirty="0" smtClean="0">
+                          <a:solidFill>
+                            <a:srgbClr val="000000"/>
+                          </a:solidFill>
+                          <a:effectLst/>
+                          <a:latin typeface="Arial"/>
+                          <a:ea typeface="Arial"/>
+                          <a:cs typeface="Arial"/>
+                          <a:sym typeface="Arial"/>
+                        </a:rPr>
+                        <a:t>공공</a:t>
+                      </a:r>
+                      <a:r>
+                        <a:rPr lang="en-US" altLang="ko-KR" sz="1400" b="0" i="0" u="none" strike="noStrike" cap="none" dirty="0" smtClean="0">
+                          <a:solidFill>
+                            <a:srgbClr val="000000"/>
+                          </a:solidFill>
+                          <a:effectLst/>
+                          <a:latin typeface="Arial"/>
+                          <a:ea typeface="Arial"/>
+                          <a:cs typeface="Arial"/>
+                          <a:sym typeface="Arial"/>
+                        </a:rPr>
+                        <a:t>API</a:t>
+                      </a:r>
+                      <a:r>
+                        <a:rPr lang="ko-KR" altLang="en-US" sz="1400" b="0" i="0" u="none" strike="noStrike" cap="none" dirty="0" smtClean="0">
+                          <a:solidFill>
+                            <a:srgbClr val="000000"/>
+                          </a:solidFill>
+                          <a:effectLst/>
+                          <a:latin typeface="Arial"/>
+                          <a:ea typeface="Arial"/>
+                          <a:cs typeface="Arial"/>
+                          <a:sym typeface="Arial"/>
+                        </a:rPr>
+                        <a:t>로 </a:t>
+                      </a:r>
+                      <a:r>
+                        <a:rPr lang="ko-KR" altLang="en-US" sz="1400" b="0" i="0" u="none" strike="noStrike" cap="none" dirty="0" err="1" smtClean="0">
+                          <a:solidFill>
+                            <a:srgbClr val="000000"/>
+                          </a:solidFill>
+                          <a:effectLst/>
+                          <a:latin typeface="Arial"/>
+                          <a:ea typeface="Arial"/>
+                          <a:cs typeface="Arial"/>
+                          <a:sym typeface="Arial"/>
+                        </a:rPr>
+                        <a:t>지역도서관</a:t>
+                      </a:r>
+                      <a:r>
+                        <a:rPr lang="ko-KR" altLang="en-US" sz="1400" b="0" i="0" u="none" strike="noStrike" cap="none" dirty="0" smtClean="0">
+                          <a:solidFill>
+                            <a:srgbClr val="000000"/>
+                          </a:solidFill>
+                          <a:effectLst/>
+                          <a:latin typeface="Arial"/>
+                          <a:ea typeface="Arial"/>
+                          <a:cs typeface="Arial"/>
+                          <a:sym typeface="Arial"/>
+                        </a:rPr>
+                        <a:t> 목록 불러오기</a:t>
+                      </a:r>
+                      <a:endParaRPr lang="ko-KR" altLang="en-US" sz="1000" dirty="0"/>
+                    </a:p>
+                  </a:txBody>
+                  <a:tcPr anchor="ctr"/>
+                </a:tc>
+                <a:extLst>
+                  <a:ext uri="{0D108BD9-81ED-4DB2-BD59-A6C34878D82A}">
+                    <a16:rowId xmlns:a16="http://schemas.microsoft.com/office/drawing/2014/main" val="2368519117"/>
+                  </a:ext>
+                </a:extLst>
+              </a:tr>
+            </a:tbl>
+          </a:graphicData>
+        </a:graphic>
+      </p:graphicFrame>
+      <p:pic>
+        <p:nvPicPr>
+          <p:cNvPr id="4" name="그림 3"/>
+          <p:cNvPicPr>
+            <a:picLocks noChangeAspect="1"/>
+          </p:cNvPicPr>
+          <p:nvPr/>
+        </p:nvPicPr>
+        <p:blipFill>
+          <a:blip r:embed="rId3">
+            <a:extLst>
+              <a:ext uri="{28A0092B-C50C-407E-A947-70E740481C1C}">
+                <a14:useLocalDpi xmlns:a14="http://schemas.microsoft.com/office/drawing/2010/main" val="0"/>
+              </a:ext>
+            </a:extLst>
+          </a:blip>
+          <a:stretch>
+            <a:fillRect/>
+          </a:stretch>
+        </p:blipFill>
+        <p:spPr>
+          <a:xfrm>
+            <a:off x="0" y="1269435"/>
+            <a:ext cx="5753214" cy="3197458"/>
+          </a:xfrm>
+          <a:prstGeom prst="rect">
+            <a:avLst/>
+          </a:prstGeom>
+        </p:spPr>
+      </p:pic>
+    </p:spTree>
+    <p:extLst>
+      <p:ext uri="{BB962C8B-B14F-4D97-AF65-F5344CB8AC3E}">
+        <p14:creationId xmlns:p14="http://schemas.microsoft.com/office/powerpoint/2010/main" val="2237603409"/>
+      </p:ext>
+    </p:extLst>
+  </p:cSld>
+  <p:clrMapOvr>
+    <a:masterClrMapping/>
+  </p:clrMapOvr>
+  <p:timing>
+    <p:tnLst>
+      <p:par>
+        <p:cTn id="1" dur="indefinite" restart="never" nodeType="tmRoot"/>
+      </p:par>
+    </p:tnLst>
+  </p:timing>
+</p:sld>
+</file>
+
 <file path=ppt/slides/slide3.xml><?xml version="1.0" encoding="utf-8"?>
 <p:sld xmlns:a="http://schemas.openxmlformats.org/drawingml/2006/main" xmlns:r="http://schemas.openxmlformats.org/officeDocument/2006/relationships" xmlns:p="http://schemas.openxmlformats.org/presentationml/2006/main">
   <p:cSld>
@@ -34461,6 +36205,4648 @@
   <p:clrMapOvr>
     <a:masterClrMapping/>
   </p:clrMapOvr>
+</p:sld>
+</file>
+
+<file path=ppt/slides/slide30.xml><?xml version="1.0" encoding="utf-8"?>
+<p:sld xmlns:a="http://schemas.openxmlformats.org/drawingml/2006/main" xmlns:r="http://schemas.openxmlformats.org/officeDocument/2006/relationships" xmlns:p="http://schemas.openxmlformats.org/presentationml/2006/main">
+  <p:cSld>
+    <p:spTree>
+      <p:nvGrpSpPr>
+        <p:cNvPr id="1" name="Shape 300"/>
+        <p:cNvGrpSpPr/>
+        <p:nvPr/>
+      </p:nvGrpSpPr>
+      <p:grpSpPr>
+        <a:xfrm>
+          <a:off x="0" y="0"/>
+          <a:ext cx="0" cy="0"/>
+          <a:chOff x="0" y="0"/>
+          <a:chExt cx="0" cy="0"/>
+        </a:xfrm>
+      </p:grpSpPr>
+      <p:graphicFrame>
+        <p:nvGraphicFramePr>
+          <p:cNvPr id="2" name="표 1"/>
+          <p:cNvGraphicFramePr>
+            <a:graphicFrameLocks noGrp="1"/>
+          </p:cNvGraphicFramePr>
+          <p:nvPr>
+            <p:extLst/>
+          </p:nvPr>
+        </p:nvGraphicFramePr>
+        <p:xfrm>
+          <a:off x="0" y="0"/>
+          <a:ext cx="9144000" cy="488138"/>
+        </p:xfrm>
+        <a:graphic>
+          <a:graphicData uri="http://schemas.openxmlformats.org/drawingml/2006/table">
+            <a:tbl>
+              <a:tblPr firstRow="1" bandRow="1">
+                <a:tableStyleId>{519352A9-2B63-4AD2-B8CD-3DEFD3B06E96}</a:tableStyleId>
+              </a:tblPr>
+              <a:tblGrid>
+                <a:gridCol w="983152">
+                  <a:extLst>
+                    <a:ext uri="{9D8B030D-6E8A-4147-A177-3AD203B41FA5}">
+                      <a16:colId xmlns:a16="http://schemas.microsoft.com/office/drawing/2014/main" val="1232716861"/>
+                    </a:ext>
+                  </a:extLst>
+                </a:gridCol>
+                <a:gridCol w="2240108">
+                  <a:extLst>
+                    <a:ext uri="{9D8B030D-6E8A-4147-A177-3AD203B41FA5}">
+                      <a16:colId xmlns:a16="http://schemas.microsoft.com/office/drawing/2014/main" val="2298462088"/>
+                    </a:ext>
+                  </a:extLst>
+                </a:gridCol>
+                <a:gridCol w="1790700">
+                  <a:extLst>
+                    <a:ext uri="{9D8B030D-6E8A-4147-A177-3AD203B41FA5}">
+                      <a16:colId xmlns:a16="http://schemas.microsoft.com/office/drawing/2014/main" val="1047937324"/>
+                    </a:ext>
+                  </a:extLst>
+                </a:gridCol>
+                <a:gridCol w="4130040">
+                  <a:extLst>
+                    <a:ext uri="{9D8B030D-6E8A-4147-A177-3AD203B41FA5}">
+                      <a16:colId xmlns:a16="http://schemas.microsoft.com/office/drawing/2014/main" val="3447884235"/>
+                    </a:ext>
+                  </a:extLst>
+                </a:gridCol>
+              </a:tblGrid>
+              <a:tr h="244069">
+                <a:tc>
+                  <a:txBody>
+                    <a:bodyPr/>
+                    <a:lstStyle/>
+                    <a:p>
+                      <a:pPr algn="ctr" latinLnBrk="1"/>
+                      <a:r>
+                        <a:rPr lang="en-US" altLang="ko-KR" sz="1000" dirty="0" smtClean="0"/>
+                        <a:t>No</a:t>
+                      </a:r>
+                      <a:endParaRPr lang="ko-KR" altLang="en-US" sz="1000" dirty="0"/>
+                    </a:p>
+                  </a:txBody>
+                  <a:tcPr anchor="ctr">
+                    <a:solidFill>
+                      <a:srgbClr val="6EBDB0"/>
+                    </a:solidFill>
+                  </a:tcPr>
+                </a:tc>
+                <a:tc>
+                  <a:txBody>
+                    <a:bodyPr/>
+                    <a:lstStyle/>
+                    <a:p>
+                      <a:pPr algn="ctr" latinLnBrk="1"/>
+                      <a:r>
+                        <a:rPr lang="ko-KR" altLang="en-US" sz="1000" dirty="0" err="1" smtClean="0"/>
+                        <a:t>화면이름</a:t>
+                      </a:r>
+                      <a:endParaRPr lang="ko-KR" altLang="en-US" sz="1000" dirty="0"/>
+                    </a:p>
+                  </a:txBody>
+                  <a:tcPr anchor="ctr">
+                    <a:solidFill>
+                      <a:srgbClr val="6EBDB0"/>
+                    </a:solidFill>
+                  </a:tcPr>
+                </a:tc>
+                <a:tc>
+                  <a:txBody>
+                    <a:bodyPr/>
+                    <a:lstStyle/>
+                    <a:p>
+                      <a:pPr algn="ctr" latinLnBrk="1"/>
+                      <a:r>
+                        <a:rPr lang="ko-KR" altLang="en-US" sz="1000" dirty="0" smtClean="0"/>
+                        <a:t>페이지</a:t>
+                      </a:r>
+                      <a:endParaRPr lang="ko-KR" altLang="en-US" sz="1000" dirty="0"/>
+                    </a:p>
+                  </a:txBody>
+                  <a:tcPr anchor="ctr">
+                    <a:solidFill>
+                      <a:srgbClr val="6EBDB0"/>
+                    </a:solidFill>
+                  </a:tcPr>
+                </a:tc>
+                <a:tc>
+                  <a:txBody>
+                    <a:bodyPr/>
+                    <a:lstStyle/>
+                    <a:p>
+                      <a:pPr algn="ctr" latinLnBrk="1"/>
+                      <a:r>
+                        <a:rPr lang="ko-KR" altLang="en-US" sz="1000" dirty="0" smtClean="0"/>
+                        <a:t>설명</a:t>
+                      </a:r>
+                      <a:endParaRPr lang="ko-KR" altLang="en-US" sz="1000" dirty="0"/>
+                    </a:p>
+                  </a:txBody>
+                  <a:tcPr anchor="ctr">
+                    <a:solidFill>
+                      <a:srgbClr val="6EBDB0"/>
+                    </a:solidFill>
+                  </a:tcPr>
+                </a:tc>
+                <a:extLst>
+                  <a:ext uri="{0D108BD9-81ED-4DB2-BD59-A6C34878D82A}">
+                    <a16:rowId xmlns:a16="http://schemas.microsoft.com/office/drawing/2014/main" val="2653807755"/>
+                  </a:ext>
+                </a:extLst>
+              </a:tr>
+              <a:tr h="244069">
+                <a:tc>
+                  <a:txBody>
+                    <a:bodyPr/>
+                    <a:lstStyle/>
+                    <a:p>
+                      <a:pPr algn="ctr" latinLnBrk="1"/>
+                      <a:r>
+                        <a:rPr lang="en-US" altLang="ko-KR" sz="1000" dirty="0" smtClean="0"/>
+                        <a:t>6-2</a:t>
+                      </a:r>
+                      <a:endParaRPr lang="ko-KR" altLang="en-US" sz="1000" dirty="0"/>
+                    </a:p>
+                  </a:txBody>
+                  <a:tcPr anchor="ctr"/>
+                </a:tc>
+                <a:tc>
+                  <a:txBody>
+                    <a:bodyPr/>
+                    <a:lstStyle/>
+                    <a:p>
+                      <a:pPr algn="ctr" latinLnBrk="1"/>
+                      <a:r>
+                        <a:rPr lang="ko-KR" altLang="en-US" sz="1000" dirty="0" smtClean="0"/>
+                        <a:t>전자도서관</a:t>
+                      </a:r>
+                      <a:r>
+                        <a:rPr lang="en-US" altLang="ko-KR" sz="1000" dirty="0" smtClean="0"/>
+                        <a:t>-</a:t>
+                      </a:r>
+                      <a:r>
+                        <a:rPr lang="ko-KR" altLang="en-US" sz="1000" dirty="0" smtClean="0"/>
+                        <a:t>도서</a:t>
+                      </a:r>
+                      <a:r>
+                        <a:rPr lang="en-US" altLang="ko-KR" sz="1000" dirty="0" smtClean="0"/>
+                        <a:t>-</a:t>
+                      </a:r>
+                      <a:r>
+                        <a:rPr lang="ko-KR" altLang="en-US" sz="1000" dirty="0" smtClean="0"/>
+                        <a:t>목록</a:t>
+                      </a:r>
+                      <a:endParaRPr lang="ko-KR" altLang="en-US" sz="1000" dirty="0"/>
+                    </a:p>
+                  </a:txBody>
+                  <a:tcPr anchor="ctr"/>
+                </a:tc>
+                <a:tc>
+                  <a:txBody>
+                    <a:bodyPr/>
+                    <a:lstStyle/>
+                    <a:p>
+                      <a:pPr algn="ctr" latinLnBrk="1"/>
+                      <a:r>
+                        <a:rPr lang="en-US" altLang="ko-KR" sz="1000" dirty="0" err="1" smtClean="0"/>
+                        <a:t>Elib</a:t>
+                      </a:r>
+                      <a:r>
+                        <a:rPr lang="en-US" altLang="ko-KR" sz="1000" dirty="0" smtClean="0"/>
+                        <a:t>/</a:t>
+                      </a:r>
+                      <a:r>
+                        <a:rPr lang="en-US" altLang="ko-KR" sz="1000" dirty="0" err="1" smtClean="0"/>
+                        <a:t>ebook</a:t>
+                      </a:r>
+                      <a:r>
+                        <a:rPr lang="en-US" altLang="ko-KR" sz="1000" dirty="0" smtClean="0"/>
+                        <a:t>/list</a:t>
+                      </a:r>
+                      <a:endParaRPr lang="ko-KR" altLang="en-US" sz="1000" dirty="0"/>
+                    </a:p>
+                  </a:txBody>
+                  <a:tcPr anchor="ctr"/>
+                </a:tc>
+                <a:tc>
+                  <a:txBody>
+                    <a:bodyPr/>
+                    <a:lstStyle/>
+                    <a:p>
+                      <a:pPr algn="ctr" latinLnBrk="1"/>
+                      <a:r>
+                        <a:rPr lang="ko-KR" altLang="en-US" sz="1000" dirty="0" smtClean="0"/>
+                        <a:t>전자도서관 도서 목록</a:t>
+                      </a:r>
+                      <a:endParaRPr lang="ko-KR" altLang="en-US" sz="1000" dirty="0"/>
+                    </a:p>
+                  </a:txBody>
+                  <a:tcPr anchor="ctr"/>
+                </a:tc>
+                <a:extLst>
+                  <a:ext uri="{0D108BD9-81ED-4DB2-BD59-A6C34878D82A}">
+                    <a16:rowId xmlns:a16="http://schemas.microsoft.com/office/drawing/2014/main" val="1721092389"/>
+                  </a:ext>
+                </a:extLst>
+              </a:tr>
+            </a:tbl>
+          </a:graphicData>
+        </a:graphic>
+      </p:graphicFrame>
+      <p:graphicFrame>
+        <p:nvGraphicFramePr>
+          <p:cNvPr id="7" name="표 6"/>
+          <p:cNvGraphicFramePr>
+            <a:graphicFrameLocks noGrp="1"/>
+          </p:cNvGraphicFramePr>
+          <p:nvPr>
+            <p:extLst/>
+          </p:nvPr>
+        </p:nvGraphicFramePr>
+        <p:xfrm>
+          <a:off x="5768339" y="488138"/>
+          <a:ext cx="3375660" cy="1195392"/>
+        </p:xfrm>
+        <a:graphic>
+          <a:graphicData uri="http://schemas.openxmlformats.org/drawingml/2006/table">
+            <a:tbl>
+              <a:tblPr firstRow="1" bandRow="1">
+                <a:tableStyleId>{519352A9-2B63-4AD2-B8CD-3DEFD3B06E96}</a:tableStyleId>
+              </a:tblPr>
+              <a:tblGrid>
+                <a:gridCol w="511465">
+                  <a:extLst>
+                    <a:ext uri="{9D8B030D-6E8A-4147-A177-3AD203B41FA5}">
+                      <a16:colId xmlns:a16="http://schemas.microsoft.com/office/drawing/2014/main" val="1793106285"/>
+                    </a:ext>
+                  </a:extLst>
+                </a:gridCol>
+                <a:gridCol w="2864195">
+                  <a:extLst>
+                    <a:ext uri="{9D8B030D-6E8A-4147-A177-3AD203B41FA5}">
+                      <a16:colId xmlns:a16="http://schemas.microsoft.com/office/drawing/2014/main" val="9508570"/>
+                    </a:ext>
+                  </a:extLst>
+                </a:gridCol>
+              </a:tblGrid>
+              <a:tr h="338616">
+                <a:tc>
+                  <a:txBody>
+                    <a:bodyPr/>
+                    <a:lstStyle/>
+                    <a:p>
+                      <a:pPr algn="ctr" latinLnBrk="1"/>
+                      <a:r>
+                        <a:rPr lang="ko-KR" altLang="en-US" sz="1000" dirty="0" smtClean="0"/>
+                        <a:t>번호</a:t>
+                      </a:r>
+                      <a:endParaRPr lang="ko-KR" altLang="en-US" sz="1000" dirty="0"/>
+                    </a:p>
+                  </a:txBody>
+                  <a:tcPr anchor="ctr">
+                    <a:solidFill>
+                      <a:srgbClr val="6EBDB0"/>
+                    </a:solidFill>
+                  </a:tcPr>
+                </a:tc>
+                <a:tc>
+                  <a:txBody>
+                    <a:bodyPr/>
+                    <a:lstStyle/>
+                    <a:p>
+                      <a:pPr algn="ctr" latinLnBrk="1"/>
+                      <a:r>
+                        <a:rPr lang="ko-KR" altLang="en-US" sz="1000" dirty="0" smtClean="0"/>
+                        <a:t>설명</a:t>
+                      </a:r>
+                      <a:endParaRPr lang="ko-KR" altLang="en-US" sz="1000" dirty="0"/>
+                    </a:p>
+                  </a:txBody>
+                  <a:tcPr anchor="ctr">
+                    <a:solidFill>
+                      <a:srgbClr val="6EBDB0"/>
+                    </a:solidFill>
+                  </a:tcPr>
+                </a:tc>
+                <a:extLst>
+                  <a:ext uri="{0D108BD9-81ED-4DB2-BD59-A6C34878D82A}">
+                    <a16:rowId xmlns:a16="http://schemas.microsoft.com/office/drawing/2014/main" val="172448955"/>
+                  </a:ext>
+                </a:extLst>
+              </a:tr>
+              <a:tr h="338616">
+                <a:tc>
+                  <a:txBody>
+                    <a:bodyPr/>
+                    <a:lstStyle/>
+                    <a:p>
+                      <a:pPr algn="ctr" latinLnBrk="1"/>
+                      <a:r>
+                        <a:rPr lang="en-US" altLang="ko-KR" sz="1000" dirty="0" smtClean="0"/>
+                        <a:t>1</a:t>
+                      </a:r>
+                      <a:endParaRPr lang="ko-KR" altLang="en-US" sz="1000" dirty="0"/>
+                    </a:p>
+                  </a:txBody>
+                  <a:tcPr anchor="ctr"/>
+                </a:tc>
+                <a:tc>
+                  <a:txBody>
+                    <a:bodyPr/>
+                    <a:lstStyle/>
+                    <a:p>
+                      <a:pPr algn="ctr" latinLnBrk="1"/>
+                      <a:r>
+                        <a:rPr lang="ko-KR" altLang="en-US" sz="1400" b="0" i="0" u="none" strike="noStrike" cap="none" dirty="0" err="1" smtClean="0">
+                          <a:solidFill>
+                            <a:srgbClr val="000000"/>
+                          </a:solidFill>
+                          <a:effectLst/>
+                          <a:latin typeface="Arial"/>
+                          <a:ea typeface="Arial"/>
+                          <a:cs typeface="Arial"/>
+                          <a:sym typeface="Arial"/>
+                        </a:rPr>
+                        <a:t>카테고리별</a:t>
+                      </a:r>
+                      <a:r>
+                        <a:rPr lang="ko-KR" altLang="en-US" sz="1400" b="0" i="0" u="none" strike="noStrike" cap="none" dirty="0" smtClean="0">
+                          <a:solidFill>
+                            <a:srgbClr val="000000"/>
+                          </a:solidFill>
+                          <a:effectLst/>
+                          <a:latin typeface="Arial"/>
+                          <a:ea typeface="Arial"/>
+                          <a:cs typeface="Arial"/>
+                          <a:sym typeface="Arial"/>
+                        </a:rPr>
+                        <a:t> 목록 출력 및 해당 카테고리 책의 권수 출력</a:t>
+                      </a:r>
+                      <a:endParaRPr lang="ko-KR" altLang="en-US" sz="1000" dirty="0"/>
+                    </a:p>
+                  </a:txBody>
+                  <a:tcPr anchor="ctr"/>
+                </a:tc>
+                <a:extLst>
+                  <a:ext uri="{0D108BD9-81ED-4DB2-BD59-A6C34878D82A}">
+                    <a16:rowId xmlns:a16="http://schemas.microsoft.com/office/drawing/2014/main" val="2454455020"/>
+                  </a:ext>
+                </a:extLst>
+              </a:tr>
+              <a:tr h="338616">
+                <a:tc>
+                  <a:txBody>
+                    <a:bodyPr/>
+                    <a:lstStyle/>
+                    <a:p>
+                      <a:pPr algn="ctr" latinLnBrk="1"/>
+                      <a:r>
+                        <a:rPr lang="en-US" altLang="ko-KR" sz="1000" dirty="0" smtClean="0"/>
+                        <a:t>2</a:t>
+                      </a:r>
+                      <a:endParaRPr lang="ko-KR" altLang="en-US" sz="1000" dirty="0"/>
+                    </a:p>
+                  </a:txBody>
+                  <a:tcPr anchor="ctr"/>
+                </a:tc>
+                <a:tc>
+                  <a:txBody>
+                    <a:bodyPr/>
+                    <a:lstStyle/>
+                    <a:p>
+                      <a:pPr algn="ctr" latinLnBrk="1"/>
+                      <a:r>
+                        <a:rPr lang="ko-KR" altLang="en-US" sz="1400" b="0" i="0" u="none" strike="noStrike" cap="none" dirty="0" smtClean="0">
+                          <a:solidFill>
+                            <a:srgbClr val="000000"/>
+                          </a:solidFill>
+                          <a:effectLst/>
+                          <a:latin typeface="Arial"/>
+                          <a:ea typeface="Arial"/>
+                          <a:cs typeface="Arial"/>
+                          <a:sym typeface="Arial"/>
+                        </a:rPr>
+                        <a:t>해당 카테고리의 전자도서 출력</a:t>
+                      </a:r>
+                      <a:endParaRPr lang="ko-KR" altLang="en-US" sz="1000" dirty="0"/>
+                    </a:p>
+                  </a:txBody>
+                  <a:tcPr anchor="ctr"/>
+                </a:tc>
+                <a:extLst>
+                  <a:ext uri="{0D108BD9-81ED-4DB2-BD59-A6C34878D82A}">
+                    <a16:rowId xmlns:a16="http://schemas.microsoft.com/office/drawing/2014/main" val="1763740348"/>
+                  </a:ext>
+                </a:extLst>
+              </a:tr>
+            </a:tbl>
+          </a:graphicData>
+        </a:graphic>
+      </p:graphicFrame>
+      <p:pic>
+        <p:nvPicPr>
+          <p:cNvPr id="4" name="그림 3"/>
+          <p:cNvPicPr>
+            <a:picLocks noChangeAspect="1"/>
+          </p:cNvPicPr>
+          <p:nvPr/>
+        </p:nvPicPr>
+        <p:blipFill>
+          <a:blip r:embed="rId3">
+            <a:extLst>
+              <a:ext uri="{28A0092B-C50C-407E-A947-70E740481C1C}">
+                <a14:useLocalDpi xmlns:a14="http://schemas.microsoft.com/office/drawing/2010/main" val="0"/>
+              </a:ext>
+            </a:extLst>
+          </a:blip>
+          <a:stretch>
+            <a:fillRect/>
+          </a:stretch>
+        </p:blipFill>
+        <p:spPr>
+          <a:xfrm>
+            <a:off x="21138" y="1269435"/>
+            <a:ext cx="5710938" cy="3197458"/>
+          </a:xfrm>
+          <a:prstGeom prst="rect">
+            <a:avLst/>
+          </a:prstGeom>
+        </p:spPr>
+      </p:pic>
+    </p:spTree>
+    <p:extLst>
+      <p:ext uri="{BB962C8B-B14F-4D97-AF65-F5344CB8AC3E}">
+        <p14:creationId xmlns:p14="http://schemas.microsoft.com/office/powerpoint/2010/main" val="25026015"/>
+      </p:ext>
+    </p:extLst>
+  </p:cSld>
+  <p:clrMapOvr>
+    <a:masterClrMapping/>
+  </p:clrMapOvr>
+  <p:timing>
+    <p:tnLst>
+      <p:par>
+        <p:cTn id="1" dur="indefinite" restart="never" nodeType="tmRoot"/>
+      </p:par>
+    </p:tnLst>
+  </p:timing>
+</p:sld>
+</file>
+
+<file path=ppt/slides/slide31.xml><?xml version="1.0" encoding="utf-8"?>
+<p:sld xmlns:a="http://schemas.openxmlformats.org/drawingml/2006/main" xmlns:r="http://schemas.openxmlformats.org/officeDocument/2006/relationships" xmlns:p="http://schemas.openxmlformats.org/presentationml/2006/main">
+  <p:cSld>
+    <p:spTree>
+      <p:nvGrpSpPr>
+        <p:cNvPr id="1" name="Shape 300"/>
+        <p:cNvGrpSpPr/>
+        <p:nvPr/>
+      </p:nvGrpSpPr>
+      <p:grpSpPr>
+        <a:xfrm>
+          <a:off x="0" y="0"/>
+          <a:ext cx="0" cy="0"/>
+          <a:chOff x="0" y="0"/>
+          <a:chExt cx="0" cy="0"/>
+        </a:xfrm>
+      </p:grpSpPr>
+      <p:graphicFrame>
+        <p:nvGraphicFramePr>
+          <p:cNvPr id="2" name="표 1"/>
+          <p:cNvGraphicFramePr>
+            <a:graphicFrameLocks noGrp="1"/>
+          </p:cNvGraphicFramePr>
+          <p:nvPr>
+            <p:extLst/>
+          </p:nvPr>
+        </p:nvGraphicFramePr>
+        <p:xfrm>
+          <a:off x="0" y="0"/>
+          <a:ext cx="9144000" cy="488138"/>
+        </p:xfrm>
+        <a:graphic>
+          <a:graphicData uri="http://schemas.openxmlformats.org/drawingml/2006/table">
+            <a:tbl>
+              <a:tblPr firstRow="1" bandRow="1">
+                <a:tableStyleId>{519352A9-2B63-4AD2-B8CD-3DEFD3B06E96}</a:tableStyleId>
+              </a:tblPr>
+              <a:tblGrid>
+                <a:gridCol w="983152">
+                  <a:extLst>
+                    <a:ext uri="{9D8B030D-6E8A-4147-A177-3AD203B41FA5}">
+                      <a16:colId xmlns:a16="http://schemas.microsoft.com/office/drawing/2014/main" val="1232716861"/>
+                    </a:ext>
+                  </a:extLst>
+                </a:gridCol>
+                <a:gridCol w="2240108">
+                  <a:extLst>
+                    <a:ext uri="{9D8B030D-6E8A-4147-A177-3AD203B41FA5}">
+                      <a16:colId xmlns:a16="http://schemas.microsoft.com/office/drawing/2014/main" val="2298462088"/>
+                    </a:ext>
+                  </a:extLst>
+                </a:gridCol>
+                <a:gridCol w="1790700">
+                  <a:extLst>
+                    <a:ext uri="{9D8B030D-6E8A-4147-A177-3AD203B41FA5}">
+                      <a16:colId xmlns:a16="http://schemas.microsoft.com/office/drawing/2014/main" val="1047937324"/>
+                    </a:ext>
+                  </a:extLst>
+                </a:gridCol>
+                <a:gridCol w="4130040">
+                  <a:extLst>
+                    <a:ext uri="{9D8B030D-6E8A-4147-A177-3AD203B41FA5}">
+                      <a16:colId xmlns:a16="http://schemas.microsoft.com/office/drawing/2014/main" val="3447884235"/>
+                    </a:ext>
+                  </a:extLst>
+                </a:gridCol>
+              </a:tblGrid>
+              <a:tr h="244069">
+                <a:tc>
+                  <a:txBody>
+                    <a:bodyPr/>
+                    <a:lstStyle/>
+                    <a:p>
+                      <a:pPr algn="ctr" latinLnBrk="1"/>
+                      <a:r>
+                        <a:rPr lang="en-US" altLang="ko-KR" sz="1000" dirty="0" smtClean="0"/>
+                        <a:t>No</a:t>
+                      </a:r>
+                      <a:endParaRPr lang="ko-KR" altLang="en-US" sz="1000" dirty="0"/>
+                    </a:p>
+                  </a:txBody>
+                  <a:tcPr anchor="ctr">
+                    <a:solidFill>
+                      <a:srgbClr val="6EBDB0"/>
+                    </a:solidFill>
+                  </a:tcPr>
+                </a:tc>
+                <a:tc>
+                  <a:txBody>
+                    <a:bodyPr/>
+                    <a:lstStyle/>
+                    <a:p>
+                      <a:pPr algn="ctr" latinLnBrk="1"/>
+                      <a:r>
+                        <a:rPr lang="ko-KR" altLang="en-US" sz="1000" dirty="0" err="1" smtClean="0"/>
+                        <a:t>화면이름</a:t>
+                      </a:r>
+                      <a:endParaRPr lang="ko-KR" altLang="en-US" sz="1000" dirty="0"/>
+                    </a:p>
+                  </a:txBody>
+                  <a:tcPr anchor="ctr">
+                    <a:solidFill>
+                      <a:srgbClr val="6EBDB0"/>
+                    </a:solidFill>
+                  </a:tcPr>
+                </a:tc>
+                <a:tc>
+                  <a:txBody>
+                    <a:bodyPr/>
+                    <a:lstStyle/>
+                    <a:p>
+                      <a:pPr algn="ctr" latinLnBrk="1"/>
+                      <a:r>
+                        <a:rPr lang="ko-KR" altLang="en-US" sz="1000" dirty="0" smtClean="0"/>
+                        <a:t>페이지</a:t>
+                      </a:r>
+                      <a:endParaRPr lang="ko-KR" altLang="en-US" sz="1000" dirty="0"/>
+                    </a:p>
+                  </a:txBody>
+                  <a:tcPr anchor="ctr">
+                    <a:solidFill>
+                      <a:srgbClr val="6EBDB0"/>
+                    </a:solidFill>
+                  </a:tcPr>
+                </a:tc>
+                <a:tc>
+                  <a:txBody>
+                    <a:bodyPr/>
+                    <a:lstStyle/>
+                    <a:p>
+                      <a:pPr algn="ctr" latinLnBrk="1"/>
+                      <a:r>
+                        <a:rPr lang="ko-KR" altLang="en-US" sz="1000" dirty="0" smtClean="0"/>
+                        <a:t>설명</a:t>
+                      </a:r>
+                      <a:endParaRPr lang="ko-KR" altLang="en-US" sz="1000" dirty="0"/>
+                    </a:p>
+                  </a:txBody>
+                  <a:tcPr anchor="ctr">
+                    <a:solidFill>
+                      <a:srgbClr val="6EBDB0"/>
+                    </a:solidFill>
+                  </a:tcPr>
+                </a:tc>
+                <a:extLst>
+                  <a:ext uri="{0D108BD9-81ED-4DB2-BD59-A6C34878D82A}">
+                    <a16:rowId xmlns:a16="http://schemas.microsoft.com/office/drawing/2014/main" val="2653807755"/>
+                  </a:ext>
+                </a:extLst>
+              </a:tr>
+              <a:tr h="244069">
+                <a:tc>
+                  <a:txBody>
+                    <a:bodyPr/>
+                    <a:lstStyle/>
+                    <a:p>
+                      <a:pPr algn="ctr" latinLnBrk="1"/>
+                      <a:r>
+                        <a:rPr lang="en-US" altLang="ko-KR" sz="1000" dirty="0" smtClean="0"/>
+                        <a:t>6-3</a:t>
+                      </a:r>
+                      <a:endParaRPr lang="ko-KR" altLang="en-US" sz="1000" dirty="0"/>
+                    </a:p>
+                  </a:txBody>
+                  <a:tcPr anchor="ctr"/>
+                </a:tc>
+                <a:tc>
+                  <a:txBody>
+                    <a:bodyPr/>
+                    <a:lstStyle/>
+                    <a:p>
+                      <a:pPr algn="ctr" latinLnBrk="1"/>
+                      <a:r>
+                        <a:rPr lang="ko-KR" altLang="en-US" sz="1000" dirty="0" smtClean="0"/>
+                        <a:t>전자도서관</a:t>
+                      </a:r>
+                      <a:r>
+                        <a:rPr lang="en-US" altLang="ko-KR" sz="1000" dirty="0" smtClean="0"/>
+                        <a:t>-</a:t>
+                      </a:r>
+                      <a:r>
+                        <a:rPr lang="ko-KR" altLang="en-US" sz="1000" dirty="0" smtClean="0"/>
+                        <a:t>도서</a:t>
+                      </a:r>
+                      <a:r>
+                        <a:rPr lang="en-US" altLang="ko-KR" sz="1000" dirty="0" smtClean="0"/>
+                        <a:t>-</a:t>
+                      </a:r>
+                      <a:r>
+                        <a:rPr lang="ko-KR" altLang="en-US" sz="1000" dirty="0" smtClean="0"/>
+                        <a:t>보기</a:t>
+                      </a:r>
+                      <a:endParaRPr lang="ko-KR" altLang="en-US" sz="1000" dirty="0"/>
+                    </a:p>
+                  </a:txBody>
+                  <a:tcPr anchor="ctr"/>
+                </a:tc>
+                <a:tc>
+                  <a:txBody>
+                    <a:bodyPr/>
+                    <a:lstStyle/>
+                    <a:p>
+                      <a:pPr algn="ctr" latinLnBrk="1"/>
+                      <a:r>
+                        <a:rPr lang="en-US" altLang="ko-KR" sz="1000" dirty="0" err="1" smtClean="0"/>
+                        <a:t>Elib</a:t>
+                      </a:r>
+                      <a:r>
+                        <a:rPr lang="en-US" altLang="ko-KR" sz="1000" dirty="0" smtClean="0"/>
+                        <a:t>/</a:t>
+                      </a:r>
+                      <a:r>
+                        <a:rPr lang="en-US" altLang="ko-KR" sz="1000" dirty="0" err="1" smtClean="0"/>
+                        <a:t>ebook</a:t>
+                      </a:r>
+                      <a:r>
+                        <a:rPr lang="en-US" altLang="ko-KR" sz="1000" dirty="0" smtClean="0"/>
+                        <a:t>/view</a:t>
+                      </a:r>
+                      <a:endParaRPr lang="ko-KR" altLang="en-US" sz="1000" dirty="0"/>
+                    </a:p>
+                  </a:txBody>
+                  <a:tcPr anchor="ctr"/>
+                </a:tc>
+                <a:tc>
+                  <a:txBody>
+                    <a:bodyPr/>
+                    <a:lstStyle/>
+                    <a:p>
+                      <a:pPr algn="ctr" latinLnBrk="1"/>
+                      <a:r>
+                        <a:rPr lang="ko-KR" altLang="en-US" sz="1000" dirty="0" smtClean="0"/>
+                        <a:t>전자도서관 도서 보기</a:t>
+                      </a:r>
+                      <a:endParaRPr lang="ko-KR" altLang="en-US" sz="1000" dirty="0"/>
+                    </a:p>
+                  </a:txBody>
+                  <a:tcPr anchor="ctr"/>
+                </a:tc>
+                <a:extLst>
+                  <a:ext uri="{0D108BD9-81ED-4DB2-BD59-A6C34878D82A}">
+                    <a16:rowId xmlns:a16="http://schemas.microsoft.com/office/drawing/2014/main" val="1721092389"/>
+                  </a:ext>
+                </a:extLst>
+              </a:tr>
+            </a:tbl>
+          </a:graphicData>
+        </a:graphic>
+      </p:graphicFrame>
+      <p:graphicFrame>
+        <p:nvGraphicFramePr>
+          <p:cNvPr id="7" name="표 6"/>
+          <p:cNvGraphicFramePr>
+            <a:graphicFrameLocks noGrp="1"/>
+          </p:cNvGraphicFramePr>
+          <p:nvPr>
+            <p:extLst/>
+          </p:nvPr>
+        </p:nvGraphicFramePr>
+        <p:xfrm>
+          <a:off x="5768339" y="488138"/>
+          <a:ext cx="3375660" cy="2908944"/>
+        </p:xfrm>
+        <a:graphic>
+          <a:graphicData uri="http://schemas.openxmlformats.org/drawingml/2006/table">
+            <a:tbl>
+              <a:tblPr firstRow="1" bandRow="1">
+                <a:tableStyleId>{519352A9-2B63-4AD2-B8CD-3DEFD3B06E96}</a:tableStyleId>
+              </a:tblPr>
+              <a:tblGrid>
+                <a:gridCol w="511465">
+                  <a:extLst>
+                    <a:ext uri="{9D8B030D-6E8A-4147-A177-3AD203B41FA5}">
+                      <a16:colId xmlns:a16="http://schemas.microsoft.com/office/drawing/2014/main" val="1793106285"/>
+                    </a:ext>
+                  </a:extLst>
+                </a:gridCol>
+                <a:gridCol w="2864195">
+                  <a:extLst>
+                    <a:ext uri="{9D8B030D-6E8A-4147-A177-3AD203B41FA5}">
+                      <a16:colId xmlns:a16="http://schemas.microsoft.com/office/drawing/2014/main" val="9508570"/>
+                    </a:ext>
+                  </a:extLst>
+                </a:gridCol>
+              </a:tblGrid>
+              <a:tr h="338616">
+                <a:tc>
+                  <a:txBody>
+                    <a:bodyPr/>
+                    <a:lstStyle/>
+                    <a:p>
+                      <a:pPr algn="ctr" latinLnBrk="1"/>
+                      <a:r>
+                        <a:rPr lang="ko-KR" altLang="en-US" sz="1000" dirty="0" smtClean="0"/>
+                        <a:t>번호</a:t>
+                      </a:r>
+                      <a:endParaRPr lang="ko-KR" altLang="en-US" sz="1000" dirty="0"/>
+                    </a:p>
+                  </a:txBody>
+                  <a:tcPr anchor="ctr">
+                    <a:solidFill>
+                      <a:srgbClr val="6EBDB0"/>
+                    </a:solidFill>
+                  </a:tcPr>
+                </a:tc>
+                <a:tc>
+                  <a:txBody>
+                    <a:bodyPr/>
+                    <a:lstStyle/>
+                    <a:p>
+                      <a:pPr algn="ctr" latinLnBrk="1"/>
+                      <a:r>
+                        <a:rPr lang="ko-KR" altLang="en-US" sz="1000" dirty="0" smtClean="0"/>
+                        <a:t>설명</a:t>
+                      </a:r>
+                      <a:endParaRPr lang="ko-KR" altLang="en-US" sz="1000" dirty="0"/>
+                    </a:p>
+                  </a:txBody>
+                  <a:tcPr anchor="ctr">
+                    <a:solidFill>
+                      <a:srgbClr val="6EBDB0"/>
+                    </a:solidFill>
+                  </a:tcPr>
+                </a:tc>
+                <a:extLst>
+                  <a:ext uri="{0D108BD9-81ED-4DB2-BD59-A6C34878D82A}">
+                    <a16:rowId xmlns:a16="http://schemas.microsoft.com/office/drawing/2014/main" val="172448955"/>
+                  </a:ext>
+                </a:extLst>
+              </a:tr>
+              <a:tr h="338616">
+                <a:tc>
+                  <a:txBody>
+                    <a:bodyPr/>
+                    <a:lstStyle/>
+                    <a:p>
+                      <a:pPr algn="ctr" latinLnBrk="1"/>
+                      <a:r>
+                        <a:rPr lang="en-US" altLang="ko-KR" sz="1000" dirty="0" smtClean="0"/>
+                        <a:t>1</a:t>
+                      </a:r>
+                      <a:endParaRPr lang="ko-KR" altLang="en-US" sz="1000" dirty="0"/>
+                    </a:p>
+                  </a:txBody>
+                  <a:tcPr anchor="ctr"/>
+                </a:tc>
+                <a:tc>
+                  <a:txBody>
+                    <a:bodyPr/>
+                    <a:lstStyle/>
+                    <a:p>
+                      <a:pPr algn="ctr" latinLnBrk="1"/>
+                      <a:r>
+                        <a:rPr lang="ko-KR" altLang="en-US" sz="1400" b="0" i="0" u="none" strike="noStrike" cap="none" dirty="0" smtClean="0">
+                          <a:solidFill>
+                            <a:srgbClr val="000000"/>
+                          </a:solidFill>
+                          <a:effectLst/>
+                          <a:latin typeface="Arial"/>
+                          <a:ea typeface="Arial"/>
+                          <a:cs typeface="Arial"/>
+                          <a:sym typeface="Arial"/>
+                        </a:rPr>
+                        <a:t>해당 도서의 기본정보 출력하기</a:t>
+                      </a:r>
+                      <a:endParaRPr lang="ko-KR" altLang="en-US" sz="1000" dirty="0"/>
+                    </a:p>
+                  </a:txBody>
+                  <a:tcPr anchor="ctr"/>
+                </a:tc>
+                <a:extLst>
+                  <a:ext uri="{0D108BD9-81ED-4DB2-BD59-A6C34878D82A}">
+                    <a16:rowId xmlns:a16="http://schemas.microsoft.com/office/drawing/2014/main" val="2454455020"/>
+                  </a:ext>
+                </a:extLst>
+              </a:tr>
+              <a:tr h="338616">
+                <a:tc>
+                  <a:txBody>
+                    <a:bodyPr/>
+                    <a:lstStyle/>
+                    <a:p>
+                      <a:pPr algn="ctr" latinLnBrk="1"/>
+                      <a:r>
+                        <a:rPr lang="en-US" altLang="ko-KR" sz="1000" dirty="0" smtClean="0"/>
+                        <a:t>2</a:t>
+                      </a:r>
+                      <a:endParaRPr lang="ko-KR" altLang="en-US" sz="1000" dirty="0"/>
+                    </a:p>
+                  </a:txBody>
+                  <a:tcPr anchor="ctr"/>
+                </a:tc>
+                <a:tc>
+                  <a:txBody>
+                    <a:bodyPr/>
+                    <a:lstStyle/>
+                    <a:p>
+                      <a:pPr algn="ctr" latinLnBrk="1"/>
+                      <a:r>
+                        <a:rPr lang="ko-KR" altLang="en-US" sz="1400" b="0" i="0" u="none" strike="noStrike" cap="none" dirty="0" err="1" smtClean="0">
+                          <a:solidFill>
+                            <a:srgbClr val="000000"/>
+                          </a:solidFill>
+                          <a:effectLst/>
+                          <a:latin typeface="Arial"/>
+                          <a:ea typeface="Arial"/>
+                          <a:cs typeface="Arial"/>
+                          <a:sym typeface="Arial"/>
+                        </a:rPr>
+                        <a:t>헤당</a:t>
+                      </a:r>
+                      <a:r>
+                        <a:rPr lang="ko-KR" altLang="en-US" sz="1400" b="0" i="0" u="none" strike="noStrike" cap="none" dirty="0" smtClean="0">
+                          <a:solidFill>
+                            <a:srgbClr val="000000"/>
+                          </a:solidFill>
+                          <a:effectLst/>
+                          <a:latin typeface="Arial"/>
+                          <a:ea typeface="Arial"/>
+                          <a:cs typeface="Arial"/>
+                          <a:sym typeface="Arial"/>
+                        </a:rPr>
+                        <a:t> 도서의 저자</a:t>
+                      </a:r>
+                      <a:r>
+                        <a:rPr lang="en-US" altLang="ko-KR" sz="1400" b="0" i="0" u="none" strike="noStrike" cap="none" dirty="0" smtClean="0">
+                          <a:solidFill>
+                            <a:srgbClr val="000000"/>
+                          </a:solidFill>
+                          <a:effectLst/>
+                          <a:latin typeface="Arial"/>
+                          <a:ea typeface="Arial"/>
+                          <a:cs typeface="Arial"/>
+                          <a:sym typeface="Arial"/>
+                        </a:rPr>
+                        <a:t>, </a:t>
+                      </a:r>
+                      <a:r>
+                        <a:rPr lang="ko-KR" altLang="en-US" sz="1400" b="0" i="0" u="none" strike="noStrike" cap="none" dirty="0" smtClean="0">
+                          <a:solidFill>
+                            <a:srgbClr val="000000"/>
+                          </a:solidFill>
+                          <a:effectLst/>
+                          <a:latin typeface="Arial"/>
+                          <a:ea typeface="Arial"/>
+                          <a:cs typeface="Arial"/>
+                          <a:sym typeface="Arial"/>
+                        </a:rPr>
+                        <a:t>목차 등 출력하기</a:t>
+                      </a:r>
+                      <a:endParaRPr lang="ko-KR" altLang="en-US" sz="1000" dirty="0"/>
+                    </a:p>
+                  </a:txBody>
+                  <a:tcPr anchor="ctr"/>
+                </a:tc>
+                <a:extLst>
+                  <a:ext uri="{0D108BD9-81ED-4DB2-BD59-A6C34878D82A}">
+                    <a16:rowId xmlns:a16="http://schemas.microsoft.com/office/drawing/2014/main" val="1763740348"/>
+                  </a:ext>
+                </a:extLst>
+              </a:tr>
+              <a:tr h="338616">
+                <a:tc>
+                  <a:txBody>
+                    <a:bodyPr/>
+                    <a:lstStyle/>
+                    <a:p>
+                      <a:pPr algn="ctr" latinLnBrk="1"/>
+                      <a:r>
+                        <a:rPr lang="en-US" altLang="ko-KR" sz="1000" dirty="0" smtClean="0"/>
+                        <a:t>3</a:t>
+                      </a:r>
+                      <a:endParaRPr lang="ko-KR" altLang="en-US" sz="1000" dirty="0"/>
+                    </a:p>
+                  </a:txBody>
+                  <a:tcPr anchor="ctr"/>
+                </a:tc>
+                <a:tc>
+                  <a:txBody>
+                    <a:bodyPr/>
+                    <a:lstStyle/>
+                    <a:p>
+                      <a:pPr algn="ctr" latinLnBrk="1"/>
+                      <a:r>
+                        <a:rPr lang="ko-KR" altLang="en-US" sz="1400" b="0" i="0" u="none" strike="noStrike" cap="none" dirty="0" smtClean="0">
+                          <a:solidFill>
+                            <a:srgbClr val="000000"/>
+                          </a:solidFill>
+                          <a:effectLst/>
+                          <a:latin typeface="Arial"/>
+                          <a:ea typeface="Arial"/>
+                          <a:cs typeface="Arial"/>
+                          <a:sym typeface="Arial"/>
+                        </a:rPr>
+                        <a:t>해당 카테고리 영역에 맞는 글 출력</a:t>
+                      </a:r>
+                      <a:endParaRPr lang="ko-KR" altLang="en-US" sz="1000" dirty="0"/>
+                    </a:p>
+                  </a:txBody>
+                  <a:tcPr anchor="ctr"/>
+                </a:tc>
+                <a:extLst>
+                  <a:ext uri="{0D108BD9-81ED-4DB2-BD59-A6C34878D82A}">
+                    <a16:rowId xmlns:a16="http://schemas.microsoft.com/office/drawing/2014/main" val="2326188697"/>
+                  </a:ext>
+                </a:extLst>
+              </a:tr>
+              <a:tr h="338616">
+                <a:tc>
+                  <a:txBody>
+                    <a:bodyPr/>
+                    <a:lstStyle/>
+                    <a:p>
+                      <a:pPr algn="ctr" latinLnBrk="1"/>
+                      <a:r>
+                        <a:rPr lang="en-US" altLang="ko-KR" sz="1000" dirty="0" smtClean="0"/>
+                        <a:t>4</a:t>
+                      </a:r>
+                      <a:endParaRPr lang="ko-KR" altLang="en-US" sz="1000" dirty="0"/>
+                    </a:p>
+                  </a:txBody>
+                  <a:tcPr anchor="ctr"/>
+                </a:tc>
+                <a:tc>
+                  <a:txBody>
+                    <a:bodyPr/>
+                    <a:lstStyle/>
+                    <a:p>
+                      <a:pPr algn="ctr" latinLnBrk="1"/>
+                      <a:r>
+                        <a:rPr lang="ko-KR" altLang="en-US" sz="1400" b="0" i="0" u="none" strike="noStrike" cap="none" dirty="0" smtClean="0">
+                          <a:solidFill>
+                            <a:srgbClr val="000000"/>
+                          </a:solidFill>
+                          <a:effectLst/>
+                          <a:latin typeface="Arial"/>
+                          <a:ea typeface="Arial"/>
+                          <a:cs typeface="Arial"/>
+                          <a:sym typeface="Arial"/>
+                        </a:rPr>
+                        <a:t>대출하기</a:t>
+                      </a:r>
+                      <a:r>
+                        <a:rPr lang="ko-KR" altLang="en-US" dirty="0" smtClean="0"/>
+                        <a:t/>
+                      </a:r>
+                      <a:br>
+                        <a:rPr lang="ko-KR" altLang="en-US" dirty="0" smtClean="0"/>
+                      </a:br>
+                      <a:r>
+                        <a:rPr lang="ko-KR" altLang="en-US" sz="1400" b="0" i="0" u="none" strike="noStrike" cap="none" dirty="0" smtClean="0">
+                          <a:solidFill>
+                            <a:srgbClr val="000000"/>
+                          </a:solidFill>
+                          <a:effectLst/>
+                          <a:latin typeface="Arial"/>
+                          <a:ea typeface="Arial"/>
+                          <a:cs typeface="Arial"/>
+                          <a:sym typeface="Arial"/>
+                        </a:rPr>
+                        <a:t>대출이 불가능하면 예약하기</a:t>
+                      </a:r>
+                      <a:endParaRPr lang="ko-KR" altLang="en-US" sz="1000" dirty="0"/>
+                    </a:p>
+                  </a:txBody>
+                  <a:tcPr anchor="ctr"/>
+                </a:tc>
+                <a:extLst>
+                  <a:ext uri="{0D108BD9-81ED-4DB2-BD59-A6C34878D82A}">
+                    <a16:rowId xmlns:a16="http://schemas.microsoft.com/office/drawing/2014/main" val="4244881504"/>
+                  </a:ext>
+                </a:extLst>
+              </a:tr>
+              <a:tr h="338616">
+                <a:tc>
+                  <a:txBody>
+                    <a:bodyPr/>
+                    <a:lstStyle/>
+                    <a:p>
+                      <a:pPr algn="ctr" latinLnBrk="1"/>
+                      <a:r>
+                        <a:rPr lang="en-US" altLang="ko-KR" sz="1000" dirty="0" smtClean="0"/>
+                        <a:t>5</a:t>
+                      </a:r>
+                      <a:endParaRPr lang="ko-KR" altLang="en-US" sz="1000" dirty="0"/>
+                    </a:p>
+                  </a:txBody>
+                  <a:tcPr anchor="ctr"/>
+                </a:tc>
+                <a:tc>
+                  <a:txBody>
+                    <a:bodyPr/>
+                    <a:lstStyle/>
+                    <a:p>
+                      <a:pPr algn="ctr" latinLnBrk="1"/>
+                      <a:r>
+                        <a:rPr lang="ko-KR" altLang="en-US" sz="1400" b="0" i="0" u="none" strike="noStrike" cap="none" dirty="0" smtClean="0">
+                          <a:solidFill>
+                            <a:srgbClr val="000000"/>
+                          </a:solidFill>
+                          <a:effectLst/>
+                          <a:latin typeface="Arial"/>
+                          <a:ea typeface="Arial"/>
+                          <a:cs typeface="Arial"/>
+                          <a:sym typeface="Arial"/>
+                        </a:rPr>
+                        <a:t>좋아요 누르기 </a:t>
+                      </a:r>
+                      <a:r>
+                        <a:rPr lang="en-US" altLang="ko-KR" sz="1400" b="0" i="0" u="none" strike="noStrike" cap="none" dirty="0" smtClean="0">
+                          <a:solidFill>
+                            <a:srgbClr val="000000"/>
+                          </a:solidFill>
+                          <a:effectLst/>
+                          <a:latin typeface="Arial"/>
+                          <a:ea typeface="Arial"/>
+                          <a:cs typeface="Arial"/>
+                          <a:sym typeface="Arial"/>
+                        </a:rPr>
+                        <a:t>(</a:t>
+                      </a:r>
+                      <a:r>
+                        <a:rPr lang="ko-KR" altLang="en-US" sz="1400" b="0" i="0" u="none" strike="noStrike" cap="none" dirty="0" smtClean="0">
+                          <a:solidFill>
+                            <a:srgbClr val="000000"/>
+                          </a:solidFill>
+                          <a:effectLst/>
+                          <a:latin typeface="Arial"/>
+                          <a:ea typeface="Arial"/>
+                          <a:cs typeface="Arial"/>
+                          <a:sym typeface="Arial"/>
+                        </a:rPr>
+                        <a:t>한 사람 당 한번만</a:t>
+                      </a:r>
+                      <a:r>
+                        <a:rPr lang="en-US" altLang="ko-KR" sz="1400" b="0" i="0" u="none" strike="noStrike" cap="none" dirty="0" smtClean="0">
+                          <a:solidFill>
+                            <a:srgbClr val="000000"/>
+                          </a:solidFill>
+                          <a:effectLst/>
+                          <a:latin typeface="Arial"/>
+                          <a:ea typeface="Arial"/>
+                          <a:cs typeface="Arial"/>
+                          <a:sym typeface="Arial"/>
+                        </a:rPr>
+                        <a:t>)</a:t>
+                      </a:r>
+                      <a:endParaRPr lang="ko-KR" altLang="en-US" sz="1000" dirty="0"/>
+                    </a:p>
+                  </a:txBody>
+                  <a:tcPr anchor="ctr"/>
+                </a:tc>
+                <a:extLst>
+                  <a:ext uri="{0D108BD9-81ED-4DB2-BD59-A6C34878D82A}">
+                    <a16:rowId xmlns:a16="http://schemas.microsoft.com/office/drawing/2014/main" val="2701567043"/>
+                  </a:ext>
+                </a:extLst>
+              </a:tr>
+              <a:tr h="338616">
+                <a:tc>
+                  <a:txBody>
+                    <a:bodyPr/>
+                    <a:lstStyle/>
+                    <a:p>
+                      <a:pPr algn="ctr" latinLnBrk="1"/>
+                      <a:r>
+                        <a:rPr lang="en-US" altLang="ko-KR" sz="1000" dirty="0" smtClean="0"/>
+                        <a:t>6</a:t>
+                      </a:r>
+                      <a:endParaRPr lang="ko-KR" altLang="en-US" sz="1000" dirty="0"/>
+                    </a:p>
+                  </a:txBody>
+                  <a:tcPr anchor="ctr"/>
+                </a:tc>
+                <a:tc>
+                  <a:txBody>
+                    <a:bodyPr/>
+                    <a:lstStyle/>
+                    <a:p>
+                      <a:pPr algn="ctr" latinLnBrk="1"/>
+                      <a:r>
+                        <a:rPr lang="ko-KR" altLang="en-US" sz="1400" b="0" i="0" u="none" strike="noStrike" cap="none" dirty="0" smtClean="0">
+                          <a:solidFill>
+                            <a:srgbClr val="000000"/>
+                          </a:solidFill>
+                          <a:effectLst/>
+                          <a:latin typeface="Arial"/>
+                          <a:ea typeface="Arial"/>
+                          <a:cs typeface="Arial"/>
+                          <a:sym typeface="Arial"/>
+                        </a:rPr>
+                        <a:t>나의 </a:t>
+                      </a:r>
+                      <a:r>
+                        <a:rPr lang="ko-KR" altLang="en-US" sz="1400" b="0" i="0" u="none" strike="noStrike" cap="none" dirty="0" err="1" smtClean="0">
+                          <a:solidFill>
+                            <a:srgbClr val="000000"/>
+                          </a:solidFill>
+                          <a:effectLst/>
+                          <a:latin typeface="Arial"/>
+                          <a:ea typeface="Arial"/>
+                          <a:cs typeface="Arial"/>
+                          <a:sym typeface="Arial"/>
+                        </a:rPr>
+                        <a:t>관심도서</a:t>
+                      </a:r>
+                      <a:r>
+                        <a:rPr lang="ko-KR" altLang="en-US" sz="1400" b="0" i="0" u="none" strike="noStrike" cap="none" dirty="0" smtClean="0">
+                          <a:solidFill>
+                            <a:srgbClr val="000000"/>
+                          </a:solidFill>
+                          <a:effectLst/>
+                          <a:latin typeface="Arial"/>
+                          <a:ea typeface="Arial"/>
+                          <a:cs typeface="Arial"/>
+                          <a:sym typeface="Arial"/>
+                        </a:rPr>
+                        <a:t> 추가하기</a:t>
+                      </a:r>
+                      <a:endParaRPr lang="ko-KR" altLang="en-US" sz="1000" dirty="0"/>
+                    </a:p>
+                  </a:txBody>
+                  <a:tcPr anchor="ctr"/>
+                </a:tc>
+                <a:extLst>
+                  <a:ext uri="{0D108BD9-81ED-4DB2-BD59-A6C34878D82A}">
+                    <a16:rowId xmlns:a16="http://schemas.microsoft.com/office/drawing/2014/main" val="4093550341"/>
+                  </a:ext>
+                </a:extLst>
+              </a:tr>
+            </a:tbl>
+          </a:graphicData>
+        </a:graphic>
+      </p:graphicFrame>
+      <p:pic>
+        <p:nvPicPr>
+          <p:cNvPr id="4" name="그림 3"/>
+          <p:cNvPicPr>
+            <a:picLocks noChangeAspect="1"/>
+          </p:cNvPicPr>
+          <p:nvPr/>
+        </p:nvPicPr>
+        <p:blipFill>
+          <a:blip r:embed="rId3">
+            <a:extLst>
+              <a:ext uri="{28A0092B-C50C-407E-A947-70E740481C1C}">
+                <a14:useLocalDpi xmlns:a14="http://schemas.microsoft.com/office/drawing/2010/main" val="0"/>
+              </a:ext>
+            </a:extLst>
+          </a:blip>
+          <a:stretch>
+            <a:fillRect/>
+          </a:stretch>
+        </p:blipFill>
+        <p:spPr>
+          <a:xfrm>
+            <a:off x="35343" y="1269435"/>
+            <a:ext cx="5682528" cy="3197458"/>
+          </a:xfrm>
+          <a:prstGeom prst="rect">
+            <a:avLst/>
+          </a:prstGeom>
+        </p:spPr>
+      </p:pic>
+    </p:spTree>
+    <p:extLst>
+      <p:ext uri="{BB962C8B-B14F-4D97-AF65-F5344CB8AC3E}">
+        <p14:creationId xmlns:p14="http://schemas.microsoft.com/office/powerpoint/2010/main" val="3095577052"/>
+      </p:ext>
+    </p:extLst>
+  </p:cSld>
+  <p:clrMapOvr>
+    <a:masterClrMapping/>
+  </p:clrMapOvr>
+  <p:timing>
+    <p:tnLst>
+      <p:par>
+        <p:cTn id="1" dur="indefinite" restart="never" nodeType="tmRoot"/>
+      </p:par>
+    </p:tnLst>
+  </p:timing>
+</p:sld>
+</file>
+
+<file path=ppt/slides/slide32.xml><?xml version="1.0" encoding="utf-8"?>
+<p:sld xmlns:a="http://schemas.openxmlformats.org/drawingml/2006/main" xmlns:r="http://schemas.openxmlformats.org/officeDocument/2006/relationships" xmlns:p="http://schemas.openxmlformats.org/presentationml/2006/main">
+  <p:cSld>
+    <p:spTree>
+      <p:nvGrpSpPr>
+        <p:cNvPr id="1" name="Shape 300"/>
+        <p:cNvGrpSpPr/>
+        <p:nvPr/>
+      </p:nvGrpSpPr>
+      <p:grpSpPr>
+        <a:xfrm>
+          <a:off x="0" y="0"/>
+          <a:ext cx="0" cy="0"/>
+          <a:chOff x="0" y="0"/>
+          <a:chExt cx="0" cy="0"/>
+        </a:xfrm>
+      </p:grpSpPr>
+      <p:graphicFrame>
+        <p:nvGraphicFramePr>
+          <p:cNvPr id="2" name="표 1"/>
+          <p:cNvGraphicFramePr>
+            <a:graphicFrameLocks noGrp="1"/>
+          </p:cNvGraphicFramePr>
+          <p:nvPr>
+            <p:extLst/>
+          </p:nvPr>
+        </p:nvGraphicFramePr>
+        <p:xfrm>
+          <a:off x="0" y="0"/>
+          <a:ext cx="9144000" cy="488138"/>
+        </p:xfrm>
+        <a:graphic>
+          <a:graphicData uri="http://schemas.openxmlformats.org/drawingml/2006/table">
+            <a:tbl>
+              <a:tblPr firstRow="1" bandRow="1">
+                <a:tableStyleId>{519352A9-2B63-4AD2-B8CD-3DEFD3B06E96}</a:tableStyleId>
+              </a:tblPr>
+              <a:tblGrid>
+                <a:gridCol w="983152">
+                  <a:extLst>
+                    <a:ext uri="{9D8B030D-6E8A-4147-A177-3AD203B41FA5}">
+                      <a16:colId xmlns:a16="http://schemas.microsoft.com/office/drawing/2014/main" val="1232716861"/>
+                    </a:ext>
+                  </a:extLst>
+                </a:gridCol>
+                <a:gridCol w="2240108">
+                  <a:extLst>
+                    <a:ext uri="{9D8B030D-6E8A-4147-A177-3AD203B41FA5}">
+                      <a16:colId xmlns:a16="http://schemas.microsoft.com/office/drawing/2014/main" val="2298462088"/>
+                    </a:ext>
+                  </a:extLst>
+                </a:gridCol>
+                <a:gridCol w="1790700">
+                  <a:extLst>
+                    <a:ext uri="{9D8B030D-6E8A-4147-A177-3AD203B41FA5}">
+                      <a16:colId xmlns:a16="http://schemas.microsoft.com/office/drawing/2014/main" val="1047937324"/>
+                    </a:ext>
+                  </a:extLst>
+                </a:gridCol>
+                <a:gridCol w="4130040">
+                  <a:extLst>
+                    <a:ext uri="{9D8B030D-6E8A-4147-A177-3AD203B41FA5}">
+                      <a16:colId xmlns:a16="http://schemas.microsoft.com/office/drawing/2014/main" val="3447884235"/>
+                    </a:ext>
+                  </a:extLst>
+                </a:gridCol>
+              </a:tblGrid>
+              <a:tr h="244069">
+                <a:tc>
+                  <a:txBody>
+                    <a:bodyPr/>
+                    <a:lstStyle/>
+                    <a:p>
+                      <a:pPr algn="ctr" latinLnBrk="1"/>
+                      <a:r>
+                        <a:rPr lang="en-US" altLang="ko-KR" sz="1000" dirty="0" smtClean="0"/>
+                        <a:t>No</a:t>
+                      </a:r>
+                      <a:endParaRPr lang="ko-KR" altLang="en-US" sz="1000" dirty="0"/>
+                    </a:p>
+                  </a:txBody>
+                  <a:tcPr anchor="ctr">
+                    <a:solidFill>
+                      <a:srgbClr val="6EBDB0"/>
+                    </a:solidFill>
+                  </a:tcPr>
+                </a:tc>
+                <a:tc>
+                  <a:txBody>
+                    <a:bodyPr/>
+                    <a:lstStyle/>
+                    <a:p>
+                      <a:pPr algn="ctr" latinLnBrk="1"/>
+                      <a:r>
+                        <a:rPr lang="ko-KR" altLang="en-US" sz="1000" dirty="0" err="1" smtClean="0"/>
+                        <a:t>화면이름</a:t>
+                      </a:r>
+                      <a:endParaRPr lang="ko-KR" altLang="en-US" sz="1000" dirty="0"/>
+                    </a:p>
+                  </a:txBody>
+                  <a:tcPr anchor="ctr">
+                    <a:solidFill>
+                      <a:srgbClr val="6EBDB0"/>
+                    </a:solidFill>
+                  </a:tcPr>
+                </a:tc>
+                <a:tc>
+                  <a:txBody>
+                    <a:bodyPr/>
+                    <a:lstStyle/>
+                    <a:p>
+                      <a:pPr algn="ctr" latinLnBrk="1"/>
+                      <a:r>
+                        <a:rPr lang="ko-KR" altLang="en-US" sz="1000" dirty="0" smtClean="0"/>
+                        <a:t>페이지</a:t>
+                      </a:r>
+                      <a:endParaRPr lang="ko-KR" altLang="en-US" sz="1000" dirty="0"/>
+                    </a:p>
+                  </a:txBody>
+                  <a:tcPr anchor="ctr">
+                    <a:solidFill>
+                      <a:srgbClr val="6EBDB0"/>
+                    </a:solidFill>
+                  </a:tcPr>
+                </a:tc>
+                <a:tc>
+                  <a:txBody>
+                    <a:bodyPr/>
+                    <a:lstStyle/>
+                    <a:p>
+                      <a:pPr algn="ctr" latinLnBrk="1"/>
+                      <a:r>
+                        <a:rPr lang="ko-KR" altLang="en-US" sz="1000" dirty="0" smtClean="0"/>
+                        <a:t>설명</a:t>
+                      </a:r>
+                      <a:endParaRPr lang="ko-KR" altLang="en-US" sz="1000" dirty="0"/>
+                    </a:p>
+                  </a:txBody>
+                  <a:tcPr anchor="ctr">
+                    <a:solidFill>
+                      <a:srgbClr val="6EBDB0"/>
+                    </a:solidFill>
+                  </a:tcPr>
+                </a:tc>
+                <a:extLst>
+                  <a:ext uri="{0D108BD9-81ED-4DB2-BD59-A6C34878D82A}">
+                    <a16:rowId xmlns:a16="http://schemas.microsoft.com/office/drawing/2014/main" val="2653807755"/>
+                  </a:ext>
+                </a:extLst>
+              </a:tr>
+              <a:tr h="244069">
+                <a:tc>
+                  <a:txBody>
+                    <a:bodyPr/>
+                    <a:lstStyle/>
+                    <a:p>
+                      <a:pPr algn="ctr" latinLnBrk="1"/>
+                      <a:r>
+                        <a:rPr lang="en-US" altLang="ko-KR" sz="1000" dirty="0" smtClean="0"/>
+                        <a:t>6-4</a:t>
+                      </a:r>
+                      <a:endParaRPr lang="ko-KR" altLang="en-US" sz="1000" dirty="0"/>
+                    </a:p>
+                  </a:txBody>
+                  <a:tcPr anchor="ctr"/>
+                </a:tc>
+                <a:tc>
+                  <a:txBody>
+                    <a:bodyPr/>
+                    <a:lstStyle/>
+                    <a:p>
+                      <a:pPr algn="ctr" latinLnBrk="1"/>
+                      <a:r>
+                        <a:rPr lang="ko-KR" altLang="en-US" sz="1000" dirty="0" smtClean="0"/>
+                        <a:t>전자도서관</a:t>
+                      </a:r>
+                      <a:r>
+                        <a:rPr lang="en-US" altLang="ko-KR" sz="1000" dirty="0" smtClean="0"/>
+                        <a:t>-</a:t>
+                      </a:r>
+                      <a:r>
+                        <a:rPr lang="ko-KR" altLang="en-US" sz="1000" dirty="0" err="1" smtClean="0"/>
+                        <a:t>내서제</a:t>
+                      </a:r>
+                      <a:r>
+                        <a:rPr lang="en-US" altLang="ko-KR" sz="1000" dirty="0" smtClean="0"/>
+                        <a:t>-</a:t>
+                      </a:r>
+                      <a:r>
+                        <a:rPr lang="ko-KR" altLang="en-US" sz="1000" dirty="0" smtClean="0"/>
+                        <a:t>목록</a:t>
+                      </a:r>
+                      <a:endParaRPr lang="ko-KR" altLang="en-US" sz="1000" dirty="0"/>
+                    </a:p>
+                  </a:txBody>
+                  <a:tcPr anchor="ctr"/>
+                </a:tc>
+                <a:tc>
+                  <a:txBody>
+                    <a:bodyPr/>
+                    <a:lstStyle/>
+                    <a:p>
+                      <a:pPr algn="ctr" latinLnBrk="1"/>
+                      <a:r>
+                        <a:rPr lang="en-US" altLang="ko-KR" sz="1000" dirty="0" err="1" smtClean="0"/>
+                        <a:t>Elib</a:t>
+                      </a:r>
+                      <a:r>
+                        <a:rPr lang="en-US" altLang="ko-KR" sz="1000" dirty="0" smtClean="0"/>
+                        <a:t>/</a:t>
+                      </a:r>
+                      <a:r>
+                        <a:rPr lang="en-US" altLang="ko-KR" sz="1000" dirty="0" err="1" smtClean="0"/>
+                        <a:t>mylibrary</a:t>
+                      </a:r>
+                      <a:r>
+                        <a:rPr lang="en-US" altLang="ko-KR" sz="1000" dirty="0" smtClean="0"/>
+                        <a:t>/list</a:t>
+                      </a:r>
+                      <a:endParaRPr lang="ko-KR" altLang="en-US" sz="1000" dirty="0"/>
+                    </a:p>
+                  </a:txBody>
+                  <a:tcPr anchor="ctr"/>
+                </a:tc>
+                <a:tc>
+                  <a:txBody>
+                    <a:bodyPr/>
+                    <a:lstStyle/>
+                    <a:p>
+                      <a:pPr algn="ctr" latinLnBrk="1"/>
+                      <a:r>
+                        <a:rPr lang="ko-KR" altLang="en-US" sz="1000" dirty="0" smtClean="0"/>
+                        <a:t>전자도서관 </a:t>
+                      </a:r>
+                      <a:r>
+                        <a:rPr lang="ko-KR" altLang="en-US" sz="1000" dirty="0" err="1" smtClean="0"/>
+                        <a:t>내서제</a:t>
+                      </a:r>
+                      <a:r>
+                        <a:rPr lang="ko-KR" altLang="en-US" sz="1000" dirty="0" smtClean="0"/>
+                        <a:t> 목록</a:t>
+                      </a:r>
+                      <a:endParaRPr lang="ko-KR" altLang="en-US" sz="1000" dirty="0"/>
+                    </a:p>
+                  </a:txBody>
+                  <a:tcPr anchor="ctr"/>
+                </a:tc>
+                <a:extLst>
+                  <a:ext uri="{0D108BD9-81ED-4DB2-BD59-A6C34878D82A}">
+                    <a16:rowId xmlns:a16="http://schemas.microsoft.com/office/drawing/2014/main" val="1721092389"/>
+                  </a:ext>
+                </a:extLst>
+              </a:tr>
+            </a:tbl>
+          </a:graphicData>
+        </a:graphic>
+      </p:graphicFrame>
+      <p:graphicFrame>
+        <p:nvGraphicFramePr>
+          <p:cNvPr id="7" name="표 6"/>
+          <p:cNvGraphicFramePr>
+            <a:graphicFrameLocks noGrp="1"/>
+          </p:cNvGraphicFramePr>
+          <p:nvPr>
+            <p:extLst/>
+          </p:nvPr>
+        </p:nvGraphicFramePr>
+        <p:xfrm>
+          <a:off x="5768339" y="488138"/>
+          <a:ext cx="3375660" cy="2390784"/>
+        </p:xfrm>
+        <a:graphic>
+          <a:graphicData uri="http://schemas.openxmlformats.org/drawingml/2006/table">
+            <a:tbl>
+              <a:tblPr firstRow="1" bandRow="1">
+                <a:tableStyleId>{519352A9-2B63-4AD2-B8CD-3DEFD3B06E96}</a:tableStyleId>
+              </a:tblPr>
+              <a:tblGrid>
+                <a:gridCol w="511465">
+                  <a:extLst>
+                    <a:ext uri="{9D8B030D-6E8A-4147-A177-3AD203B41FA5}">
+                      <a16:colId xmlns:a16="http://schemas.microsoft.com/office/drawing/2014/main" val="1793106285"/>
+                    </a:ext>
+                  </a:extLst>
+                </a:gridCol>
+                <a:gridCol w="2864195">
+                  <a:extLst>
+                    <a:ext uri="{9D8B030D-6E8A-4147-A177-3AD203B41FA5}">
+                      <a16:colId xmlns:a16="http://schemas.microsoft.com/office/drawing/2014/main" val="9508570"/>
+                    </a:ext>
+                  </a:extLst>
+                </a:gridCol>
+              </a:tblGrid>
+              <a:tr h="338616">
+                <a:tc>
+                  <a:txBody>
+                    <a:bodyPr/>
+                    <a:lstStyle/>
+                    <a:p>
+                      <a:pPr algn="ctr" latinLnBrk="1"/>
+                      <a:r>
+                        <a:rPr lang="ko-KR" altLang="en-US" sz="1000" dirty="0" smtClean="0"/>
+                        <a:t>번호</a:t>
+                      </a:r>
+                      <a:endParaRPr lang="ko-KR" altLang="en-US" sz="1000" dirty="0"/>
+                    </a:p>
+                  </a:txBody>
+                  <a:tcPr anchor="ctr">
+                    <a:solidFill>
+                      <a:srgbClr val="6EBDB0"/>
+                    </a:solidFill>
+                  </a:tcPr>
+                </a:tc>
+                <a:tc>
+                  <a:txBody>
+                    <a:bodyPr/>
+                    <a:lstStyle/>
+                    <a:p>
+                      <a:pPr algn="ctr" latinLnBrk="1"/>
+                      <a:r>
+                        <a:rPr lang="ko-KR" altLang="en-US" sz="1000" dirty="0" smtClean="0"/>
+                        <a:t>설명</a:t>
+                      </a:r>
+                      <a:endParaRPr lang="ko-KR" altLang="en-US" sz="1000" dirty="0"/>
+                    </a:p>
+                  </a:txBody>
+                  <a:tcPr anchor="ctr">
+                    <a:solidFill>
+                      <a:srgbClr val="6EBDB0"/>
+                    </a:solidFill>
+                  </a:tcPr>
+                </a:tc>
+                <a:extLst>
+                  <a:ext uri="{0D108BD9-81ED-4DB2-BD59-A6C34878D82A}">
+                    <a16:rowId xmlns:a16="http://schemas.microsoft.com/office/drawing/2014/main" val="172448955"/>
+                  </a:ext>
+                </a:extLst>
+              </a:tr>
+              <a:tr h="338616">
+                <a:tc>
+                  <a:txBody>
+                    <a:bodyPr/>
+                    <a:lstStyle/>
+                    <a:p>
+                      <a:pPr algn="ctr" latinLnBrk="1"/>
+                      <a:r>
+                        <a:rPr lang="en-US" altLang="ko-KR" sz="1000" dirty="0" smtClean="0"/>
+                        <a:t>1</a:t>
+                      </a:r>
+                      <a:endParaRPr lang="ko-KR" altLang="en-US" sz="1000" dirty="0"/>
+                    </a:p>
+                  </a:txBody>
+                  <a:tcPr anchor="ctr"/>
+                </a:tc>
+                <a:tc>
+                  <a:txBody>
+                    <a:bodyPr/>
+                    <a:lstStyle/>
+                    <a:p>
+                      <a:pPr algn="ctr" latinLnBrk="1"/>
+                      <a:r>
+                        <a:rPr lang="ko-KR" altLang="en-US" sz="1400" b="0" i="0" u="none" strike="noStrike" cap="none" dirty="0" smtClean="0">
+                          <a:solidFill>
+                            <a:srgbClr val="000000"/>
+                          </a:solidFill>
+                          <a:effectLst/>
+                          <a:latin typeface="Arial"/>
+                          <a:ea typeface="Arial"/>
+                          <a:cs typeface="Arial"/>
+                          <a:sym typeface="Arial"/>
+                        </a:rPr>
+                        <a:t>내가 대출한 도서</a:t>
+                      </a:r>
+                      <a:r>
+                        <a:rPr lang="en-US" altLang="ko-KR" sz="1400" b="0" i="0" u="none" strike="noStrike" cap="none" dirty="0" smtClean="0">
+                          <a:solidFill>
+                            <a:srgbClr val="000000"/>
+                          </a:solidFill>
+                          <a:effectLst/>
+                          <a:latin typeface="Arial"/>
+                          <a:ea typeface="Arial"/>
+                          <a:cs typeface="Arial"/>
+                          <a:sym typeface="Arial"/>
+                        </a:rPr>
+                        <a:t>, </a:t>
+                      </a:r>
+                      <a:r>
+                        <a:rPr lang="ko-KR" altLang="en-US" sz="1400" b="0" i="0" u="none" strike="noStrike" cap="none" dirty="0" smtClean="0">
+                          <a:solidFill>
+                            <a:srgbClr val="000000"/>
+                          </a:solidFill>
+                          <a:effectLst/>
+                          <a:latin typeface="Arial"/>
+                          <a:ea typeface="Arial"/>
+                          <a:cs typeface="Arial"/>
+                          <a:sym typeface="Arial"/>
+                        </a:rPr>
+                        <a:t>예약한 도서</a:t>
+                      </a:r>
+                      <a:r>
+                        <a:rPr lang="en-US" altLang="ko-KR" sz="1400" b="0" i="0" u="none" strike="noStrike" cap="none" dirty="0" smtClean="0">
+                          <a:solidFill>
+                            <a:srgbClr val="000000"/>
+                          </a:solidFill>
+                          <a:effectLst/>
+                          <a:latin typeface="Arial"/>
+                          <a:ea typeface="Arial"/>
+                          <a:cs typeface="Arial"/>
+                          <a:sym typeface="Arial"/>
+                        </a:rPr>
+                        <a:t>, </a:t>
+                      </a:r>
+                      <a:r>
+                        <a:rPr lang="ko-KR" altLang="en-US" sz="1400" b="0" i="0" u="none" strike="noStrike" cap="none" dirty="0" err="1" smtClean="0">
+                          <a:solidFill>
+                            <a:srgbClr val="000000"/>
+                          </a:solidFill>
+                          <a:effectLst/>
+                          <a:latin typeface="Arial"/>
+                          <a:ea typeface="Arial"/>
+                          <a:cs typeface="Arial"/>
+                          <a:sym typeface="Arial"/>
+                        </a:rPr>
+                        <a:t>지난대출</a:t>
+                      </a:r>
+                      <a:r>
+                        <a:rPr lang="ko-KR" altLang="en-US" sz="1400" b="0" i="0" u="none" strike="noStrike" cap="none" dirty="0" smtClean="0">
+                          <a:solidFill>
+                            <a:srgbClr val="000000"/>
+                          </a:solidFill>
+                          <a:effectLst/>
+                          <a:latin typeface="Arial"/>
+                          <a:ea typeface="Arial"/>
+                          <a:cs typeface="Arial"/>
+                          <a:sym typeface="Arial"/>
+                        </a:rPr>
+                        <a:t> 카테고리 출력</a:t>
+                      </a:r>
+                      <a:endParaRPr lang="ko-KR" altLang="en-US" sz="1000" dirty="0"/>
+                    </a:p>
+                  </a:txBody>
+                  <a:tcPr anchor="ctr"/>
+                </a:tc>
+                <a:extLst>
+                  <a:ext uri="{0D108BD9-81ED-4DB2-BD59-A6C34878D82A}">
+                    <a16:rowId xmlns:a16="http://schemas.microsoft.com/office/drawing/2014/main" val="2454455020"/>
+                  </a:ext>
+                </a:extLst>
+              </a:tr>
+              <a:tr h="338616">
+                <a:tc>
+                  <a:txBody>
+                    <a:bodyPr/>
+                    <a:lstStyle/>
+                    <a:p>
+                      <a:pPr algn="ctr" latinLnBrk="1"/>
+                      <a:r>
+                        <a:rPr lang="en-US" altLang="ko-KR" sz="1000" dirty="0" smtClean="0"/>
+                        <a:t>2</a:t>
+                      </a:r>
+                      <a:endParaRPr lang="ko-KR" altLang="en-US" sz="1000" dirty="0"/>
+                    </a:p>
+                  </a:txBody>
+                  <a:tcPr anchor="ctr"/>
+                </a:tc>
+                <a:tc>
+                  <a:txBody>
+                    <a:bodyPr/>
+                    <a:lstStyle/>
+                    <a:p>
+                      <a:pPr algn="ctr" latinLnBrk="1"/>
+                      <a:r>
+                        <a:rPr lang="ko-KR" altLang="en-US" sz="1400" b="0" i="0" u="none" strike="noStrike" cap="none" dirty="0" smtClean="0">
+                          <a:solidFill>
+                            <a:srgbClr val="000000"/>
+                          </a:solidFill>
+                          <a:effectLst/>
+                          <a:latin typeface="Arial"/>
+                          <a:ea typeface="Arial"/>
+                          <a:cs typeface="Arial"/>
+                          <a:sym typeface="Arial"/>
+                        </a:rPr>
+                        <a:t>로그인한 멤버의 대출</a:t>
+                      </a:r>
+                      <a:r>
+                        <a:rPr lang="en-US" altLang="ko-KR" sz="1400" b="0" i="0" u="none" strike="noStrike" cap="none" dirty="0" smtClean="0">
+                          <a:solidFill>
+                            <a:srgbClr val="000000"/>
+                          </a:solidFill>
+                          <a:effectLst/>
+                          <a:latin typeface="Arial"/>
+                          <a:ea typeface="Arial"/>
+                          <a:cs typeface="Arial"/>
+                          <a:sym typeface="Arial"/>
+                        </a:rPr>
+                        <a:t>,</a:t>
+                      </a:r>
+                      <a:r>
+                        <a:rPr lang="ko-KR" altLang="en-US" sz="1400" b="0" i="0" u="none" strike="noStrike" cap="none" dirty="0" smtClean="0">
+                          <a:solidFill>
+                            <a:srgbClr val="000000"/>
+                          </a:solidFill>
+                          <a:effectLst/>
+                          <a:latin typeface="Arial"/>
+                          <a:ea typeface="Arial"/>
+                          <a:cs typeface="Arial"/>
+                          <a:sym typeface="Arial"/>
+                        </a:rPr>
+                        <a:t>예약</a:t>
+                      </a:r>
+                      <a:r>
+                        <a:rPr lang="en-US" altLang="ko-KR" sz="1400" b="0" i="0" u="none" strike="noStrike" cap="none" dirty="0" smtClean="0">
+                          <a:solidFill>
+                            <a:srgbClr val="000000"/>
+                          </a:solidFill>
+                          <a:effectLst/>
+                          <a:latin typeface="Arial"/>
+                          <a:ea typeface="Arial"/>
+                          <a:cs typeface="Arial"/>
+                          <a:sym typeface="Arial"/>
+                        </a:rPr>
+                        <a:t>, </a:t>
+                      </a:r>
+                      <a:r>
+                        <a:rPr lang="ko-KR" altLang="en-US" sz="1400" b="0" i="0" u="none" strike="noStrike" cap="none" dirty="0" smtClean="0">
+                          <a:solidFill>
+                            <a:srgbClr val="000000"/>
+                          </a:solidFill>
+                          <a:effectLst/>
+                          <a:latin typeface="Arial"/>
+                          <a:ea typeface="Arial"/>
+                          <a:cs typeface="Arial"/>
+                          <a:sym typeface="Arial"/>
+                        </a:rPr>
+                        <a:t>지난 대출 목록 출력</a:t>
+                      </a:r>
+                      <a:endParaRPr lang="ko-KR" altLang="en-US" sz="1000" dirty="0"/>
+                    </a:p>
+                  </a:txBody>
+                  <a:tcPr anchor="ctr"/>
+                </a:tc>
+                <a:extLst>
+                  <a:ext uri="{0D108BD9-81ED-4DB2-BD59-A6C34878D82A}">
+                    <a16:rowId xmlns:a16="http://schemas.microsoft.com/office/drawing/2014/main" val="1763740348"/>
+                  </a:ext>
+                </a:extLst>
+              </a:tr>
+              <a:tr h="338616">
+                <a:tc>
+                  <a:txBody>
+                    <a:bodyPr/>
+                    <a:lstStyle/>
+                    <a:p>
+                      <a:pPr algn="ctr" latinLnBrk="1"/>
+                      <a:r>
+                        <a:rPr lang="en-US" altLang="ko-KR" sz="1000" dirty="0" smtClean="0"/>
+                        <a:t>3</a:t>
+                      </a:r>
+                      <a:endParaRPr lang="ko-KR" altLang="en-US" sz="1000" dirty="0"/>
+                    </a:p>
+                  </a:txBody>
+                  <a:tcPr anchor="ctr"/>
+                </a:tc>
+                <a:tc>
+                  <a:txBody>
+                    <a:bodyPr/>
+                    <a:lstStyle/>
+                    <a:p>
+                      <a:pPr algn="ctr" latinLnBrk="1"/>
+                      <a:r>
+                        <a:rPr lang="ko-KR" altLang="en-US" sz="1400" b="0" i="0" u="none" strike="noStrike" cap="none" dirty="0" smtClean="0">
+                          <a:solidFill>
+                            <a:srgbClr val="000000"/>
+                          </a:solidFill>
+                          <a:effectLst/>
+                          <a:latin typeface="Arial"/>
+                          <a:ea typeface="Arial"/>
+                          <a:cs typeface="Arial"/>
+                          <a:sym typeface="Arial"/>
+                        </a:rPr>
+                        <a:t>책 읽기 </a:t>
+                      </a:r>
+                      <a:r>
+                        <a:rPr lang="ko-KR" altLang="en-US" sz="1400" b="0" i="0" u="none" strike="noStrike" cap="none" dirty="0" err="1" smtClean="0">
+                          <a:solidFill>
+                            <a:srgbClr val="000000"/>
+                          </a:solidFill>
+                          <a:effectLst/>
+                          <a:latin typeface="Arial"/>
+                          <a:ea typeface="Arial"/>
+                          <a:cs typeface="Arial"/>
+                          <a:sym typeface="Arial"/>
+                        </a:rPr>
+                        <a:t>기능구현</a:t>
+                      </a:r>
+                      <a:endParaRPr lang="ko-KR" altLang="en-US" sz="1000" dirty="0"/>
+                    </a:p>
+                  </a:txBody>
+                  <a:tcPr anchor="ctr"/>
+                </a:tc>
+                <a:extLst>
+                  <a:ext uri="{0D108BD9-81ED-4DB2-BD59-A6C34878D82A}">
+                    <a16:rowId xmlns:a16="http://schemas.microsoft.com/office/drawing/2014/main" val="2326188697"/>
+                  </a:ext>
+                </a:extLst>
+              </a:tr>
+              <a:tr h="338616">
+                <a:tc>
+                  <a:txBody>
+                    <a:bodyPr/>
+                    <a:lstStyle/>
+                    <a:p>
+                      <a:pPr algn="ctr" latinLnBrk="1"/>
+                      <a:r>
+                        <a:rPr lang="en-US" altLang="ko-KR" sz="1000" dirty="0" smtClean="0"/>
+                        <a:t>4</a:t>
+                      </a:r>
+                      <a:endParaRPr lang="ko-KR" altLang="en-US" sz="1000" dirty="0"/>
+                    </a:p>
+                  </a:txBody>
+                  <a:tcPr anchor="ctr"/>
+                </a:tc>
+                <a:tc>
+                  <a:txBody>
+                    <a:bodyPr/>
+                    <a:lstStyle/>
+                    <a:p>
+                      <a:pPr algn="ctr" latinLnBrk="1"/>
+                      <a:r>
+                        <a:rPr lang="ko-KR" altLang="en-US" sz="1400" b="0" i="0" u="none" strike="noStrike" cap="none" dirty="0" smtClean="0">
+                          <a:solidFill>
+                            <a:srgbClr val="000000"/>
+                          </a:solidFill>
+                          <a:effectLst/>
+                          <a:latin typeface="Arial"/>
+                          <a:ea typeface="Arial"/>
+                          <a:cs typeface="Arial"/>
+                          <a:sym typeface="Arial"/>
+                        </a:rPr>
+                        <a:t>반납하기 </a:t>
+                      </a:r>
+                      <a:r>
+                        <a:rPr lang="ko-KR" altLang="en-US" sz="1400" b="0" i="0" u="none" strike="noStrike" cap="none" dirty="0" err="1" smtClean="0">
+                          <a:solidFill>
+                            <a:srgbClr val="000000"/>
+                          </a:solidFill>
+                          <a:effectLst/>
+                          <a:latin typeface="Arial"/>
+                          <a:ea typeface="Arial"/>
+                          <a:cs typeface="Arial"/>
+                          <a:sym typeface="Arial"/>
+                        </a:rPr>
+                        <a:t>기능구현</a:t>
+                      </a:r>
+                      <a:endParaRPr lang="ko-KR" altLang="en-US" sz="1000" dirty="0"/>
+                    </a:p>
+                  </a:txBody>
+                  <a:tcPr anchor="ctr"/>
+                </a:tc>
+                <a:extLst>
+                  <a:ext uri="{0D108BD9-81ED-4DB2-BD59-A6C34878D82A}">
+                    <a16:rowId xmlns:a16="http://schemas.microsoft.com/office/drawing/2014/main" val="4244881504"/>
+                  </a:ext>
+                </a:extLst>
+              </a:tr>
+              <a:tr h="338616">
+                <a:tc>
+                  <a:txBody>
+                    <a:bodyPr/>
+                    <a:lstStyle/>
+                    <a:p>
+                      <a:pPr algn="ctr" latinLnBrk="1"/>
+                      <a:r>
+                        <a:rPr lang="en-US" altLang="ko-KR" sz="1000" dirty="0" smtClean="0"/>
+                        <a:t>5</a:t>
+                      </a:r>
+                      <a:endParaRPr lang="ko-KR" altLang="en-US" sz="1000" dirty="0"/>
+                    </a:p>
+                  </a:txBody>
+                  <a:tcPr anchor="ctr"/>
+                </a:tc>
+                <a:tc>
+                  <a:txBody>
+                    <a:bodyPr/>
+                    <a:lstStyle/>
+                    <a:p>
+                      <a:pPr algn="ctr" latinLnBrk="1"/>
+                      <a:r>
+                        <a:rPr lang="ko-KR" altLang="en-US" sz="1400" b="0" i="0" u="none" strike="noStrike" cap="none" dirty="0" smtClean="0">
+                          <a:solidFill>
+                            <a:srgbClr val="000000"/>
+                          </a:solidFill>
+                          <a:effectLst/>
+                          <a:latin typeface="Arial"/>
+                          <a:ea typeface="Arial"/>
+                          <a:cs typeface="Arial"/>
+                          <a:sym typeface="Arial"/>
+                        </a:rPr>
+                        <a:t>연장하기 </a:t>
+                      </a:r>
+                      <a:r>
+                        <a:rPr lang="ko-KR" altLang="en-US" sz="1400" b="0" i="0" u="none" strike="noStrike" cap="none" dirty="0" err="1" smtClean="0">
+                          <a:solidFill>
+                            <a:srgbClr val="000000"/>
+                          </a:solidFill>
+                          <a:effectLst/>
+                          <a:latin typeface="Arial"/>
+                          <a:ea typeface="Arial"/>
+                          <a:cs typeface="Arial"/>
+                          <a:sym typeface="Arial"/>
+                        </a:rPr>
+                        <a:t>기능구현</a:t>
+                      </a:r>
+                      <a:r>
+                        <a:rPr lang="en-US" altLang="ko-KR" sz="1400" b="0" i="0" u="none" strike="noStrike" cap="none" dirty="0" smtClean="0">
+                          <a:solidFill>
+                            <a:srgbClr val="000000"/>
+                          </a:solidFill>
+                          <a:effectLst/>
+                          <a:latin typeface="Arial"/>
+                          <a:ea typeface="Arial"/>
+                          <a:cs typeface="Arial"/>
+                          <a:sym typeface="Arial"/>
+                        </a:rPr>
+                        <a:t>(</a:t>
+                      </a:r>
+                      <a:r>
+                        <a:rPr lang="ko-KR" altLang="en-US" sz="1400" b="0" i="0" u="none" strike="noStrike" cap="none" dirty="0" smtClean="0">
+                          <a:solidFill>
+                            <a:srgbClr val="000000"/>
+                          </a:solidFill>
+                          <a:effectLst/>
+                          <a:latin typeface="Arial"/>
+                          <a:ea typeface="Arial"/>
+                          <a:cs typeface="Arial"/>
+                          <a:sym typeface="Arial"/>
+                        </a:rPr>
+                        <a:t>일주일</a:t>
+                      </a:r>
+                      <a:r>
+                        <a:rPr lang="en-US" altLang="ko-KR" sz="1400" b="0" i="0" u="none" strike="noStrike" cap="none" dirty="0" smtClean="0">
+                          <a:solidFill>
+                            <a:srgbClr val="000000"/>
+                          </a:solidFill>
+                          <a:effectLst/>
+                          <a:latin typeface="Arial"/>
+                          <a:ea typeface="Arial"/>
+                          <a:cs typeface="Arial"/>
+                          <a:sym typeface="Arial"/>
+                        </a:rPr>
+                        <a:t>)</a:t>
+                      </a:r>
+                      <a:endParaRPr lang="ko-KR" altLang="en-US" sz="1000" dirty="0"/>
+                    </a:p>
+                  </a:txBody>
+                  <a:tcPr anchor="ctr"/>
+                </a:tc>
+                <a:extLst>
+                  <a:ext uri="{0D108BD9-81ED-4DB2-BD59-A6C34878D82A}">
+                    <a16:rowId xmlns:a16="http://schemas.microsoft.com/office/drawing/2014/main" val="2701567043"/>
+                  </a:ext>
+                </a:extLst>
+              </a:tr>
+            </a:tbl>
+          </a:graphicData>
+        </a:graphic>
+      </p:graphicFrame>
+      <p:pic>
+        <p:nvPicPr>
+          <p:cNvPr id="4" name="그림 3"/>
+          <p:cNvPicPr>
+            <a:picLocks noChangeAspect="1"/>
+          </p:cNvPicPr>
+          <p:nvPr/>
+        </p:nvPicPr>
+        <p:blipFill>
+          <a:blip r:embed="rId3">
+            <a:extLst>
+              <a:ext uri="{28A0092B-C50C-407E-A947-70E740481C1C}">
+                <a14:useLocalDpi xmlns:a14="http://schemas.microsoft.com/office/drawing/2010/main" val="0"/>
+              </a:ext>
+            </a:extLst>
+          </a:blip>
+          <a:stretch>
+            <a:fillRect/>
+          </a:stretch>
+        </p:blipFill>
+        <p:spPr>
+          <a:xfrm>
+            <a:off x="35343" y="1276504"/>
+            <a:ext cx="5682528" cy="3183319"/>
+          </a:xfrm>
+          <a:prstGeom prst="rect">
+            <a:avLst/>
+          </a:prstGeom>
+        </p:spPr>
+      </p:pic>
+    </p:spTree>
+    <p:extLst>
+      <p:ext uri="{BB962C8B-B14F-4D97-AF65-F5344CB8AC3E}">
+        <p14:creationId xmlns:p14="http://schemas.microsoft.com/office/powerpoint/2010/main" val="2156937812"/>
+      </p:ext>
+    </p:extLst>
+  </p:cSld>
+  <p:clrMapOvr>
+    <a:masterClrMapping/>
+  </p:clrMapOvr>
+  <p:timing>
+    <p:tnLst>
+      <p:par>
+        <p:cTn id="1" dur="indefinite" restart="never" nodeType="tmRoot"/>
+      </p:par>
+    </p:tnLst>
+  </p:timing>
+</p:sld>
+</file>
+
+<file path=ppt/slides/slide33.xml><?xml version="1.0" encoding="utf-8"?>
+<p:sld xmlns:a="http://schemas.openxmlformats.org/drawingml/2006/main" xmlns:r="http://schemas.openxmlformats.org/officeDocument/2006/relationships" xmlns:p="http://schemas.openxmlformats.org/presentationml/2006/main">
+  <p:cSld>
+    <p:spTree>
+      <p:nvGrpSpPr>
+        <p:cNvPr id="1" name="Shape 300"/>
+        <p:cNvGrpSpPr/>
+        <p:nvPr/>
+      </p:nvGrpSpPr>
+      <p:grpSpPr>
+        <a:xfrm>
+          <a:off x="0" y="0"/>
+          <a:ext cx="0" cy="0"/>
+          <a:chOff x="0" y="0"/>
+          <a:chExt cx="0" cy="0"/>
+        </a:xfrm>
+      </p:grpSpPr>
+      <p:graphicFrame>
+        <p:nvGraphicFramePr>
+          <p:cNvPr id="2" name="표 1"/>
+          <p:cNvGraphicFramePr>
+            <a:graphicFrameLocks noGrp="1"/>
+          </p:cNvGraphicFramePr>
+          <p:nvPr>
+            <p:extLst/>
+          </p:nvPr>
+        </p:nvGraphicFramePr>
+        <p:xfrm>
+          <a:off x="0" y="0"/>
+          <a:ext cx="9144000" cy="488138"/>
+        </p:xfrm>
+        <a:graphic>
+          <a:graphicData uri="http://schemas.openxmlformats.org/drawingml/2006/table">
+            <a:tbl>
+              <a:tblPr firstRow="1" bandRow="1">
+                <a:tableStyleId>{519352A9-2B63-4AD2-B8CD-3DEFD3B06E96}</a:tableStyleId>
+              </a:tblPr>
+              <a:tblGrid>
+                <a:gridCol w="983152">
+                  <a:extLst>
+                    <a:ext uri="{9D8B030D-6E8A-4147-A177-3AD203B41FA5}">
+                      <a16:colId xmlns:a16="http://schemas.microsoft.com/office/drawing/2014/main" val="1232716861"/>
+                    </a:ext>
+                  </a:extLst>
+                </a:gridCol>
+                <a:gridCol w="2240108">
+                  <a:extLst>
+                    <a:ext uri="{9D8B030D-6E8A-4147-A177-3AD203B41FA5}">
+                      <a16:colId xmlns:a16="http://schemas.microsoft.com/office/drawing/2014/main" val="2298462088"/>
+                    </a:ext>
+                  </a:extLst>
+                </a:gridCol>
+                <a:gridCol w="1790700">
+                  <a:extLst>
+                    <a:ext uri="{9D8B030D-6E8A-4147-A177-3AD203B41FA5}">
+                      <a16:colId xmlns:a16="http://schemas.microsoft.com/office/drawing/2014/main" val="1047937324"/>
+                    </a:ext>
+                  </a:extLst>
+                </a:gridCol>
+                <a:gridCol w="4130040">
+                  <a:extLst>
+                    <a:ext uri="{9D8B030D-6E8A-4147-A177-3AD203B41FA5}">
+                      <a16:colId xmlns:a16="http://schemas.microsoft.com/office/drawing/2014/main" val="3447884235"/>
+                    </a:ext>
+                  </a:extLst>
+                </a:gridCol>
+              </a:tblGrid>
+              <a:tr h="244069">
+                <a:tc>
+                  <a:txBody>
+                    <a:bodyPr/>
+                    <a:lstStyle/>
+                    <a:p>
+                      <a:pPr algn="ctr" latinLnBrk="1"/>
+                      <a:r>
+                        <a:rPr lang="en-US" altLang="ko-KR" sz="1000" dirty="0" smtClean="0"/>
+                        <a:t>No</a:t>
+                      </a:r>
+                      <a:endParaRPr lang="ko-KR" altLang="en-US" sz="1000" dirty="0"/>
+                    </a:p>
+                  </a:txBody>
+                  <a:tcPr anchor="ctr">
+                    <a:solidFill>
+                      <a:srgbClr val="6EBDB0"/>
+                    </a:solidFill>
+                  </a:tcPr>
+                </a:tc>
+                <a:tc>
+                  <a:txBody>
+                    <a:bodyPr/>
+                    <a:lstStyle/>
+                    <a:p>
+                      <a:pPr algn="ctr" latinLnBrk="1"/>
+                      <a:r>
+                        <a:rPr lang="ko-KR" altLang="en-US" sz="1000" dirty="0" err="1" smtClean="0"/>
+                        <a:t>화면이름</a:t>
+                      </a:r>
+                      <a:endParaRPr lang="ko-KR" altLang="en-US" sz="1000" dirty="0"/>
+                    </a:p>
+                  </a:txBody>
+                  <a:tcPr anchor="ctr">
+                    <a:solidFill>
+                      <a:srgbClr val="6EBDB0"/>
+                    </a:solidFill>
+                  </a:tcPr>
+                </a:tc>
+                <a:tc>
+                  <a:txBody>
+                    <a:bodyPr/>
+                    <a:lstStyle/>
+                    <a:p>
+                      <a:pPr algn="ctr" latinLnBrk="1"/>
+                      <a:r>
+                        <a:rPr lang="ko-KR" altLang="en-US" sz="1000" dirty="0" smtClean="0"/>
+                        <a:t>페이지</a:t>
+                      </a:r>
+                      <a:endParaRPr lang="ko-KR" altLang="en-US" sz="1000" dirty="0"/>
+                    </a:p>
+                  </a:txBody>
+                  <a:tcPr anchor="ctr">
+                    <a:solidFill>
+                      <a:srgbClr val="6EBDB0"/>
+                    </a:solidFill>
+                  </a:tcPr>
+                </a:tc>
+                <a:tc>
+                  <a:txBody>
+                    <a:bodyPr/>
+                    <a:lstStyle/>
+                    <a:p>
+                      <a:pPr algn="ctr" latinLnBrk="1"/>
+                      <a:r>
+                        <a:rPr lang="ko-KR" altLang="en-US" sz="1000" dirty="0" smtClean="0"/>
+                        <a:t>설명</a:t>
+                      </a:r>
+                      <a:endParaRPr lang="ko-KR" altLang="en-US" sz="1000" dirty="0"/>
+                    </a:p>
+                  </a:txBody>
+                  <a:tcPr anchor="ctr">
+                    <a:solidFill>
+                      <a:srgbClr val="6EBDB0"/>
+                    </a:solidFill>
+                  </a:tcPr>
+                </a:tc>
+                <a:extLst>
+                  <a:ext uri="{0D108BD9-81ED-4DB2-BD59-A6C34878D82A}">
+                    <a16:rowId xmlns:a16="http://schemas.microsoft.com/office/drawing/2014/main" val="2653807755"/>
+                  </a:ext>
+                </a:extLst>
+              </a:tr>
+              <a:tr h="244069">
+                <a:tc>
+                  <a:txBody>
+                    <a:bodyPr/>
+                    <a:lstStyle/>
+                    <a:p>
+                      <a:pPr algn="ctr" latinLnBrk="1"/>
+                      <a:r>
+                        <a:rPr lang="en-US" altLang="ko-KR" sz="1000" dirty="0" smtClean="0"/>
+                        <a:t>6-5</a:t>
+                      </a:r>
+                      <a:endParaRPr lang="ko-KR" altLang="en-US" sz="1000" dirty="0"/>
+                    </a:p>
+                  </a:txBody>
+                  <a:tcPr anchor="ctr"/>
+                </a:tc>
+                <a:tc>
+                  <a:txBody>
+                    <a:bodyPr/>
+                    <a:lstStyle/>
+                    <a:p>
+                      <a:pPr algn="ctr" latinLnBrk="1"/>
+                      <a:r>
+                        <a:rPr lang="ko-KR" altLang="en-US" sz="1000" dirty="0" smtClean="0"/>
+                        <a:t>전자도서관</a:t>
+                      </a:r>
+                      <a:r>
+                        <a:rPr lang="en-US" altLang="ko-KR" sz="1000" dirty="0" smtClean="0"/>
+                        <a:t>-</a:t>
+                      </a:r>
+                      <a:r>
+                        <a:rPr lang="ko-KR" altLang="en-US" sz="1000" dirty="0" err="1" smtClean="0"/>
+                        <a:t>도서관소식</a:t>
+                      </a:r>
+                      <a:r>
+                        <a:rPr lang="en-US" altLang="ko-KR" sz="1000" dirty="0" smtClean="0"/>
+                        <a:t>-</a:t>
+                      </a:r>
+                      <a:r>
+                        <a:rPr lang="ko-KR" altLang="en-US" sz="1000" dirty="0" smtClean="0"/>
+                        <a:t>목록</a:t>
+                      </a:r>
+                      <a:endParaRPr lang="ko-KR" altLang="en-US" sz="1000" dirty="0"/>
+                    </a:p>
+                  </a:txBody>
+                  <a:tcPr anchor="ctr"/>
+                </a:tc>
+                <a:tc>
+                  <a:txBody>
+                    <a:bodyPr/>
+                    <a:lstStyle/>
+                    <a:p>
+                      <a:pPr algn="ctr" latinLnBrk="1"/>
+                      <a:r>
+                        <a:rPr lang="en-US" altLang="ko-KR" sz="1000" dirty="0" err="1" smtClean="0"/>
+                        <a:t>Elib</a:t>
+                      </a:r>
+                      <a:r>
+                        <a:rPr lang="en-US" altLang="ko-KR" sz="1000" dirty="0" smtClean="0"/>
+                        <a:t>/info/list</a:t>
+                      </a:r>
+                      <a:endParaRPr lang="ko-KR" altLang="en-US" sz="1000" dirty="0"/>
+                    </a:p>
+                  </a:txBody>
+                  <a:tcPr anchor="ctr"/>
+                </a:tc>
+                <a:tc>
+                  <a:txBody>
+                    <a:bodyPr/>
+                    <a:lstStyle/>
+                    <a:p>
+                      <a:pPr algn="ctr" latinLnBrk="1"/>
+                      <a:r>
+                        <a:rPr lang="ko-KR" altLang="en-US" sz="1000" dirty="0" smtClean="0"/>
+                        <a:t>전자도서관 </a:t>
+                      </a:r>
+                      <a:r>
+                        <a:rPr lang="ko-KR" altLang="en-US" sz="1000" dirty="0" err="1" smtClean="0"/>
+                        <a:t>도서관소식</a:t>
+                      </a:r>
+                      <a:r>
+                        <a:rPr lang="ko-KR" altLang="en-US" sz="1000" dirty="0" smtClean="0"/>
+                        <a:t> 게시판 목록</a:t>
+                      </a:r>
+                      <a:endParaRPr lang="ko-KR" altLang="en-US" sz="1000" dirty="0"/>
+                    </a:p>
+                  </a:txBody>
+                  <a:tcPr anchor="ctr"/>
+                </a:tc>
+                <a:extLst>
+                  <a:ext uri="{0D108BD9-81ED-4DB2-BD59-A6C34878D82A}">
+                    <a16:rowId xmlns:a16="http://schemas.microsoft.com/office/drawing/2014/main" val="1721092389"/>
+                  </a:ext>
+                </a:extLst>
+              </a:tr>
+            </a:tbl>
+          </a:graphicData>
+        </a:graphic>
+      </p:graphicFrame>
+      <p:graphicFrame>
+        <p:nvGraphicFramePr>
+          <p:cNvPr id="7" name="표 6"/>
+          <p:cNvGraphicFramePr>
+            <a:graphicFrameLocks noGrp="1"/>
+          </p:cNvGraphicFramePr>
+          <p:nvPr>
+            <p:extLst/>
+          </p:nvPr>
+        </p:nvGraphicFramePr>
+        <p:xfrm>
+          <a:off x="5768339" y="488138"/>
+          <a:ext cx="3375660" cy="1926912"/>
+        </p:xfrm>
+        <a:graphic>
+          <a:graphicData uri="http://schemas.openxmlformats.org/drawingml/2006/table">
+            <a:tbl>
+              <a:tblPr firstRow="1" bandRow="1">
+                <a:tableStyleId>{519352A9-2B63-4AD2-B8CD-3DEFD3B06E96}</a:tableStyleId>
+              </a:tblPr>
+              <a:tblGrid>
+                <a:gridCol w="511465">
+                  <a:extLst>
+                    <a:ext uri="{9D8B030D-6E8A-4147-A177-3AD203B41FA5}">
+                      <a16:colId xmlns:a16="http://schemas.microsoft.com/office/drawing/2014/main" val="1793106285"/>
+                    </a:ext>
+                  </a:extLst>
+                </a:gridCol>
+                <a:gridCol w="2864195">
+                  <a:extLst>
+                    <a:ext uri="{9D8B030D-6E8A-4147-A177-3AD203B41FA5}">
+                      <a16:colId xmlns:a16="http://schemas.microsoft.com/office/drawing/2014/main" val="9508570"/>
+                    </a:ext>
+                  </a:extLst>
+                </a:gridCol>
+              </a:tblGrid>
+              <a:tr h="338616">
+                <a:tc>
+                  <a:txBody>
+                    <a:bodyPr/>
+                    <a:lstStyle/>
+                    <a:p>
+                      <a:pPr algn="ctr" latinLnBrk="1"/>
+                      <a:r>
+                        <a:rPr lang="ko-KR" altLang="en-US" sz="1000" dirty="0" smtClean="0"/>
+                        <a:t>번호</a:t>
+                      </a:r>
+                      <a:endParaRPr lang="ko-KR" altLang="en-US" sz="1000" dirty="0"/>
+                    </a:p>
+                  </a:txBody>
+                  <a:tcPr anchor="ctr">
+                    <a:solidFill>
+                      <a:srgbClr val="6EBDB0"/>
+                    </a:solidFill>
+                  </a:tcPr>
+                </a:tc>
+                <a:tc>
+                  <a:txBody>
+                    <a:bodyPr/>
+                    <a:lstStyle/>
+                    <a:p>
+                      <a:pPr algn="ctr" latinLnBrk="1"/>
+                      <a:r>
+                        <a:rPr lang="ko-KR" altLang="en-US" sz="1000" dirty="0" smtClean="0"/>
+                        <a:t>설명</a:t>
+                      </a:r>
+                      <a:endParaRPr lang="ko-KR" altLang="en-US" sz="1000" dirty="0"/>
+                    </a:p>
+                  </a:txBody>
+                  <a:tcPr anchor="ctr">
+                    <a:solidFill>
+                      <a:srgbClr val="6EBDB0"/>
+                    </a:solidFill>
+                  </a:tcPr>
+                </a:tc>
+                <a:extLst>
+                  <a:ext uri="{0D108BD9-81ED-4DB2-BD59-A6C34878D82A}">
+                    <a16:rowId xmlns:a16="http://schemas.microsoft.com/office/drawing/2014/main" val="172448955"/>
+                  </a:ext>
+                </a:extLst>
+              </a:tr>
+              <a:tr h="338616">
+                <a:tc>
+                  <a:txBody>
+                    <a:bodyPr/>
+                    <a:lstStyle/>
+                    <a:p>
+                      <a:pPr algn="ctr" latinLnBrk="1"/>
+                      <a:r>
+                        <a:rPr lang="en-US" altLang="ko-KR" sz="1000" dirty="0" smtClean="0"/>
+                        <a:t>1</a:t>
+                      </a:r>
+                      <a:endParaRPr lang="ko-KR" altLang="en-US" sz="1000" dirty="0"/>
+                    </a:p>
+                  </a:txBody>
+                  <a:tcPr anchor="ctr"/>
+                </a:tc>
+                <a:tc>
+                  <a:txBody>
+                    <a:bodyPr/>
+                    <a:lstStyle/>
+                    <a:p>
+                      <a:pPr algn="ctr" latinLnBrk="1"/>
+                      <a:r>
+                        <a:rPr lang="ko-KR" altLang="en-US" sz="1400" b="0" i="0" u="none" strike="noStrike" cap="none" dirty="0" smtClean="0">
+                          <a:solidFill>
+                            <a:srgbClr val="000000"/>
+                          </a:solidFill>
+                          <a:effectLst/>
+                          <a:latin typeface="Arial"/>
+                          <a:ea typeface="Arial"/>
+                          <a:cs typeface="Arial"/>
+                          <a:sym typeface="Arial"/>
+                        </a:rPr>
+                        <a:t>도서관 소식 게시판 목록 구현</a:t>
+                      </a:r>
+                      <a:endParaRPr lang="en-US" altLang="ko-KR" sz="1400" b="0" i="0" u="none" strike="noStrike" cap="none" dirty="0" smtClean="0">
+                        <a:solidFill>
+                          <a:srgbClr val="000000"/>
+                        </a:solidFill>
+                        <a:effectLst/>
+                        <a:latin typeface="Arial"/>
+                        <a:ea typeface="Arial"/>
+                        <a:cs typeface="Arial"/>
+                        <a:sym typeface="Arial"/>
+                      </a:endParaRPr>
+                    </a:p>
+                    <a:p>
+                      <a:pPr algn="ctr" latinLnBrk="1"/>
+                      <a:r>
+                        <a:rPr lang="en-US" altLang="ko-KR" sz="1400" b="0" i="0" u="none" strike="noStrike" cap="none" dirty="0" smtClean="0">
+                          <a:solidFill>
+                            <a:srgbClr val="000000"/>
+                          </a:solidFill>
+                          <a:effectLst/>
+                          <a:latin typeface="Arial"/>
+                          <a:cs typeface="Arial"/>
+                          <a:sym typeface="Arial"/>
+                        </a:rPr>
+                        <a:t>(</a:t>
+                      </a:r>
+                      <a:r>
+                        <a:rPr lang="ko-KR" altLang="en-US" sz="1400" b="0" i="0" u="none" strike="noStrike" cap="none" dirty="0" err="1" smtClean="0">
+                          <a:solidFill>
+                            <a:srgbClr val="000000"/>
+                          </a:solidFill>
+                          <a:effectLst/>
+                          <a:latin typeface="Arial"/>
+                          <a:cs typeface="Arial"/>
+                          <a:sym typeface="Arial"/>
+                        </a:rPr>
+                        <a:t>글번호</a:t>
+                      </a:r>
+                      <a:r>
+                        <a:rPr lang="en-US" altLang="ko-KR" sz="1400" b="0" i="0" u="none" strike="noStrike" cap="none" dirty="0" smtClean="0">
+                          <a:solidFill>
+                            <a:srgbClr val="000000"/>
+                          </a:solidFill>
+                          <a:effectLst/>
+                          <a:latin typeface="Arial"/>
+                          <a:cs typeface="Arial"/>
+                          <a:sym typeface="Arial"/>
+                        </a:rPr>
+                        <a:t>,</a:t>
+                      </a:r>
+                      <a:r>
+                        <a:rPr lang="ko-KR" altLang="en-US" sz="1400" b="0" i="0" u="none" strike="noStrike" cap="none" dirty="0" smtClean="0">
+                          <a:solidFill>
+                            <a:srgbClr val="000000"/>
+                          </a:solidFill>
+                          <a:effectLst/>
+                          <a:latin typeface="Arial"/>
+                          <a:cs typeface="Arial"/>
+                          <a:sym typeface="Arial"/>
+                        </a:rPr>
+                        <a:t>제목</a:t>
+                      </a:r>
+                      <a:r>
+                        <a:rPr lang="en-US" altLang="ko-KR" sz="1400" b="0" i="0" u="none" strike="noStrike" cap="none" dirty="0" smtClean="0">
+                          <a:solidFill>
+                            <a:srgbClr val="000000"/>
+                          </a:solidFill>
+                          <a:effectLst/>
+                          <a:latin typeface="Arial"/>
+                          <a:cs typeface="Arial"/>
+                          <a:sym typeface="Arial"/>
+                        </a:rPr>
+                        <a:t>,</a:t>
+                      </a:r>
+                      <a:r>
+                        <a:rPr lang="ko-KR" altLang="en-US" sz="1400" b="0" i="0" u="none" strike="noStrike" cap="none" dirty="0" smtClean="0">
+                          <a:solidFill>
+                            <a:srgbClr val="000000"/>
+                          </a:solidFill>
+                          <a:effectLst/>
+                          <a:latin typeface="Arial"/>
+                          <a:cs typeface="Arial"/>
+                          <a:sym typeface="Arial"/>
+                        </a:rPr>
+                        <a:t>작성자</a:t>
+                      </a:r>
+                      <a:r>
+                        <a:rPr lang="en-US" altLang="ko-KR" sz="1400" b="0" i="0" u="none" strike="noStrike" cap="none" dirty="0" smtClean="0">
+                          <a:solidFill>
+                            <a:srgbClr val="000000"/>
+                          </a:solidFill>
+                          <a:effectLst/>
+                          <a:latin typeface="Arial"/>
+                          <a:cs typeface="Arial"/>
+                          <a:sym typeface="Arial"/>
+                        </a:rPr>
+                        <a:t>,</a:t>
+                      </a:r>
+                      <a:r>
+                        <a:rPr lang="ko-KR" altLang="en-US" sz="1400" b="0" i="0" u="none" strike="noStrike" cap="none" dirty="0" smtClean="0">
+                          <a:solidFill>
+                            <a:srgbClr val="000000"/>
+                          </a:solidFill>
+                          <a:effectLst/>
+                          <a:latin typeface="Arial"/>
+                          <a:cs typeface="Arial"/>
+                          <a:sym typeface="Arial"/>
+                        </a:rPr>
+                        <a:t>조회수</a:t>
+                      </a:r>
+                      <a:r>
+                        <a:rPr lang="en-US" altLang="ko-KR" sz="1400" b="0" i="0" u="none" strike="noStrike" cap="none" dirty="0" smtClean="0">
+                          <a:solidFill>
+                            <a:srgbClr val="000000"/>
+                          </a:solidFill>
+                          <a:effectLst/>
+                          <a:latin typeface="Arial"/>
+                          <a:cs typeface="Arial"/>
+                          <a:sym typeface="Arial"/>
+                        </a:rPr>
+                        <a:t>,</a:t>
+                      </a:r>
+                      <a:r>
+                        <a:rPr lang="ko-KR" altLang="en-US" sz="1400" b="0" i="0" u="none" strike="noStrike" cap="none" dirty="0" smtClean="0">
+                          <a:solidFill>
+                            <a:srgbClr val="000000"/>
+                          </a:solidFill>
+                          <a:effectLst/>
+                          <a:latin typeface="Arial"/>
+                          <a:cs typeface="Arial"/>
+                          <a:sym typeface="Arial"/>
+                        </a:rPr>
+                        <a:t>작성일 출력</a:t>
+                      </a:r>
+                      <a:r>
+                        <a:rPr lang="en-US" altLang="ko-KR" sz="1400" b="0" i="0" u="none" strike="noStrike" cap="none" dirty="0" smtClean="0">
+                          <a:solidFill>
+                            <a:srgbClr val="000000"/>
+                          </a:solidFill>
+                          <a:effectLst/>
+                          <a:latin typeface="Arial"/>
+                          <a:cs typeface="Arial"/>
+                          <a:sym typeface="Arial"/>
+                        </a:rPr>
+                        <a:t>)</a:t>
+                      </a:r>
+                      <a:endParaRPr lang="ko-KR" altLang="en-US" sz="1000" dirty="0"/>
+                    </a:p>
+                  </a:txBody>
+                  <a:tcPr anchor="ctr"/>
+                </a:tc>
+                <a:extLst>
+                  <a:ext uri="{0D108BD9-81ED-4DB2-BD59-A6C34878D82A}">
+                    <a16:rowId xmlns:a16="http://schemas.microsoft.com/office/drawing/2014/main" val="2454455020"/>
+                  </a:ext>
+                </a:extLst>
+              </a:tr>
+              <a:tr h="338616">
+                <a:tc>
+                  <a:txBody>
+                    <a:bodyPr/>
+                    <a:lstStyle/>
+                    <a:p>
+                      <a:pPr algn="ctr" latinLnBrk="1"/>
+                      <a:r>
+                        <a:rPr lang="en-US" altLang="ko-KR" sz="1000" dirty="0" smtClean="0"/>
+                        <a:t>2</a:t>
+                      </a:r>
+                      <a:endParaRPr lang="ko-KR" altLang="en-US" sz="1000" dirty="0"/>
+                    </a:p>
+                  </a:txBody>
+                  <a:tcPr anchor="ctr"/>
+                </a:tc>
+                <a:tc>
+                  <a:txBody>
+                    <a:bodyPr/>
+                    <a:lstStyle/>
+                    <a:p>
+                      <a:pPr algn="ctr" latinLnBrk="1"/>
+                      <a:r>
+                        <a:rPr lang="ko-KR" altLang="en-US" sz="1400" b="0" i="0" u="none" strike="noStrike" cap="none" dirty="0" smtClean="0">
+                          <a:solidFill>
+                            <a:srgbClr val="000000"/>
+                          </a:solidFill>
+                          <a:effectLst/>
+                          <a:latin typeface="Arial"/>
+                          <a:ea typeface="Arial"/>
+                          <a:cs typeface="Arial"/>
+                          <a:sym typeface="Arial"/>
+                        </a:rPr>
+                        <a:t>게시판 </a:t>
+                      </a:r>
+                      <a:r>
+                        <a:rPr lang="ko-KR" altLang="en-US" sz="1400" b="0" i="0" u="none" strike="noStrike" cap="none" dirty="0" err="1" smtClean="0">
+                          <a:solidFill>
+                            <a:srgbClr val="000000"/>
+                          </a:solidFill>
+                          <a:effectLst/>
+                          <a:latin typeface="Arial"/>
+                          <a:ea typeface="Arial"/>
+                          <a:cs typeface="Arial"/>
+                          <a:sym typeface="Arial"/>
+                        </a:rPr>
+                        <a:t>페이징</a:t>
+                      </a:r>
+                      <a:r>
+                        <a:rPr lang="ko-KR" altLang="en-US" sz="1400" b="0" i="0" u="none" strike="noStrike" cap="none" dirty="0" smtClean="0">
+                          <a:solidFill>
+                            <a:srgbClr val="000000"/>
+                          </a:solidFill>
+                          <a:effectLst/>
+                          <a:latin typeface="Arial"/>
+                          <a:ea typeface="Arial"/>
+                          <a:cs typeface="Arial"/>
+                          <a:sym typeface="Arial"/>
+                        </a:rPr>
+                        <a:t> </a:t>
+                      </a:r>
+                      <a:r>
+                        <a:rPr lang="ko-KR" altLang="en-US" sz="1400" b="0" i="0" u="none" strike="noStrike" cap="none" dirty="0" err="1" smtClean="0">
+                          <a:solidFill>
+                            <a:srgbClr val="000000"/>
+                          </a:solidFill>
+                          <a:effectLst/>
+                          <a:latin typeface="Arial"/>
+                          <a:ea typeface="Arial"/>
+                          <a:cs typeface="Arial"/>
+                          <a:sym typeface="Arial"/>
+                        </a:rPr>
+                        <a:t>기능구현</a:t>
+                      </a:r>
+                      <a:endParaRPr lang="ko-KR" altLang="en-US" sz="1000" dirty="0"/>
+                    </a:p>
+                  </a:txBody>
+                  <a:tcPr anchor="ctr"/>
+                </a:tc>
+                <a:extLst>
+                  <a:ext uri="{0D108BD9-81ED-4DB2-BD59-A6C34878D82A}">
+                    <a16:rowId xmlns:a16="http://schemas.microsoft.com/office/drawing/2014/main" val="1763740348"/>
+                  </a:ext>
+                </a:extLst>
+              </a:tr>
+              <a:tr h="338616">
+                <a:tc>
+                  <a:txBody>
+                    <a:bodyPr/>
+                    <a:lstStyle/>
+                    <a:p>
+                      <a:pPr algn="ctr" latinLnBrk="1"/>
+                      <a:r>
+                        <a:rPr lang="en-US" altLang="ko-KR" sz="1000" dirty="0" smtClean="0"/>
+                        <a:t>3</a:t>
+                      </a:r>
+                      <a:endParaRPr lang="ko-KR" altLang="en-US" sz="1000" dirty="0"/>
+                    </a:p>
+                  </a:txBody>
+                  <a:tcPr anchor="ctr"/>
+                </a:tc>
+                <a:tc>
+                  <a:txBody>
+                    <a:bodyPr/>
+                    <a:lstStyle/>
+                    <a:p>
+                      <a:pPr algn="ctr" latinLnBrk="1"/>
+                      <a:r>
+                        <a:rPr lang="ko-KR" altLang="en-US" sz="1400" b="0" i="0" u="none" strike="noStrike" cap="none" dirty="0" smtClean="0">
+                          <a:solidFill>
+                            <a:srgbClr val="000000"/>
+                          </a:solidFill>
+                          <a:effectLst/>
+                          <a:latin typeface="Arial"/>
+                          <a:ea typeface="Arial"/>
+                          <a:cs typeface="Arial"/>
+                          <a:sym typeface="Arial"/>
+                        </a:rPr>
+                        <a:t>관리자만 게시물 삭제</a:t>
+                      </a:r>
+                      <a:r>
+                        <a:rPr lang="en-US" altLang="ko-KR" sz="1400" b="0" i="0" u="none" strike="noStrike" cap="none" dirty="0" smtClean="0">
+                          <a:solidFill>
+                            <a:srgbClr val="000000"/>
+                          </a:solidFill>
+                          <a:effectLst/>
+                          <a:latin typeface="Arial"/>
+                          <a:ea typeface="Arial"/>
+                          <a:cs typeface="Arial"/>
+                          <a:sym typeface="Arial"/>
+                        </a:rPr>
+                        <a:t>,</a:t>
+                      </a:r>
+                      <a:r>
+                        <a:rPr lang="ko-KR" altLang="en-US" sz="1400" b="0" i="0" u="none" strike="noStrike" cap="none" dirty="0" smtClean="0">
+                          <a:solidFill>
+                            <a:srgbClr val="000000"/>
+                          </a:solidFill>
+                          <a:effectLst/>
+                          <a:latin typeface="Arial"/>
+                          <a:ea typeface="Arial"/>
+                          <a:cs typeface="Arial"/>
+                          <a:sym typeface="Arial"/>
+                        </a:rPr>
+                        <a:t>수정 가능한 </a:t>
+                      </a:r>
+                      <a:r>
+                        <a:rPr lang="ko-KR" altLang="en-US" sz="1400" b="0" i="0" u="none" strike="noStrike" cap="none" dirty="0" err="1" smtClean="0">
+                          <a:solidFill>
+                            <a:srgbClr val="000000"/>
+                          </a:solidFill>
+                          <a:effectLst/>
+                          <a:latin typeface="Arial"/>
+                          <a:ea typeface="Arial"/>
+                          <a:cs typeface="Arial"/>
+                          <a:sym typeface="Arial"/>
+                        </a:rPr>
+                        <a:t>기능구현</a:t>
+                      </a:r>
+                      <a:endParaRPr lang="ko-KR" altLang="en-US" sz="1000" dirty="0"/>
+                    </a:p>
+                  </a:txBody>
+                  <a:tcPr anchor="ctr"/>
+                </a:tc>
+                <a:extLst>
+                  <a:ext uri="{0D108BD9-81ED-4DB2-BD59-A6C34878D82A}">
+                    <a16:rowId xmlns:a16="http://schemas.microsoft.com/office/drawing/2014/main" val="2326188697"/>
+                  </a:ext>
+                </a:extLst>
+              </a:tr>
+            </a:tbl>
+          </a:graphicData>
+        </a:graphic>
+      </p:graphicFrame>
+      <p:pic>
+        <p:nvPicPr>
+          <p:cNvPr id="4" name="그림 3"/>
+          <p:cNvPicPr>
+            <a:picLocks noChangeAspect="1"/>
+          </p:cNvPicPr>
+          <p:nvPr/>
+        </p:nvPicPr>
+        <p:blipFill>
+          <a:blip r:embed="rId3">
+            <a:extLst>
+              <a:ext uri="{28A0092B-C50C-407E-A947-70E740481C1C}">
+                <a14:useLocalDpi xmlns:a14="http://schemas.microsoft.com/office/drawing/2010/main" val="0"/>
+              </a:ext>
+            </a:extLst>
+          </a:blip>
+          <a:stretch>
+            <a:fillRect/>
+          </a:stretch>
+        </p:blipFill>
+        <p:spPr>
+          <a:xfrm>
+            <a:off x="35343" y="1277718"/>
+            <a:ext cx="5682528" cy="3180890"/>
+          </a:xfrm>
+          <a:prstGeom prst="rect">
+            <a:avLst/>
+          </a:prstGeom>
+        </p:spPr>
+      </p:pic>
+    </p:spTree>
+    <p:extLst>
+      <p:ext uri="{BB962C8B-B14F-4D97-AF65-F5344CB8AC3E}">
+        <p14:creationId xmlns:p14="http://schemas.microsoft.com/office/powerpoint/2010/main" val="2644741024"/>
+      </p:ext>
+    </p:extLst>
+  </p:cSld>
+  <p:clrMapOvr>
+    <a:masterClrMapping/>
+  </p:clrMapOvr>
+  <p:timing>
+    <p:tnLst>
+      <p:par>
+        <p:cTn id="1" dur="indefinite" restart="never" nodeType="tmRoot"/>
+      </p:par>
+    </p:tnLst>
+  </p:timing>
+</p:sld>
+</file>
+
+<file path=ppt/slides/slide34.xml><?xml version="1.0" encoding="utf-8"?>
+<p:sld xmlns:a="http://schemas.openxmlformats.org/drawingml/2006/main" xmlns:r="http://schemas.openxmlformats.org/officeDocument/2006/relationships" xmlns:p="http://schemas.openxmlformats.org/presentationml/2006/main">
+  <p:cSld>
+    <p:spTree>
+      <p:nvGrpSpPr>
+        <p:cNvPr id="1" name="Shape 300"/>
+        <p:cNvGrpSpPr/>
+        <p:nvPr/>
+      </p:nvGrpSpPr>
+      <p:grpSpPr>
+        <a:xfrm>
+          <a:off x="0" y="0"/>
+          <a:ext cx="0" cy="0"/>
+          <a:chOff x="0" y="0"/>
+          <a:chExt cx="0" cy="0"/>
+        </a:xfrm>
+      </p:grpSpPr>
+      <p:graphicFrame>
+        <p:nvGraphicFramePr>
+          <p:cNvPr id="2" name="표 1"/>
+          <p:cNvGraphicFramePr>
+            <a:graphicFrameLocks noGrp="1"/>
+          </p:cNvGraphicFramePr>
+          <p:nvPr>
+            <p:extLst/>
+          </p:nvPr>
+        </p:nvGraphicFramePr>
+        <p:xfrm>
+          <a:off x="0" y="0"/>
+          <a:ext cx="9144000" cy="488138"/>
+        </p:xfrm>
+        <a:graphic>
+          <a:graphicData uri="http://schemas.openxmlformats.org/drawingml/2006/table">
+            <a:tbl>
+              <a:tblPr firstRow="1" bandRow="1">
+                <a:tableStyleId>{519352A9-2B63-4AD2-B8CD-3DEFD3B06E96}</a:tableStyleId>
+              </a:tblPr>
+              <a:tblGrid>
+                <a:gridCol w="983152">
+                  <a:extLst>
+                    <a:ext uri="{9D8B030D-6E8A-4147-A177-3AD203B41FA5}">
+                      <a16:colId xmlns:a16="http://schemas.microsoft.com/office/drawing/2014/main" val="1232716861"/>
+                    </a:ext>
+                  </a:extLst>
+                </a:gridCol>
+                <a:gridCol w="2240108">
+                  <a:extLst>
+                    <a:ext uri="{9D8B030D-6E8A-4147-A177-3AD203B41FA5}">
+                      <a16:colId xmlns:a16="http://schemas.microsoft.com/office/drawing/2014/main" val="2298462088"/>
+                    </a:ext>
+                  </a:extLst>
+                </a:gridCol>
+                <a:gridCol w="1790700">
+                  <a:extLst>
+                    <a:ext uri="{9D8B030D-6E8A-4147-A177-3AD203B41FA5}">
+                      <a16:colId xmlns:a16="http://schemas.microsoft.com/office/drawing/2014/main" val="1047937324"/>
+                    </a:ext>
+                  </a:extLst>
+                </a:gridCol>
+                <a:gridCol w="4130040">
+                  <a:extLst>
+                    <a:ext uri="{9D8B030D-6E8A-4147-A177-3AD203B41FA5}">
+                      <a16:colId xmlns:a16="http://schemas.microsoft.com/office/drawing/2014/main" val="3447884235"/>
+                    </a:ext>
+                  </a:extLst>
+                </a:gridCol>
+              </a:tblGrid>
+              <a:tr h="244069">
+                <a:tc>
+                  <a:txBody>
+                    <a:bodyPr/>
+                    <a:lstStyle/>
+                    <a:p>
+                      <a:pPr algn="ctr" latinLnBrk="1"/>
+                      <a:r>
+                        <a:rPr lang="en-US" altLang="ko-KR" sz="1000" dirty="0" smtClean="0"/>
+                        <a:t>No</a:t>
+                      </a:r>
+                      <a:endParaRPr lang="ko-KR" altLang="en-US" sz="1000" dirty="0"/>
+                    </a:p>
+                  </a:txBody>
+                  <a:tcPr anchor="ctr">
+                    <a:solidFill>
+                      <a:srgbClr val="6EBDB0"/>
+                    </a:solidFill>
+                  </a:tcPr>
+                </a:tc>
+                <a:tc>
+                  <a:txBody>
+                    <a:bodyPr/>
+                    <a:lstStyle/>
+                    <a:p>
+                      <a:pPr algn="ctr" latinLnBrk="1"/>
+                      <a:r>
+                        <a:rPr lang="ko-KR" altLang="en-US" sz="1000" dirty="0" err="1" smtClean="0"/>
+                        <a:t>화면이름</a:t>
+                      </a:r>
+                      <a:endParaRPr lang="ko-KR" altLang="en-US" sz="1000" dirty="0"/>
+                    </a:p>
+                  </a:txBody>
+                  <a:tcPr anchor="ctr">
+                    <a:solidFill>
+                      <a:srgbClr val="6EBDB0"/>
+                    </a:solidFill>
+                  </a:tcPr>
+                </a:tc>
+                <a:tc>
+                  <a:txBody>
+                    <a:bodyPr/>
+                    <a:lstStyle/>
+                    <a:p>
+                      <a:pPr algn="ctr" latinLnBrk="1"/>
+                      <a:r>
+                        <a:rPr lang="ko-KR" altLang="en-US" sz="1000" dirty="0" smtClean="0"/>
+                        <a:t>페이지</a:t>
+                      </a:r>
+                      <a:endParaRPr lang="ko-KR" altLang="en-US" sz="1000" dirty="0"/>
+                    </a:p>
+                  </a:txBody>
+                  <a:tcPr anchor="ctr">
+                    <a:solidFill>
+                      <a:srgbClr val="6EBDB0"/>
+                    </a:solidFill>
+                  </a:tcPr>
+                </a:tc>
+                <a:tc>
+                  <a:txBody>
+                    <a:bodyPr/>
+                    <a:lstStyle/>
+                    <a:p>
+                      <a:pPr algn="ctr" latinLnBrk="1"/>
+                      <a:r>
+                        <a:rPr lang="ko-KR" altLang="en-US" sz="1000" dirty="0" smtClean="0"/>
+                        <a:t>설명</a:t>
+                      </a:r>
+                      <a:endParaRPr lang="ko-KR" altLang="en-US" sz="1000" dirty="0"/>
+                    </a:p>
+                  </a:txBody>
+                  <a:tcPr anchor="ctr">
+                    <a:solidFill>
+                      <a:srgbClr val="6EBDB0"/>
+                    </a:solidFill>
+                  </a:tcPr>
+                </a:tc>
+                <a:extLst>
+                  <a:ext uri="{0D108BD9-81ED-4DB2-BD59-A6C34878D82A}">
+                    <a16:rowId xmlns:a16="http://schemas.microsoft.com/office/drawing/2014/main" val="2653807755"/>
+                  </a:ext>
+                </a:extLst>
+              </a:tr>
+              <a:tr h="244069">
+                <a:tc>
+                  <a:txBody>
+                    <a:bodyPr/>
+                    <a:lstStyle/>
+                    <a:p>
+                      <a:pPr algn="ctr" latinLnBrk="1"/>
+                      <a:r>
+                        <a:rPr lang="en-US" altLang="ko-KR" sz="1000" dirty="0" smtClean="0"/>
+                        <a:t>6-6</a:t>
+                      </a:r>
+                      <a:endParaRPr lang="ko-KR" altLang="en-US" sz="1000" dirty="0"/>
+                    </a:p>
+                  </a:txBody>
+                  <a:tcPr anchor="ctr"/>
+                </a:tc>
+                <a:tc>
+                  <a:txBody>
+                    <a:bodyPr/>
+                    <a:lstStyle/>
+                    <a:p>
+                      <a:pPr algn="ctr" latinLnBrk="1"/>
+                      <a:r>
+                        <a:rPr lang="ko-KR" altLang="en-US" sz="1000" dirty="0" smtClean="0"/>
+                        <a:t>전자도서관</a:t>
+                      </a:r>
+                      <a:r>
+                        <a:rPr lang="en-US" altLang="ko-KR" sz="1000" dirty="0" smtClean="0"/>
+                        <a:t>-</a:t>
+                      </a:r>
+                      <a:r>
+                        <a:rPr lang="ko-KR" altLang="en-US" sz="1000" dirty="0" err="1" smtClean="0"/>
+                        <a:t>도서관소식</a:t>
+                      </a:r>
+                      <a:r>
+                        <a:rPr lang="en-US" altLang="ko-KR" sz="1000" dirty="0" smtClean="0"/>
+                        <a:t>-</a:t>
+                      </a:r>
+                      <a:r>
+                        <a:rPr lang="ko-KR" altLang="en-US" sz="1000" dirty="0" smtClean="0"/>
+                        <a:t>보기</a:t>
+                      </a:r>
+                      <a:endParaRPr lang="ko-KR" altLang="en-US" sz="1000" dirty="0"/>
+                    </a:p>
+                  </a:txBody>
+                  <a:tcPr anchor="ctr"/>
+                </a:tc>
+                <a:tc>
+                  <a:txBody>
+                    <a:bodyPr/>
+                    <a:lstStyle/>
+                    <a:p>
+                      <a:pPr algn="ctr" latinLnBrk="1"/>
+                      <a:r>
+                        <a:rPr lang="en-US" altLang="ko-KR" sz="1000" dirty="0" err="1" smtClean="0"/>
+                        <a:t>Elib</a:t>
+                      </a:r>
+                      <a:r>
+                        <a:rPr lang="en-US" altLang="ko-KR" sz="1000" dirty="0" smtClean="0"/>
+                        <a:t>/info/view</a:t>
+                      </a:r>
+                      <a:endParaRPr lang="ko-KR" altLang="en-US" sz="1000" dirty="0"/>
+                    </a:p>
+                  </a:txBody>
+                  <a:tcPr anchor="ctr"/>
+                </a:tc>
+                <a:tc>
+                  <a:txBody>
+                    <a:bodyPr/>
+                    <a:lstStyle/>
+                    <a:p>
+                      <a:pPr algn="ctr" latinLnBrk="1"/>
+                      <a:r>
+                        <a:rPr lang="ko-KR" altLang="en-US" sz="1000" dirty="0" smtClean="0"/>
+                        <a:t>전자도서관 </a:t>
+                      </a:r>
+                      <a:r>
+                        <a:rPr lang="ko-KR" altLang="en-US" sz="1000" dirty="0" err="1" smtClean="0"/>
+                        <a:t>도서관소식</a:t>
+                      </a:r>
+                      <a:r>
+                        <a:rPr lang="ko-KR" altLang="en-US" sz="1000" dirty="0" smtClean="0"/>
+                        <a:t> 게시판 보기</a:t>
+                      </a:r>
+                      <a:endParaRPr lang="ko-KR" altLang="en-US" sz="1000" dirty="0"/>
+                    </a:p>
+                  </a:txBody>
+                  <a:tcPr anchor="ctr"/>
+                </a:tc>
+                <a:extLst>
+                  <a:ext uri="{0D108BD9-81ED-4DB2-BD59-A6C34878D82A}">
+                    <a16:rowId xmlns:a16="http://schemas.microsoft.com/office/drawing/2014/main" val="1721092389"/>
+                  </a:ext>
+                </a:extLst>
+              </a:tr>
+            </a:tbl>
+          </a:graphicData>
+        </a:graphic>
+      </p:graphicFrame>
+      <p:graphicFrame>
+        <p:nvGraphicFramePr>
+          <p:cNvPr id="7" name="표 6"/>
+          <p:cNvGraphicFramePr>
+            <a:graphicFrameLocks noGrp="1"/>
+          </p:cNvGraphicFramePr>
+          <p:nvPr>
+            <p:extLst/>
+          </p:nvPr>
+        </p:nvGraphicFramePr>
+        <p:xfrm>
+          <a:off x="5768339" y="488138"/>
+          <a:ext cx="3375660" cy="1872624"/>
+        </p:xfrm>
+        <a:graphic>
+          <a:graphicData uri="http://schemas.openxmlformats.org/drawingml/2006/table">
+            <a:tbl>
+              <a:tblPr firstRow="1" bandRow="1">
+                <a:tableStyleId>{519352A9-2B63-4AD2-B8CD-3DEFD3B06E96}</a:tableStyleId>
+              </a:tblPr>
+              <a:tblGrid>
+                <a:gridCol w="511465">
+                  <a:extLst>
+                    <a:ext uri="{9D8B030D-6E8A-4147-A177-3AD203B41FA5}">
+                      <a16:colId xmlns:a16="http://schemas.microsoft.com/office/drawing/2014/main" val="1793106285"/>
+                    </a:ext>
+                  </a:extLst>
+                </a:gridCol>
+                <a:gridCol w="2864195">
+                  <a:extLst>
+                    <a:ext uri="{9D8B030D-6E8A-4147-A177-3AD203B41FA5}">
+                      <a16:colId xmlns:a16="http://schemas.microsoft.com/office/drawing/2014/main" val="9508570"/>
+                    </a:ext>
+                  </a:extLst>
+                </a:gridCol>
+              </a:tblGrid>
+              <a:tr h="338616">
+                <a:tc>
+                  <a:txBody>
+                    <a:bodyPr/>
+                    <a:lstStyle/>
+                    <a:p>
+                      <a:pPr algn="ctr" latinLnBrk="1"/>
+                      <a:r>
+                        <a:rPr lang="ko-KR" altLang="en-US" sz="1000" dirty="0" smtClean="0"/>
+                        <a:t>번호</a:t>
+                      </a:r>
+                      <a:endParaRPr lang="ko-KR" altLang="en-US" sz="1000" dirty="0"/>
+                    </a:p>
+                  </a:txBody>
+                  <a:tcPr anchor="ctr">
+                    <a:solidFill>
+                      <a:srgbClr val="6EBDB0"/>
+                    </a:solidFill>
+                  </a:tcPr>
+                </a:tc>
+                <a:tc>
+                  <a:txBody>
+                    <a:bodyPr/>
+                    <a:lstStyle/>
+                    <a:p>
+                      <a:pPr algn="ctr" latinLnBrk="1"/>
+                      <a:r>
+                        <a:rPr lang="ko-KR" altLang="en-US" sz="1000" dirty="0" smtClean="0"/>
+                        <a:t>설명</a:t>
+                      </a:r>
+                      <a:endParaRPr lang="ko-KR" altLang="en-US" sz="1000" dirty="0"/>
+                    </a:p>
+                  </a:txBody>
+                  <a:tcPr anchor="ctr">
+                    <a:solidFill>
+                      <a:srgbClr val="6EBDB0"/>
+                    </a:solidFill>
+                  </a:tcPr>
+                </a:tc>
+                <a:extLst>
+                  <a:ext uri="{0D108BD9-81ED-4DB2-BD59-A6C34878D82A}">
+                    <a16:rowId xmlns:a16="http://schemas.microsoft.com/office/drawing/2014/main" val="172448955"/>
+                  </a:ext>
+                </a:extLst>
+              </a:tr>
+              <a:tr h="338616">
+                <a:tc>
+                  <a:txBody>
+                    <a:bodyPr/>
+                    <a:lstStyle/>
+                    <a:p>
+                      <a:pPr algn="ctr" latinLnBrk="1"/>
+                      <a:r>
+                        <a:rPr lang="en-US" altLang="ko-KR" sz="1000" dirty="0" smtClean="0"/>
+                        <a:t>1</a:t>
+                      </a:r>
+                      <a:endParaRPr lang="ko-KR" altLang="en-US" sz="1000" dirty="0"/>
+                    </a:p>
+                  </a:txBody>
+                  <a:tcPr anchor="ctr"/>
+                </a:tc>
+                <a:tc>
+                  <a:txBody>
+                    <a:bodyPr/>
+                    <a:lstStyle/>
+                    <a:p>
+                      <a:pPr algn="ctr" latinLnBrk="1"/>
+                      <a:r>
+                        <a:rPr lang="ko-KR" altLang="en-US" sz="1400" b="0" i="0" u="none" strike="noStrike" cap="none" dirty="0" smtClean="0">
+                          <a:solidFill>
+                            <a:srgbClr val="000000"/>
+                          </a:solidFill>
+                          <a:effectLst/>
+                          <a:latin typeface="Arial"/>
+                          <a:ea typeface="Arial"/>
+                          <a:cs typeface="Arial"/>
+                          <a:sym typeface="Arial"/>
+                        </a:rPr>
+                        <a:t>수정 및 삭제는 관리자만 가능</a:t>
+                      </a:r>
+                      <a:endParaRPr lang="ko-KR" altLang="en-US" sz="1000" dirty="0"/>
+                    </a:p>
+                  </a:txBody>
+                  <a:tcPr anchor="ctr"/>
+                </a:tc>
+                <a:extLst>
+                  <a:ext uri="{0D108BD9-81ED-4DB2-BD59-A6C34878D82A}">
+                    <a16:rowId xmlns:a16="http://schemas.microsoft.com/office/drawing/2014/main" val="2454455020"/>
+                  </a:ext>
+                </a:extLst>
+              </a:tr>
+              <a:tr h="338616">
+                <a:tc>
+                  <a:txBody>
+                    <a:bodyPr/>
+                    <a:lstStyle/>
+                    <a:p>
+                      <a:pPr algn="ctr" latinLnBrk="1"/>
+                      <a:r>
+                        <a:rPr lang="en-US" altLang="ko-KR" sz="1000" dirty="0" smtClean="0"/>
+                        <a:t>2</a:t>
+                      </a:r>
+                      <a:endParaRPr lang="ko-KR" altLang="en-US" sz="1000" dirty="0"/>
+                    </a:p>
+                  </a:txBody>
+                  <a:tcPr anchor="ctr"/>
+                </a:tc>
+                <a:tc>
+                  <a:txBody>
+                    <a:bodyPr/>
+                    <a:lstStyle/>
+                    <a:p>
+                      <a:pPr algn="ctr" latinLnBrk="1"/>
+                      <a:r>
+                        <a:rPr lang="ko-KR" altLang="en-US" sz="1400" b="0" i="0" u="none" strike="noStrike" cap="none" dirty="0" smtClean="0">
+                          <a:solidFill>
+                            <a:srgbClr val="000000"/>
+                          </a:solidFill>
+                          <a:effectLst/>
+                          <a:latin typeface="Arial"/>
+                          <a:ea typeface="Arial"/>
+                          <a:cs typeface="Arial"/>
+                          <a:sym typeface="Arial"/>
+                        </a:rPr>
+                        <a:t>게시판 글 제목</a:t>
+                      </a:r>
+                      <a:r>
+                        <a:rPr lang="en-US" altLang="ko-KR" sz="1400" b="0" i="0" u="none" strike="noStrike" cap="none" dirty="0" smtClean="0">
+                          <a:solidFill>
+                            <a:srgbClr val="000000"/>
+                          </a:solidFill>
+                          <a:effectLst/>
+                          <a:latin typeface="Arial"/>
+                          <a:ea typeface="Arial"/>
+                          <a:cs typeface="Arial"/>
+                          <a:sym typeface="Arial"/>
+                        </a:rPr>
+                        <a:t>, </a:t>
+                      </a:r>
+                      <a:r>
+                        <a:rPr lang="ko-KR" altLang="en-US" sz="1400" b="0" i="0" u="none" strike="noStrike" cap="none" dirty="0" smtClean="0">
+                          <a:solidFill>
+                            <a:srgbClr val="000000"/>
+                          </a:solidFill>
+                          <a:effectLst/>
+                          <a:latin typeface="Arial"/>
+                          <a:ea typeface="Arial"/>
+                          <a:cs typeface="Arial"/>
+                          <a:sym typeface="Arial"/>
+                        </a:rPr>
+                        <a:t>작성일</a:t>
+                      </a:r>
+                      <a:r>
+                        <a:rPr lang="en-US" altLang="ko-KR" sz="1400" b="0" i="0" u="none" strike="noStrike" cap="none" dirty="0" smtClean="0">
+                          <a:solidFill>
+                            <a:srgbClr val="000000"/>
+                          </a:solidFill>
+                          <a:effectLst/>
+                          <a:latin typeface="Arial"/>
+                          <a:ea typeface="Arial"/>
+                          <a:cs typeface="Arial"/>
+                          <a:sym typeface="Arial"/>
+                        </a:rPr>
+                        <a:t>, </a:t>
+                      </a:r>
+                      <a:r>
+                        <a:rPr lang="ko-KR" altLang="en-US" sz="1400" b="0" i="0" u="none" strike="noStrike" cap="none" dirty="0" smtClean="0">
+                          <a:solidFill>
+                            <a:srgbClr val="000000"/>
+                          </a:solidFill>
+                          <a:effectLst/>
+                          <a:latin typeface="Arial"/>
+                          <a:ea typeface="Arial"/>
+                          <a:cs typeface="Arial"/>
+                          <a:sym typeface="Arial"/>
+                        </a:rPr>
+                        <a:t>파일</a:t>
+                      </a:r>
+                      <a:r>
+                        <a:rPr lang="en-US" altLang="ko-KR" sz="1400" b="0" i="0" u="none" strike="noStrike" cap="none" dirty="0" smtClean="0">
+                          <a:solidFill>
+                            <a:srgbClr val="000000"/>
+                          </a:solidFill>
+                          <a:effectLst/>
+                          <a:latin typeface="Arial"/>
+                          <a:ea typeface="Arial"/>
+                          <a:cs typeface="Arial"/>
+                          <a:sym typeface="Arial"/>
+                        </a:rPr>
+                        <a:t>, </a:t>
+                      </a:r>
+                      <a:r>
+                        <a:rPr lang="ko-KR" altLang="en-US" sz="1400" b="0" i="0" u="none" strike="noStrike" cap="none" dirty="0" smtClean="0">
+                          <a:solidFill>
+                            <a:srgbClr val="000000"/>
+                          </a:solidFill>
+                          <a:effectLst/>
+                          <a:latin typeface="Arial"/>
+                          <a:ea typeface="Arial"/>
+                          <a:cs typeface="Arial"/>
+                          <a:sym typeface="Arial"/>
+                        </a:rPr>
+                        <a:t>내용 출력하기</a:t>
+                      </a:r>
+                      <a:endParaRPr lang="ko-KR" altLang="en-US" sz="1000" dirty="0"/>
+                    </a:p>
+                  </a:txBody>
+                  <a:tcPr anchor="ctr"/>
+                </a:tc>
+                <a:extLst>
+                  <a:ext uri="{0D108BD9-81ED-4DB2-BD59-A6C34878D82A}">
+                    <a16:rowId xmlns:a16="http://schemas.microsoft.com/office/drawing/2014/main" val="1763740348"/>
+                  </a:ext>
+                </a:extLst>
+              </a:tr>
+              <a:tr h="338616">
+                <a:tc>
+                  <a:txBody>
+                    <a:bodyPr/>
+                    <a:lstStyle/>
+                    <a:p>
+                      <a:pPr algn="ctr" latinLnBrk="1"/>
+                      <a:r>
+                        <a:rPr lang="en-US" altLang="ko-KR" sz="1000" dirty="0" smtClean="0"/>
+                        <a:t>3</a:t>
+                      </a:r>
+                      <a:endParaRPr lang="ko-KR" altLang="en-US" sz="1000" dirty="0"/>
+                    </a:p>
+                  </a:txBody>
+                  <a:tcPr anchor="ctr"/>
+                </a:tc>
+                <a:tc>
+                  <a:txBody>
+                    <a:bodyPr/>
+                    <a:lstStyle/>
+                    <a:p>
+                      <a:pPr algn="ctr" latinLnBrk="1"/>
+                      <a:r>
+                        <a:rPr lang="ko-KR" altLang="en-US" sz="1400" b="0" i="0" u="none" strike="noStrike" cap="none" dirty="0" smtClean="0">
+                          <a:solidFill>
+                            <a:srgbClr val="000000"/>
+                          </a:solidFill>
+                          <a:effectLst/>
+                          <a:latin typeface="Arial"/>
+                          <a:ea typeface="Arial"/>
+                          <a:cs typeface="Arial"/>
+                          <a:sym typeface="Arial"/>
+                        </a:rPr>
+                        <a:t>파일 다운로드 </a:t>
+                      </a:r>
+                      <a:r>
+                        <a:rPr lang="ko-KR" altLang="en-US" sz="1400" b="0" i="0" u="none" strike="noStrike" cap="none" dirty="0" err="1" smtClean="0">
+                          <a:solidFill>
+                            <a:srgbClr val="000000"/>
+                          </a:solidFill>
+                          <a:effectLst/>
+                          <a:latin typeface="Arial"/>
+                          <a:ea typeface="Arial"/>
+                          <a:cs typeface="Arial"/>
+                          <a:sym typeface="Arial"/>
+                        </a:rPr>
+                        <a:t>기능구현</a:t>
+                      </a:r>
+                      <a:endParaRPr lang="ko-KR" altLang="en-US" sz="1000" dirty="0"/>
+                    </a:p>
+                  </a:txBody>
+                  <a:tcPr anchor="ctr"/>
+                </a:tc>
+                <a:extLst>
+                  <a:ext uri="{0D108BD9-81ED-4DB2-BD59-A6C34878D82A}">
+                    <a16:rowId xmlns:a16="http://schemas.microsoft.com/office/drawing/2014/main" val="2326188697"/>
+                  </a:ext>
+                </a:extLst>
+              </a:tr>
+              <a:tr h="338616">
+                <a:tc>
+                  <a:txBody>
+                    <a:bodyPr/>
+                    <a:lstStyle/>
+                    <a:p>
+                      <a:pPr algn="ctr" latinLnBrk="1"/>
+                      <a:r>
+                        <a:rPr lang="en-US" altLang="ko-KR" sz="1000" dirty="0" smtClean="0"/>
+                        <a:t>4</a:t>
+                      </a:r>
+                      <a:endParaRPr lang="ko-KR" altLang="en-US" sz="1000" dirty="0"/>
+                    </a:p>
+                  </a:txBody>
+                  <a:tcPr anchor="ctr"/>
+                </a:tc>
+                <a:tc>
+                  <a:txBody>
+                    <a:bodyPr/>
+                    <a:lstStyle/>
+                    <a:p>
+                      <a:pPr algn="ctr" latinLnBrk="1"/>
+                      <a:r>
+                        <a:rPr lang="ko-KR" altLang="en-US" sz="1400" b="0" i="0" u="none" strike="noStrike" cap="none" dirty="0" smtClean="0">
+                          <a:solidFill>
+                            <a:srgbClr val="000000"/>
+                          </a:solidFill>
+                          <a:effectLst/>
+                          <a:latin typeface="Arial"/>
+                          <a:ea typeface="Arial"/>
+                          <a:cs typeface="Arial"/>
+                          <a:sym typeface="Arial"/>
+                        </a:rPr>
+                        <a:t>도서관 소식 목록으로 이동</a:t>
+                      </a:r>
+                      <a:endParaRPr lang="ko-KR" altLang="en-US" sz="1000" dirty="0"/>
+                    </a:p>
+                  </a:txBody>
+                  <a:tcPr anchor="ctr"/>
+                </a:tc>
+                <a:extLst>
+                  <a:ext uri="{0D108BD9-81ED-4DB2-BD59-A6C34878D82A}">
+                    <a16:rowId xmlns:a16="http://schemas.microsoft.com/office/drawing/2014/main" val="2087740178"/>
+                  </a:ext>
+                </a:extLst>
+              </a:tr>
+            </a:tbl>
+          </a:graphicData>
+        </a:graphic>
+      </p:graphicFrame>
+      <p:pic>
+        <p:nvPicPr>
+          <p:cNvPr id="4" name="그림 3"/>
+          <p:cNvPicPr>
+            <a:picLocks noChangeAspect="1"/>
+          </p:cNvPicPr>
+          <p:nvPr/>
+        </p:nvPicPr>
+        <p:blipFill>
+          <a:blip r:embed="rId3">
+            <a:extLst>
+              <a:ext uri="{28A0092B-C50C-407E-A947-70E740481C1C}">
+                <a14:useLocalDpi xmlns:a14="http://schemas.microsoft.com/office/drawing/2010/main" val="0"/>
+              </a:ext>
+            </a:extLst>
+          </a:blip>
+          <a:stretch>
+            <a:fillRect/>
+          </a:stretch>
+        </p:blipFill>
+        <p:spPr>
+          <a:xfrm>
+            <a:off x="51582" y="1277718"/>
+            <a:ext cx="5650049" cy="3180890"/>
+          </a:xfrm>
+          <a:prstGeom prst="rect">
+            <a:avLst/>
+          </a:prstGeom>
+        </p:spPr>
+      </p:pic>
+    </p:spTree>
+    <p:extLst>
+      <p:ext uri="{BB962C8B-B14F-4D97-AF65-F5344CB8AC3E}">
+        <p14:creationId xmlns:p14="http://schemas.microsoft.com/office/powerpoint/2010/main" val="3928245055"/>
+      </p:ext>
+    </p:extLst>
+  </p:cSld>
+  <p:clrMapOvr>
+    <a:masterClrMapping/>
+  </p:clrMapOvr>
+  <p:timing>
+    <p:tnLst>
+      <p:par>
+        <p:cTn id="1" dur="indefinite" restart="never" nodeType="tmRoot"/>
+      </p:par>
+    </p:tnLst>
+  </p:timing>
+</p:sld>
+</file>
+
+<file path=ppt/slides/slide35.xml><?xml version="1.0" encoding="utf-8"?>
+<p:sld xmlns:a="http://schemas.openxmlformats.org/drawingml/2006/main" xmlns:r="http://schemas.openxmlformats.org/officeDocument/2006/relationships" xmlns:p="http://schemas.openxmlformats.org/presentationml/2006/main">
+  <p:cSld>
+    <p:spTree>
+      <p:nvGrpSpPr>
+        <p:cNvPr id="1" name="Shape 300"/>
+        <p:cNvGrpSpPr/>
+        <p:nvPr/>
+      </p:nvGrpSpPr>
+      <p:grpSpPr>
+        <a:xfrm>
+          <a:off x="0" y="0"/>
+          <a:ext cx="0" cy="0"/>
+          <a:chOff x="0" y="0"/>
+          <a:chExt cx="0" cy="0"/>
+        </a:xfrm>
+      </p:grpSpPr>
+      <p:graphicFrame>
+        <p:nvGraphicFramePr>
+          <p:cNvPr id="2" name="표 1"/>
+          <p:cNvGraphicFramePr>
+            <a:graphicFrameLocks noGrp="1"/>
+          </p:cNvGraphicFramePr>
+          <p:nvPr>
+            <p:extLst/>
+          </p:nvPr>
+        </p:nvGraphicFramePr>
+        <p:xfrm>
+          <a:off x="0" y="0"/>
+          <a:ext cx="9144000" cy="488138"/>
+        </p:xfrm>
+        <a:graphic>
+          <a:graphicData uri="http://schemas.openxmlformats.org/drawingml/2006/table">
+            <a:tbl>
+              <a:tblPr firstRow="1" bandRow="1">
+                <a:tableStyleId>{519352A9-2B63-4AD2-B8CD-3DEFD3B06E96}</a:tableStyleId>
+              </a:tblPr>
+              <a:tblGrid>
+                <a:gridCol w="983152">
+                  <a:extLst>
+                    <a:ext uri="{9D8B030D-6E8A-4147-A177-3AD203B41FA5}">
+                      <a16:colId xmlns:a16="http://schemas.microsoft.com/office/drawing/2014/main" val="1232716861"/>
+                    </a:ext>
+                  </a:extLst>
+                </a:gridCol>
+                <a:gridCol w="2240108">
+                  <a:extLst>
+                    <a:ext uri="{9D8B030D-6E8A-4147-A177-3AD203B41FA5}">
+                      <a16:colId xmlns:a16="http://schemas.microsoft.com/office/drawing/2014/main" val="2298462088"/>
+                    </a:ext>
+                  </a:extLst>
+                </a:gridCol>
+                <a:gridCol w="1790700">
+                  <a:extLst>
+                    <a:ext uri="{9D8B030D-6E8A-4147-A177-3AD203B41FA5}">
+                      <a16:colId xmlns:a16="http://schemas.microsoft.com/office/drawing/2014/main" val="1047937324"/>
+                    </a:ext>
+                  </a:extLst>
+                </a:gridCol>
+                <a:gridCol w="4130040">
+                  <a:extLst>
+                    <a:ext uri="{9D8B030D-6E8A-4147-A177-3AD203B41FA5}">
+                      <a16:colId xmlns:a16="http://schemas.microsoft.com/office/drawing/2014/main" val="3447884235"/>
+                    </a:ext>
+                  </a:extLst>
+                </a:gridCol>
+              </a:tblGrid>
+              <a:tr h="244069">
+                <a:tc>
+                  <a:txBody>
+                    <a:bodyPr/>
+                    <a:lstStyle/>
+                    <a:p>
+                      <a:pPr algn="ctr" latinLnBrk="1"/>
+                      <a:r>
+                        <a:rPr lang="en-US" altLang="ko-KR" sz="1000" dirty="0" smtClean="0"/>
+                        <a:t>No</a:t>
+                      </a:r>
+                      <a:endParaRPr lang="ko-KR" altLang="en-US" sz="1000" dirty="0"/>
+                    </a:p>
+                  </a:txBody>
+                  <a:tcPr anchor="ctr">
+                    <a:solidFill>
+                      <a:srgbClr val="6EBDB0"/>
+                    </a:solidFill>
+                  </a:tcPr>
+                </a:tc>
+                <a:tc>
+                  <a:txBody>
+                    <a:bodyPr/>
+                    <a:lstStyle/>
+                    <a:p>
+                      <a:pPr algn="ctr" latinLnBrk="1"/>
+                      <a:r>
+                        <a:rPr lang="ko-KR" altLang="en-US" sz="1000" dirty="0" err="1" smtClean="0"/>
+                        <a:t>화면이름</a:t>
+                      </a:r>
+                      <a:endParaRPr lang="ko-KR" altLang="en-US" sz="1000" dirty="0"/>
+                    </a:p>
+                  </a:txBody>
+                  <a:tcPr anchor="ctr">
+                    <a:solidFill>
+                      <a:srgbClr val="6EBDB0"/>
+                    </a:solidFill>
+                  </a:tcPr>
+                </a:tc>
+                <a:tc>
+                  <a:txBody>
+                    <a:bodyPr/>
+                    <a:lstStyle/>
+                    <a:p>
+                      <a:pPr algn="ctr" latinLnBrk="1"/>
+                      <a:r>
+                        <a:rPr lang="ko-KR" altLang="en-US" sz="1000" dirty="0" smtClean="0"/>
+                        <a:t>페이지</a:t>
+                      </a:r>
+                      <a:endParaRPr lang="ko-KR" altLang="en-US" sz="1000" dirty="0"/>
+                    </a:p>
+                  </a:txBody>
+                  <a:tcPr anchor="ctr">
+                    <a:solidFill>
+                      <a:srgbClr val="6EBDB0"/>
+                    </a:solidFill>
+                  </a:tcPr>
+                </a:tc>
+                <a:tc>
+                  <a:txBody>
+                    <a:bodyPr/>
+                    <a:lstStyle/>
+                    <a:p>
+                      <a:pPr algn="ctr" latinLnBrk="1"/>
+                      <a:r>
+                        <a:rPr lang="ko-KR" altLang="en-US" sz="1000" dirty="0" smtClean="0"/>
+                        <a:t>설명</a:t>
+                      </a:r>
+                      <a:endParaRPr lang="ko-KR" altLang="en-US" sz="1000" dirty="0"/>
+                    </a:p>
+                  </a:txBody>
+                  <a:tcPr anchor="ctr">
+                    <a:solidFill>
+                      <a:srgbClr val="6EBDB0"/>
+                    </a:solidFill>
+                  </a:tcPr>
+                </a:tc>
+                <a:extLst>
+                  <a:ext uri="{0D108BD9-81ED-4DB2-BD59-A6C34878D82A}">
+                    <a16:rowId xmlns:a16="http://schemas.microsoft.com/office/drawing/2014/main" val="2653807755"/>
+                  </a:ext>
+                </a:extLst>
+              </a:tr>
+              <a:tr h="244069">
+                <a:tc>
+                  <a:txBody>
+                    <a:bodyPr/>
+                    <a:lstStyle/>
+                    <a:p>
+                      <a:pPr algn="ctr" latinLnBrk="1"/>
+                      <a:r>
+                        <a:rPr lang="en-US" altLang="ko-KR" sz="1000" dirty="0" smtClean="0"/>
+                        <a:t>6-7</a:t>
+                      </a:r>
+                      <a:endParaRPr lang="ko-KR" altLang="en-US" sz="1000" dirty="0"/>
+                    </a:p>
+                  </a:txBody>
+                  <a:tcPr anchor="ctr"/>
+                </a:tc>
+                <a:tc>
+                  <a:txBody>
+                    <a:bodyPr/>
+                    <a:lstStyle/>
+                    <a:p>
+                      <a:pPr algn="ctr" latinLnBrk="1"/>
+                      <a:r>
+                        <a:rPr lang="ko-KR" altLang="en-US" sz="1000" dirty="0" smtClean="0"/>
+                        <a:t>전자도서관</a:t>
+                      </a:r>
+                      <a:r>
+                        <a:rPr lang="en-US" altLang="ko-KR" sz="1000" dirty="0" smtClean="0"/>
+                        <a:t>-</a:t>
+                      </a:r>
+                      <a:r>
+                        <a:rPr lang="ko-KR" altLang="en-US" sz="1000" dirty="0" err="1" smtClean="0"/>
+                        <a:t>도서관소식</a:t>
+                      </a:r>
+                      <a:r>
+                        <a:rPr lang="en-US" altLang="ko-KR" sz="1000" dirty="0" smtClean="0"/>
+                        <a:t>-</a:t>
+                      </a:r>
+                      <a:r>
+                        <a:rPr lang="ko-KR" altLang="en-US" sz="1000" dirty="0" smtClean="0"/>
+                        <a:t>쓰기</a:t>
+                      </a:r>
+                      <a:endParaRPr lang="ko-KR" altLang="en-US" sz="1000" dirty="0"/>
+                    </a:p>
+                  </a:txBody>
+                  <a:tcPr anchor="ctr"/>
+                </a:tc>
+                <a:tc>
+                  <a:txBody>
+                    <a:bodyPr/>
+                    <a:lstStyle/>
+                    <a:p>
+                      <a:pPr algn="ctr" latinLnBrk="1"/>
+                      <a:r>
+                        <a:rPr lang="en-US" altLang="ko-KR" sz="1000" dirty="0" err="1" smtClean="0"/>
+                        <a:t>Elib</a:t>
+                      </a:r>
+                      <a:r>
+                        <a:rPr lang="en-US" altLang="ko-KR" sz="1000" dirty="0" smtClean="0"/>
+                        <a:t>/info/write</a:t>
+                      </a:r>
+                      <a:endParaRPr lang="ko-KR" altLang="en-US" sz="1000" dirty="0"/>
+                    </a:p>
+                  </a:txBody>
+                  <a:tcPr anchor="ctr"/>
+                </a:tc>
+                <a:tc>
+                  <a:txBody>
+                    <a:bodyPr/>
+                    <a:lstStyle/>
+                    <a:p>
+                      <a:pPr algn="ctr" latinLnBrk="1"/>
+                      <a:r>
+                        <a:rPr lang="ko-KR" altLang="en-US" sz="1000" dirty="0" smtClean="0"/>
+                        <a:t>전자도서관 </a:t>
+                      </a:r>
+                      <a:r>
+                        <a:rPr lang="ko-KR" altLang="en-US" sz="1000" dirty="0" err="1" smtClean="0"/>
+                        <a:t>도서관소식</a:t>
+                      </a:r>
+                      <a:r>
+                        <a:rPr lang="ko-KR" altLang="en-US" sz="1000" dirty="0" smtClean="0"/>
+                        <a:t> 게시판 쓰기</a:t>
+                      </a:r>
+                      <a:endParaRPr lang="ko-KR" altLang="en-US" sz="1000" dirty="0"/>
+                    </a:p>
+                  </a:txBody>
+                  <a:tcPr anchor="ctr"/>
+                </a:tc>
+                <a:extLst>
+                  <a:ext uri="{0D108BD9-81ED-4DB2-BD59-A6C34878D82A}">
+                    <a16:rowId xmlns:a16="http://schemas.microsoft.com/office/drawing/2014/main" val="1721092389"/>
+                  </a:ext>
+                </a:extLst>
+              </a:tr>
+            </a:tbl>
+          </a:graphicData>
+        </a:graphic>
+      </p:graphicFrame>
+      <p:graphicFrame>
+        <p:nvGraphicFramePr>
+          <p:cNvPr id="7" name="표 6"/>
+          <p:cNvGraphicFramePr>
+            <a:graphicFrameLocks noGrp="1"/>
+          </p:cNvGraphicFramePr>
+          <p:nvPr>
+            <p:extLst/>
+          </p:nvPr>
+        </p:nvGraphicFramePr>
+        <p:xfrm>
+          <a:off x="5768339" y="488138"/>
+          <a:ext cx="3375660" cy="1354464"/>
+        </p:xfrm>
+        <a:graphic>
+          <a:graphicData uri="http://schemas.openxmlformats.org/drawingml/2006/table">
+            <a:tbl>
+              <a:tblPr firstRow="1" bandRow="1">
+                <a:tableStyleId>{519352A9-2B63-4AD2-B8CD-3DEFD3B06E96}</a:tableStyleId>
+              </a:tblPr>
+              <a:tblGrid>
+                <a:gridCol w="511465">
+                  <a:extLst>
+                    <a:ext uri="{9D8B030D-6E8A-4147-A177-3AD203B41FA5}">
+                      <a16:colId xmlns:a16="http://schemas.microsoft.com/office/drawing/2014/main" val="1793106285"/>
+                    </a:ext>
+                  </a:extLst>
+                </a:gridCol>
+                <a:gridCol w="2864195">
+                  <a:extLst>
+                    <a:ext uri="{9D8B030D-6E8A-4147-A177-3AD203B41FA5}">
+                      <a16:colId xmlns:a16="http://schemas.microsoft.com/office/drawing/2014/main" val="9508570"/>
+                    </a:ext>
+                  </a:extLst>
+                </a:gridCol>
+              </a:tblGrid>
+              <a:tr h="338616">
+                <a:tc>
+                  <a:txBody>
+                    <a:bodyPr/>
+                    <a:lstStyle/>
+                    <a:p>
+                      <a:pPr algn="ctr" latinLnBrk="1"/>
+                      <a:r>
+                        <a:rPr lang="ko-KR" altLang="en-US" sz="1000" dirty="0" smtClean="0"/>
+                        <a:t>번호</a:t>
+                      </a:r>
+                      <a:endParaRPr lang="ko-KR" altLang="en-US" sz="1000" dirty="0"/>
+                    </a:p>
+                  </a:txBody>
+                  <a:tcPr anchor="ctr">
+                    <a:solidFill>
+                      <a:srgbClr val="6EBDB0"/>
+                    </a:solidFill>
+                  </a:tcPr>
+                </a:tc>
+                <a:tc>
+                  <a:txBody>
+                    <a:bodyPr/>
+                    <a:lstStyle/>
+                    <a:p>
+                      <a:pPr algn="ctr" latinLnBrk="1"/>
+                      <a:r>
+                        <a:rPr lang="ko-KR" altLang="en-US" sz="1000" dirty="0" smtClean="0"/>
+                        <a:t>설명</a:t>
+                      </a:r>
+                      <a:endParaRPr lang="ko-KR" altLang="en-US" sz="1000" dirty="0"/>
+                    </a:p>
+                  </a:txBody>
+                  <a:tcPr anchor="ctr">
+                    <a:solidFill>
+                      <a:srgbClr val="6EBDB0"/>
+                    </a:solidFill>
+                  </a:tcPr>
+                </a:tc>
+                <a:extLst>
+                  <a:ext uri="{0D108BD9-81ED-4DB2-BD59-A6C34878D82A}">
+                    <a16:rowId xmlns:a16="http://schemas.microsoft.com/office/drawing/2014/main" val="172448955"/>
+                  </a:ext>
+                </a:extLst>
+              </a:tr>
+              <a:tr h="338616">
+                <a:tc>
+                  <a:txBody>
+                    <a:bodyPr/>
+                    <a:lstStyle/>
+                    <a:p>
+                      <a:pPr algn="ctr" latinLnBrk="1"/>
+                      <a:r>
+                        <a:rPr lang="en-US" altLang="ko-KR" sz="1000" dirty="0" smtClean="0"/>
+                        <a:t>1</a:t>
+                      </a:r>
+                      <a:endParaRPr lang="ko-KR" altLang="en-US" sz="1000" dirty="0"/>
+                    </a:p>
+                  </a:txBody>
+                  <a:tcPr anchor="ctr"/>
+                </a:tc>
+                <a:tc>
+                  <a:txBody>
+                    <a:bodyPr/>
+                    <a:lstStyle/>
+                    <a:p>
+                      <a:pPr algn="ctr" latinLnBrk="1"/>
+                      <a:r>
+                        <a:rPr lang="ko-KR" altLang="en-US" sz="1400" b="0" i="0" u="none" strike="noStrike" cap="none" dirty="0" smtClean="0">
+                          <a:solidFill>
+                            <a:srgbClr val="000000"/>
+                          </a:solidFill>
+                          <a:effectLst/>
+                          <a:latin typeface="Arial"/>
+                          <a:ea typeface="Arial"/>
+                          <a:cs typeface="Arial"/>
+                          <a:sym typeface="Arial"/>
+                        </a:rPr>
+                        <a:t>파일 업로드하기</a:t>
+                      </a:r>
+                      <a:endParaRPr lang="ko-KR" altLang="en-US" sz="1000" dirty="0"/>
+                    </a:p>
+                  </a:txBody>
+                  <a:tcPr anchor="ctr"/>
+                </a:tc>
+                <a:extLst>
+                  <a:ext uri="{0D108BD9-81ED-4DB2-BD59-A6C34878D82A}">
+                    <a16:rowId xmlns:a16="http://schemas.microsoft.com/office/drawing/2014/main" val="2454455020"/>
+                  </a:ext>
+                </a:extLst>
+              </a:tr>
+              <a:tr h="338616">
+                <a:tc>
+                  <a:txBody>
+                    <a:bodyPr/>
+                    <a:lstStyle/>
+                    <a:p>
+                      <a:pPr algn="ctr" latinLnBrk="1"/>
+                      <a:r>
+                        <a:rPr lang="en-US" altLang="ko-KR" sz="1000" dirty="0" smtClean="0"/>
+                        <a:t>2</a:t>
+                      </a:r>
+                      <a:endParaRPr lang="ko-KR" altLang="en-US" sz="1000" dirty="0"/>
+                    </a:p>
+                  </a:txBody>
+                  <a:tcPr anchor="ctr"/>
+                </a:tc>
+                <a:tc>
+                  <a:txBody>
+                    <a:bodyPr/>
+                    <a:lstStyle/>
+                    <a:p>
+                      <a:pPr algn="ctr" latinLnBrk="1"/>
+                      <a:r>
+                        <a:rPr lang="ko-KR" altLang="en-US" sz="1400" b="0" i="0" u="none" strike="noStrike" cap="none" dirty="0" smtClean="0">
+                          <a:solidFill>
+                            <a:srgbClr val="000000"/>
+                          </a:solidFill>
+                          <a:effectLst/>
+                          <a:latin typeface="Arial"/>
+                          <a:ea typeface="Arial"/>
+                          <a:cs typeface="Arial"/>
+                          <a:sym typeface="Arial"/>
+                        </a:rPr>
+                        <a:t>글 제목</a:t>
+                      </a:r>
+                      <a:r>
+                        <a:rPr lang="en-US" altLang="ko-KR" sz="1400" b="0" i="0" u="none" strike="noStrike" cap="none" dirty="0" smtClean="0">
+                          <a:solidFill>
+                            <a:srgbClr val="000000"/>
+                          </a:solidFill>
+                          <a:effectLst/>
+                          <a:latin typeface="Arial"/>
+                          <a:ea typeface="Arial"/>
+                          <a:cs typeface="Arial"/>
+                          <a:sym typeface="Arial"/>
+                        </a:rPr>
+                        <a:t>, </a:t>
+                      </a:r>
+                      <a:r>
+                        <a:rPr lang="ko-KR" altLang="en-US" sz="1400" b="0" i="0" u="none" strike="noStrike" cap="none" dirty="0" smtClean="0">
+                          <a:solidFill>
+                            <a:srgbClr val="000000"/>
+                          </a:solidFill>
+                          <a:effectLst/>
+                          <a:latin typeface="Arial"/>
+                          <a:ea typeface="Arial"/>
+                          <a:cs typeface="Arial"/>
+                          <a:sym typeface="Arial"/>
+                        </a:rPr>
+                        <a:t>내용 넣고 작성하기</a:t>
+                      </a:r>
+                      <a:endParaRPr lang="ko-KR" altLang="en-US" sz="1000" dirty="0"/>
+                    </a:p>
+                  </a:txBody>
+                  <a:tcPr anchor="ctr"/>
+                </a:tc>
+                <a:extLst>
+                  <a:ext uri="{0D108BD9-81ED-4DB2-BD59-A6C34878D82A}">
+                    <a16:rowId xmlns:a16="http://schemas.microsoft.com/office/drawing/2014/main" val="1763740348"/>
+                  </a:ext>
+                </a:extLst>
+              </a:tr>
+              <a:tr h="338616">
+                <a:tc>
+                  <a:txBody>
+                    <a:bodyPr/>
+                    <a:lstStyle/>
+                    <a:p>
+                      <a:pPr algn="ctr" latinLnBrk="1"/>
+                      <a:r>
+                        <a:rPr lang="en-US" altLang="ko-KR" sz="1000" dirty="0" smtClean="0"/>
+                        <a:t>3</a:t>
+                      </a:r>
+                      <a:endParaRPr lang="ko-KR" altLang="en-US" sz="1000" dirty="0"/>
+                    </a:p>
+                  </a:txBody>
+                  <a:tcPr anchor="ctr"/>
+                </a:tc>
+                <a:tc>
+                  <a:txBody>
+                    <a:bodyPr/>
+                    <a:lstStyle/>
+                    <a:p>
+                      <a:pPr algn="ctr" latinLnBrk="1"/>
+                      <a:r>
+                        <a:rPr lang="ko-KR" altLang="en-US" sz="1400" b="0" i="0" u="none" strike="noStrike" cap="none" dirty="0" smtClean="0">
+                          <a:solidFill>
+                            <a:srgbClr val="000000"/>
+                          </a:solidFill>
+                          <a:effectLst/>
+                          <a:latin typeface="Arial"/>
+                          <a:ea typeface="Arial"/>
+                          <a:cs typeface="Arial"/>
+                          <a:sym typeface="Arial"/>
+                        </a:rPr>
+                        <a:t>글 작성 취소하고 목록으로 가기</a:t>
+                      </a:r>
+                      <a:endParaRPr lang="ko-KR" altLang="en-US" sz="1000" dirty="0"/>
+                    </a:p>
+                  </a:txBody>
+                  <a:tcPr anchor="ctr"/>
+                </a:tc>
+                <a:extLst>
+                  <a:ext uri="{0D108BD9-81ED-4DB2-BD59-A6C34878D82A}">
+                    <a16:rowId xmlns:a16="http://schemas.microsoft.com/office/drawing/2014/main" val="2326188697"/>
+                  </a:ext>
+                </a:extLst>
+              </a:tr>
+            </a:tbl>
+          </a:graphicData>
+        </a:graphic>
+      </p:graphicFrame>
+      <p:pic>
+        <p:nvPicPr>
+          <p:cNvPr id="4" name="그림 3"/>
+          <p:cNvPicPr>
+            <a:picLocks noChangeAspect="1"/>
+          </p:cNvPicPr>
+          <p:nvPr/>
+        </p:nvPicPr>
+        <p:blipFill>
+          <a:blip r:embed="rId3">
+            <a:extLst>
+              <a:ext uri="{28A0092B-C50C-407E-A947-70E740481C1C}">
+                <a14:useLocalDpi xmlns:a14="http://schemas.microsoft.com/office/drawing/2010/main" val="0"/>
+              </a:ext>
+            </a:extLst>
+          </a:blip>
+          <a:stretch>
+            <a:fillRect/>
+          </a:stretch>
+        </p:blipFill>
+        <p:spPr>
+          <a:xfrm>
+            <a:off x="54319" y="1277718"/>
+            <a:ext cx="5644574" cy="3180890"/>
+          </a:xfrm>
+          <a:prstGeom prst="rect">
+            <a:avLst/>
+          </a:prstGeom>
+        </p:spPr>
+      </p:pic>
+    </p:spTree>
+    <p:extLst>
+      <p:ext uri="{BB962C8B-B14F-4D97-AF65-F5344CB8AC3E}">
+        <p14:creationId xmlns:p14="http://schemas.microsoft.com/office/powerpoint/2010/main" val="116032214"/>
+      </p:ext>
+    </p:extLst>
+  </p:cSld>
+  <p:clrMapOvr>
+    <a:masterClrMapping/>
+  </p:clrMapOvr>
+  <p:timing>
+    <p:tnLst>
+      <p:par>
+        <p:cTn id="1" dur="indefinite" restart="never" nodeType="tmRoot"/>
+      </p:par>
+    </p:tnLst>
+  </p:timing>
+</p:sld>
+</file>
+
+<file path=ppt/slides/slide36.xml><?xml version="1.0" encoding="utf-8"?>
+<p:sld xmlns:a="http://schemas.openxmlformats.org/drawingml/2006/main" xmlns:r="http://schemas.openxmlformats.org/officeDocument/2006/relationships" xmlns:p="http://schemas.openxmlformats.org/presentationml/2006/main">
+  <p:cSld>
+    <p:spTree>
+      <p:nvGrpSpPr>
+        <p:cNvPr id="1" name="Shape 300"/>
+        <p:cNvGrpSpPr/>
+        <p:nvPr/>
+      </p:nvGrpSpPr>
+      <p:grpSpPr>
+        <a:xfrm>
+          <a:off x="0" y="0"/>
+          <a:ext cx="0" cy="0"/>
+          <a:chOff x="0" y="0"/>
+          <a:chExt cx="0" cy="0"/>
+        </a:xfrm>
+      </p:grpSpPr>
+      <p:graphicFrame>
+        <p:nvGraphicFramePr>
+          <p:cNvPr id="2" name="표 1"/>
+          <p:cNvGraphicFramePr>
+            <a:graphicFrameLocks noGrp="1"/>
+          </p:cNvGraphicFramePr>
+          <p:nvPr>
+            <p:extLst/>
+          </p:nvPr>
+        </p:nvGraphicFramePr>
+        <p:xfrm>
+          <a:off x="0" y="0"/>
+          <a:ext cx="9144000" cy="488138"/>
+        </p:xfrm>
+        <a:graphic>
+          <a:graphicData uri="http://schemas.openxmlformats.org/drawingml/2006/table">
+            <a:tbl>
+              <a:tblPr firstRow="1" bandRow="1">
+                <a:tableStyleId>{519352A9-2B63-4AD2-B8CD-3DEFD3B06E96}</a:tableStyleId>
+              </a:tblPr>
+              <a:tblGrid>
+                <a:gridCol w="983152">
+                  <a:extLst>
+                    <a:ext uri="{9D8B030D-6E8A-4147-A177-3AD203B41FA5}">
+                      <a16:colId xmlns:a16="http://schemas.microsoft.com/office/drawing/2014/main" val="1232716861"/>
+                    </a:ext>
+                  </a:extLst>
+                </a:gridCol>
+                <a:gridCol w="2240108">
+                  <a:extLst>
+                    <a:ext uri="{9D8B030D-6E8A-4147-A177-3AD203B41FA5}">
+                      <a16:colId xmlns:a16="http://schemas.microsoft.com/office/drawing/2014/main" val="2298462088"/>
+                    </a:ext>
+                  </a:extLst>
+                </a:gridCol>
+                <a:gridCol w="1790700">
+                  <a:extLst>
+                    <a:ext uri="{9D8B030D-6E8A-4147-A177-3AD203B41FA5}">
+                      <a16:colId xmlns:a16="http://schemas.microsoft.com/office/drawing/2014/main" val="1047937324"/>
+                    </a:ext>
+                  </a:extLst>
+                </a:gridCol>
+                <a:gridCol w="4130040">
+                  <a:extLst>
+                    <a:ext uri="{9D8B030D-6E8A-4147-A177-3AD203B41FA5}">
+                      <a16:colId xmlns:a16="http://schemas.microsoft.com/office/drawing/2014/main" val="3447884235"/>
+                    </a:ext>
+                  </a:extLst>
+                </a:gridCol>
+              </a:tblGrid>
+              <a:tr h="244069">
+                <a:tc>
+                  <a:txBody>
+                    <a:bodyPr/>
+                    <a:lstStyle/>
+                    <a:p>
+                      <a:pPr algn="ctr" latinLnBrk="1"/>
+                      <a:r>
+                        <a:rPr lang="en-US" altLang="ko-KR" sz="1000" dirty="0" smtClean="0"/>
+                        <a:t>No</a:t>
+                      </a:r>
+                      <a:endParaRPr lang="ko-KR" altLang="en-US" sz="1000" dirty="0"/>
+                    </a:p>
+                  </a:txBody>
+                  <a:tcPr anchor="ctr">
+                    <a:solidFill>
+                      <a:srgbClr val="6EBDB0"/>
+                    </a:solidFill>
+                  </a:tcPr>
+                </a:tc>
+                <a:tc>
+                  <a:txBody>
+                    <a:bodyPr/>
+                    <a:lstStyle/>
+                    <a:p>
+                      <a:pPr algn="ctr" latinLnBrk="1"/>
+                      <a:r>
+                        <a:rPr lang="ko-KR" altLang="en-US" sz="1000" dirty="0" err="1" smtClean="0"/>
+                        <a:t>화면이름</a:t>
+                      </a:r>
+                      <a:endParaRPr lang="ko-KR" altLang="en-US" sz="1000" dirty="0"/>
+                    </a:p>
+                  </a:txBody>
+                  <a:tcPr anchor="ctr">
+                    <a:solidFill>
+                      <a:srgbClr val="6EBDB0"/>
+                    </a:solidFill>
+                  </a:tcPr>
+                </a:tc>
+                <a:tc>
+                  <a:txBody>
+                    <a:bodyPr/>
+                    <a:lstStyle/>
+                    <a:p>
+                      <a:pPr algn="ctr" latinLnBrk="1"/>
+                      <a:r>
+                        <a:rPr lang="ko-KR" altLang="en-US" sz="1000" dirty="0" smtClean="0"/>
+                        <a:t>페이지</a:t>
+                      </a:r>
+                      <a:endParaRPr lang="ko-KR" altLang="en-US" sz="1000" dirty="0"/>
+                    </a:p>
+                  </a:txBody>
+                  <a:tcPr anchor="ctr">
+                    <a:solidFill>
+                      <a:srgbClr val="6EBDB0"/>
+                    </a:solidFill>
+                  </a:tcPr>
+                </a:tc>
+                <a:tc>
+                  <a:txBody>
+                    <a:bodyPr/>
+                    <a:lstStyle/>
+                    <a:p>
+                      <a:pPr algn="ctr" latinLnBrk="1"/>
+                      <a:r>
+                        <a:rPr lang="ko-KR" altLang="en-US" sz="1000" dirty="0" smtClean="0"/>
+                        <a:t>설명</a:t>
+                      </a:r>
+                      <a:endParaRPr lang="ko-KR" altLang="en-US" sz="1000" dirty="0"/>
+                    </a:p>
+                  </a:txBody>
+                  <a:tcPr anchor="ctr">
+                    <a:solidFill>
+                      <a:srgbClr val="6EBDB0"/>
+                    </a:solidFill>
+                  </a:tcPr>
+                </a:tc>
+                <a:extLst>
+                  <a:ext uri="{0D108BD9-81ED-4DB2-BD59-A6C34878D82A}">
+                    <a16:rowId xmlns:a16="http://schemas.microsoft.com/office/drawing/2014/main" val="2653807755"/>
+                  </a:ext>
+                </a:extLst>
+              </a:tr>
+              <a:tr h="244069">
+                <a:tc>
+                  <a:txBody>
+                    <a:bodyPr/>
+                    <a:lstStyle/>
+                    <a:p>
+                      <a:pPr algn="ctr" latinLnBrk="1"/>
+                      <a:r>
+                        <a:rPr lang="en-US" altLang="ko-KR" sz="1000" dirty="0" smtClean="0"/>
+                        <a:t>6-8</a:t>
+                      </a:r>
+                      <a:endParaRPr lang="ko-KR" altLang="en-US" sz="1000" dirty="0"/>
+                    </a:p>
+                  </a:txBody>
+                  <a:tcPr anchor="ctr"/>
+                </a:tc>
+                <a:tc>
+                  <a:txBody>
+                    <a:bodyPr/>
+                    <a:lstStyle/>
+                    <a:p>
+                      <a:pPr algn="ctr" latinLnBrk="1"/>
+                      <a:r>
+                        <a:rPr lang="ko-KR" altLang="en-US" sz="1000" dirty="0" smtClean="0"/>
+                        <a:t>전자도서관</a:t>
+                      </a:r>
+                      <a:r>
+                        <a:rPr lang="en-US" altLang="ko-KR" sz="1000" dirty="0" smtClean="0"/>
+                        <a:t>-</a:t>
+                      </a:r>
+                      <a:r>
+                        <a:rPr lang="ko-KR" altLang="en-US" sz="1000" dirty="0" err="1" smtClean="0"/>
+                        <a:t>도서관소식</a:t>
+                      </a:r>
+                      <a:r>
+                        <a:rPr lang="en-US" altLang="ko-KR" sz="1000" dirty="0" smtClean="0"/>
+                        <a:t>-</a:t>
+                      </a:r>
+                      <a:r>
+                        <a:rPr lang="ko-KR" altLang="en-US" sz="1000" dirty="0" smtClean="0"/>
+                        <a:t>수정</a:t>
+                      </a:r>
+                      <a:endParaRPr lang="ko-KR" altLang="en-US" sz="1000" dirty="0"/>
+                    </a:p>
+                  </a:txBody>
+                  <a:tcPr anchor="ctr"/>
+                </a:tc>
+                <a:tc>
+                  <a:txBody>
+                    <a:bodyPr/>
+                    <a:lstStyle/>
+                    <a:p>
+                      <a:pPr algn="ctr" latinLnBrk="1"/>
+                      <a:r>
+                        <a:rPr lang="en-US" altLang="ko-KR" sz="1000" dirty="0" err="1" smtClean="0"/>
+                        <a:t>Elib</a:t>
+                      </a:r>
+                      <a:r>
+                        <a:rPr lang="en-US" altLang="ko-KR" sz="1000" dirty="0" smtClean="0"/>
+                        <a:t>/info/modify</a:t>
+                      </a:r>
+                      <a:endParaRPr lang="ko-KR" altLang="en-US" sz="1000" dirty="0"/>
+                    </a:p>
+                  </a:txBody>
+                  <a:tcPr anchor="ctr"/>
+                </a:tc>
+                <a:tc>
+                  <a:txBody>
+                    <a:bodyPr/>
+                    <a:lstStyle/>
+                    <a:p>
+                      <a:pPr algn="ctr" latinLnBrk="1"/>
+                      <a:r>
+                        <a:rPr lang="ko-KR" altLang="en-US" sz="1000" dirty="0" smtClean="0"/>
+                        <a:t>전자도서관 </a:t>
+                      </a:r>
+                      <a:r>
+                        <a:rPr lang="ko-KR" altLang="en-US" sz="1000" dirty="0" err="1" smtClean="0"/>
+                        <a:t>도서관소식</a:t>
+                      </a:r>
+                      <a:r>
+                        <a:rPr lang="ko-KR" altLang="en-US" sz="1000" dirty="0" smtClean="0"/>
+                        <a:t> 게시판 수정</a:t>
+                      </a:r>
+                      <a:endParaRPr lang="ko-KR" altLang="en-US" sz="1000" dirty="0"/>
+                    </a:p>
+                  </a:txBody>
+                  <a:tcPr anchor="ctr"/>
+                </a:tc>
+                <a:extLst>
+                  <a:ext uri="{0D108BD9-81ED-4DB2-BD59-A6C34878D82A}">
+                    <a16:rowId xmlns:a16="http://schemas.microsoft.com/office/drawing/2014/main" val="1721092389"/>
+                  </a:ext>
+                </a:extLst>
+              </a:tr>
+            </a:tbl>
+          </a:graphicData>
+        </a:graphic>
+      </p:graphicFrame>
+      <p:graphicFrame>
+        <p:nvGraphicFramePr>
+          <p:cNvPr id="7" name="표 6"/>
+          <p:cNvGraphicFramePr>
+            <a:graphicFrameLocks noGrp="1"/>
+          </p:cNvGraphicFramePr>
+          <p:nvPr>
+            <p:extLst/>
+          </p:nvPr>
+        </p:nvGraphicFramePr>
+        <p:xfrm>
+          <a:off x="5768339" y="488138"/>
+          <a:ext cx="3375660" cy="1354464"/>
+        </p:xfrm>
+        <a:graphic>
+          <a:graphicData uri="http://schemas.openxmlformats.org/drawingml/2006/table">
+            <a:tbl>
+              <a:tblPr firstRow="1" bandRow="1">
+                <a:tableStyleId>{519352A9-2B63-4AD2-B8CD-3DEFD3B06E96}</a:tableStyleId>
+              </a:tblPr>
+              <a:tblGrid>
+                <a:gridCol w="511465">
+                  <a:extLst>
+                    <a:ext uri="{9D8B030D-6E8A-4147-A177-3AD203B41FA5}">
+                      <a16:colId xmlns:a16="http://schemas.microsoft.com/office/drawing/2014/main" val="1793106285"/>
+                    </a:ext>
+                  </a:extLst>
+                </a:gridCol>
+                <a:gridCol w="2864195">
+                  <a:extLst>
+                    <a:ext uri="{9D8B030D-6E8A-4147-A177-3AD203B41FA5}">
+                      <a16:colId xmlns:a16="http://schemas.microsoft.com/office/drawing/2014/main" val="9508570"/>
+                    </a:ext>
+                  </a:extLst>
+                </a:gridCol>
+              </a:tblGrid>
+              <a:tr h="338616">
+                <a:tc>
+                  <a:txBody>
+                    <a:bodyPr/>
+                    <a:lstStyle/>
+                    <a:p>
+                      <a:pPr algn="ctr" latinLnBrk="1"/>
+                      <a:r>
+                        <a:rPr lang="ko-KR" altLang="en-US" sz="1000" dirty="0" smtClean="0"/>
+                        <a:t>번호</a:t>
+                      </a:r>
+                      <a:endParaRPr lang="ko-KR" altLang="en-US" sz="1000" dirty="0"/>
+                    </a:p>
+                  </a:txBody>
+                  <a:tcPr anchor="ctr">
+                    <a:solidFill>
+                      <a:srgbClr val="6EBDB0"/>
+                    </a:solidFill>
+                  </a:tcPr>
+                </a:tc>
+                <a:tc>
+                  <a:txBody>
+                    <a:bodyPr/>
+                    <a:lstStyle/>
+                    <a:p>
+                      <a:pPr algn="ctr" latinLnBrk="1"/>
+                      <a:r>
+                        <a:rPr lang="ko-KR" altLang="en-US" sz="1000" dirty="0" smtClean="0"/>
+                        <a:t>설명</a:t>
+                      </a:r>
+                      <a:endParaRPr lang="ko-KR" altLang="en-US" sz="1000" dirty="0"/>
+                    </a:p>
+                  </a:txBody>
+                  <a:tcPr anchor="ctr">
+                    <a:solidFill>
+                      <a:srgbClr val="6EBDB0"/>
+                    </a:solidFill>
+                  </a:tcPr>
+                </a:tc>
+                <a:extLst>
+                  <a:ext uri="{0D108BD9-81ED-4DB2-BD59-A6C34878D82A}">
+                    <a16:rowId xmlns:a16="http://schemas.microsoft.com/office/drawing/2014/main" val="172448955"/>
+                  </a:ext>
+                </a:extLst>
+              </a:tr>
+              <a:tr h="338616">
+                <a:tc>
+                  <a:txBody>
+                    <a:bodyPr/>
+                    <a:lstStyle/>
+                    <a:p>
+                      <a:pPr algn="ctr" latinLnBrk="1"/>
+                      <a:r>
+                        <a:rPr lang="en-US" altLang="ko-KR" sz="1000" dirty="0" smtClean="0"/>
+                        <a:t>1</a:t>
+                      </a:r>
+                      <a:endParaRPr lang="ko-KR" altLang="en-US" sz="1000" dirty="0"/>
+                    </a:p>
+                  </a:txBody>
+                  <a:tcPr anchor="ctr"/>
+                </a:tc>
+                <a:tc>
+                  <a:txBody>
+                    <a:bodyPr/>
+                    <a:lstStyle/>
+                    <a:p>
+                      <a:pPr algn="ctr" latinLnBrk="1"/>
+                      <a:r>
+                        <a:rPr lang="ko-KR" altLang="en-US" sz="1400" b="0" i="0" u="none" strike="noStrike" cap="none" dirty="0" smtClean="0">
+                          <a:solidFill>
+                            <a:srgbClr val="000000"/>
+                          </a:solidFill>
+                          <a:effectLst/>
+                          <a:latin typeface="Arial"/>
+                          <a:ea typeface="Arial"/>
+                          <a:cs typeface="Arial"/>
+                          <a:sym typeface="Arial"/>
+                        </a:rPr>
+                        <a:t>글 제목</a:t>
+                      </a:r>
+                      <a:r>
+                        <a:rPr lang="en-US" altLang="ko-KR" sz="1400" b="0" i="0" u="none" strike="noStrike" cap="none" dirty="0" smtClean="0">
+                          <a:solidFill>
+                            <a:srgbClr val="000000"/>
+                          </a:solidFill>
+                          <a:effectLst/>
+                          <a:latin typeface="Arial"/>
+                          <a:ea typeface="Arial"/>
+                          <a:cs typeface="Arial"/>
+                          <a:sym typeface="Arial"/>
+                        </a:rPr>
+                        <a:t>, </a:t>
+                      </a:r>
+                      <a:r>
+                        <a:rPr lang="ko-KR" altLang="en-US" sz="1400" b="0" i="0" u="none" strike="noStrike" cap="none" dirty="0" smtClean="0">
+                          <a:solidFill>
+                            <a:srgbClr val="000000"/>
+                          </a:solidFill>
+                          <a:effectLst/>
+                          <a:latin typeface="Arial"/>
+                          <a:ea typeface="Arial"/>
+                          <a:cs typeface="Arial"/>
+                          <a:sym typeface="Arial"/>
+                        </a:rPr>
+                        <a:t>내용 불러오기 및 수정</a:t>
+                      </a:r>
+                      <a:endParaRPr lang="ko-KR" altLang="en-US" sz="1000" dirty="0"/>
+                    </a:p>
+                  </a:txBody>
+                  <a:tcPr anchor="ctr"/>
+                </a:tc>
+                <a:extLst>
+                  <a:ext uri="{0D108BD9-81ED-4DB2-BD59-A6C34878D82A}">
+                    <a16:rowId xmlns:a16="http://schemas.microsoft.com/office/drawing/2014/main" val="2454455020"/>
+                  </a:ext>
+                </a:extLst>
+              </a:tr>
+              <a:tr h="338616">
+                <a:tc>
+                  <a:txBody>
+                    <a:bodyPr/>
+                    <a:lstStyle/>
+                    <a:p>
+                      <a:pPr algn="ctr" latinLnBrk="1"/>
+                      <a:r>
+                        <a:rPr lang="en-US" altLang="ko-KR" sz="1000" dirty="0" smtClean="0"/>
+                        <a:t>2</a:t>
+                      </a:r>
+                      <a:endParaRPr lang="ko-KR" altLang="en-US" sz="1000" dirty="0"/>
+                    </a:p>
+                  </a:txBody>
+                  <a:tcPr anchor="ctr"/>
+                </a:tc>
+                <a:tc>
+                  <a:txBody>
+                    <a:bodyPr/>
+                    <a:lstStyle/>
+                    <a:p>
+                      <a:pPr algn="ctr" latinLnBrk="1"/>
+                      <a:r>
+                        <a:rPr lang="ko-KR" altLang="en-US" sz="1400" b="0" i="0" u="none" strike="noStrike" cap="none" dirty="0" smtClean="0">
+                          <a:solidFill>
+                            <a:srgbClr val="000000"/>
+                          </a:solidFill>
+                          <a:effectLst/>
+                          <a:latin typeface="Arial"/>
+                          <a:ea typeface="Arial"/>
+                          <a:cs typeface="Arial"/>
+                          <a:sym typeface="Arial"/>
+                        </a:rPr>
+                        <a:t>수정하기 기능 실행</a:t>
+                      </a:r>
+                      <a:endParaRPr lang="ko-KR" altLang="en-US" sz="1000" dirty="0"/>
+                    </a:p>
+                  </a:txBody>
+                  <a:tcPr anchor="ctr"/>
+                </a:tc>
+                <a:extLst>
+                  <a:ext uri="{0D108BD9-81ED-4DB2-BD59-A6C34878D82A}">
+                    <a16:rowId xmlns:a16="http://schemas.microsoft.com/office/drawing/2014/main" val="1763740348"/>
+                  </a:ext>
+                </a:extLst>
+              </a:tr>
+              <a:tr h="338616">
+                <a:tc>
+                  <a:txBody>
+                    <a:bodyPr/>
+                    <a:lstStyle/>
+                    <a:p>
+                      <a:pPr algn="ctr" latinLnBrk="1"/>
+                      <a:r>
+                        <a:rPr lang="en-US" altLang="ko-KR" sz="1000" dirty="0" smtClean="0"/>
+                        <a:t>3</a:t>
+                      </a:r>
+                      <a:endParaRPr lang="ko-KR" altLang="en-US" sz="1000" dirty="0"/>
+                    </a:p>
+                  </a:txBody>
+                  <a:tcPr anchor="ctr"/>
+                </a:tc>
+                <a:tc>
+                  <a:txBody>
+                    <a:bodyPr/>
+                    <a:lstStyle/>
+                    <a:p>
+                      <a:pPr algn="ctr" latinLnBrk="1"/>
+                      <a:r>
+                        <a:rPr lang="ko-KR" altLang="en-US" sz="1400" b="0" i="0" u="none" strike="noStrike" cap="none" dirty="0" smtClean="0">
+                          <a:solidFill>
+                            <a:srgbClr val="000000"/>
+                          </a:solidFill>
+                          <a:effectLst/>
+                          <a:latin typeface="Arial"/>
+                          <a:ea typeface="Arial"/>
+                          <a:cs typeface="Arial"/>
+                          <a:sym typeface="Arial"/>
+                        </a:rPr>
+                        <a:t>수정 취소하고</a:t>
+                      </a:r>
+                      <a:r>
+                        <a:rPr lang="ko-KR" altLang="en-US" sz="1400" b="0" i="0" u="none" strike="noStrike" cap="none" baseline="0" dirty="0" smtClean="0">
+                          <a:solidFill>
+                            <a:srgbClr val="000000"/>
+                          </a:solidFill>
+                          <a:effectLst/>
+                          <a:latin typeface="Arial"/>
+                          <a:ea typeface="Arial"/>
+                          <a:cs typeface="Arial"/>
+                          <a:sym typeface="Arial"/>
+                        </a:rPr>
+                        <a:t> </a:t>
+                      </a:r>
+                      <a:r>
+                        <a:rPr lang="ko-KR" altLang="en-US" sz="1400" b="0" i="0" u="none" strike="noStrike" cap="none" baseline="0" dirty="0" err="1" smtClean="0">
+                          <a:solidFill>
+                            <a:srgbClr val="000000"/>
+                          </a:solidFill>
+                          <a:effectLst/>
+                          <a:latin typeface="Arial"/>
+                          <a:ea typeface="Arial"/>
+                          <a:cs typeface="Arial"/>
+                          <a:sym typeface="Arial"/>
+                        </a:rPr>
+                        <a:t>글보기</a:t>
+                      </a:r>
+                      <a:r>
+                        <a:rPr lang="ko-KR" altLang="en-US" sz="1400" b="0" i="0" u="none" strike="noStrike" cap="none" dirty="0" err="1" smtClean="0">
+                          <a:solidFill>
+                            <a:srgbClr val="000000"/>
+                          </a:solidFill>
+                          <a:effectLst/>
+                          <a:latin typeface="Arial"/>
+                          <a:ea typeface="Arial"/>
+                          <a:cs typeface="Arial"/>
+                          <a:sym typeface="Arial"/>
+                        </a:rPr>
+                        <a:t>로</a:t>
+                      </a:r>
+                      <a:r>
+                        <a:rPr lang="ko-KR" altLang="en-US" sz="1400" b="0" i="0" u="none" strike="noStrike" cap="none" dirty="0" smtClean="0">
+                          <a:solidFill>
+                            <a:srgbClr val="000000"/>
+                          </a:solidFill>
+                          <a:effectLst/>
+                          <a:latin typeface="Arial"/>
+                          <a:ea typeface="Arial"/>
+                          <a:cs typeface="Arial"/>
+                          <a:sym typeface="Arial"/>
+                        </a:rPr>
+                        <a:t> 가기</a:t>
+                      </a:r>
+                      <a:endParaRPr lang="ko-KR" altLang="en-US" sz="1000" dirty="0"/>
+                    </a:p>
+                  </a:txBody>
+                  <a:tcPr anchor="ctr"/>
+                </a:tc>
+                <a:extLst>
+                  <a:ext uri="{0D108BD9-81ED-4DB2-BD59-A6C34878D82A}">
+                    <a16:rowId xmlns:a16="http://schemas.microsoft.com/office/drawing/2014/main" val="2326188697"/>
+                  </a:ext>
+                </a:extLst>
+              </a:tr>
+            </a:tbl>
+          </a:graphicData>
+        </a:graphic>
+      </p:graphicFrame>
+      <p:pic>
+        <p:nvPicPr>
+          <p:cNvPr id="4" name="그림 3"/>
+          <p:cNvPicPr>
+            <a:picLocks noChangeAspect="1"/>
+          </p:cNvPicPr>
+          <p:nvPr/>
+        </p:nvPicPr>
+        <p:blipFill>
+          <a:blip r:embed="rId3">
+            <a:extLst>
+              <a:ext uri="{28A0092B-C50C-407E-A947-70E740481C1C}">
+                <a14:useLocalDpi xmlns:a14="http://schemas.microsoft.com/office/drawing/2010/main" val="0"/>
+              </a:ext>
+            </a:extLst>
+          </a:blip>
+          <a:stretch>
+            <a:fillRect/>
+          </a:stretch>
+        </p:blipFill>
+        <p:spPr>
+          <a:xfrm>
+            <a:off x="61901" y="1277718"/>
+            <a:ext cx="5629409" cy="3180890"/>
+          </a:xfrm>
+          <a:prstGeom prst="rect">
+            <a:avLst/>
+          </a:prstGeom>
+        </p:spPr>
+      </p:pic>
+    </p:spTree>
+    <p:extLst>
+      <p:ext uri="{BB962C8B-B14F-4D97-AF65-F5344CB8AC3E}">
+        <p14:creationId xmlns:p14="http://schemas.microsoft.com/office/powerpoint/2010/main" val="4099540423"/>
+      </p:ext>
+    </p:extLst>
+  </p:cSld>
+  <p:clrMapOvr>
+    <a:masterClrMapping/>
+  </p:clrMapOvr>
+  <p:timing>
+    <p:tnLst>
+      <p:par>
+        <p:cTn id="1" dur="indefinite" restart="never" nodeType="tmRoot"/>
+      </p:par>
+    </p:tnLst>
+  </p:timing>
 </p:sld>
 </file>
 
